--- a/Document/GIANTS_SecondPresentation.pptx
+++ b/Document/GIANTS_SecondPresentation.pptx
@@ -10,6 +10,9 @@
     <p:sldId id="258" r:id="rId4"/>
     <p:sldId id="259" r:id="rId5"/>
     <p:sldId id="260" r:id="rId6"/>
+    <p:sldId id="261" r:id="rId7"/>
+    <p:sldId id="262" r:id="rId8"/>
+    <p:sldId id="263" r:id="rId9"/>
   </p:sldIdLst>
   <p:sldSz cx="12192000" cy="6858000"/>
   <p:notesSz cx="6858000" cy="9144000"/>
@@ -108,6 +111,11 @@
       </a:defRPr>
     </a:lvl9pPr>
   </p:defaultTextStyle>
+  <p:extLst>
+    <p:ext uri="{EFAFB233-063F-42B5-8137-9DF3F51BA10A}">
+      <p15:sldGuideLst xmlns:p15="http://schemas.microsoft.com/office/powerpoint/2012/main"/>
+    </p:ext>
+  </p:extLst>
 </p:presentation>
 </file>
 
@@ -250,7 +258,7 @@
           <a:p>
             <a:fld id="{48A87A34-81AB-432B-8DAE-1953F412C126}" type="datetimeFigureOut">
               <a:rPr lang="en-US" dirty="0"/>
-              <a:t>2/13/2017</a:t>
+              <a:t>2/14/2017</a:t>
             </a:fld>
             <a:endParaRPr lang="en-US" dirty="0"/>
           </a:p>
@@ -456,7 +464,7 @@
           <a:p>
             <a:fld id="{48A87A34-81AB-432B-8DAE-1953F412C126}" type="datetimeFigureOut">
               <a:rPr lang="en-US" dirty="0"/>
-              <a:t>2/13/2017</a:t>
+              <a:t>2/14/2017</a:t>
             </a:fld>
             <a:endParaRPr lang="en-US" dirty="0"/>
           </a:p>
@@ -666,7 +674,7 @@
           <a:p>
             <a:fld id="{48A87A34-81AB-432B-8DAE-1953F412C126}" type="datetimeFigureOut">
               <a:rPr lang="en-US" dirty="0"/>
-              <a:t>2/13/2017</a:t>
+              <a:t>2/14/2017</a:t>
             </a:fld>
             <a:endParaRPr lang="en-US" dirty="0"/>
           </a:p>
@@ -862,7 +870,7 @@
           <a:p>
             <a:fld id="{48A87A34-81AB-432B-8DAE-1953F412C126}" type="datetimeFigureOut">
               <a:rPr lang="en-US" dirty="0"/>
-              <a:t>2/13/2017</a:t>
+              <a:t>2/14/2017</a:t>
             </a:fld>
             <a:endParaRPr lang="en-US" dirty="0"/>
           </a:p>
@@ -1136,7 +1144,7 @@
           <a:p>
             <a:fld id="{48A87A34-81AB-432B-8DAE-1953F412C126}" type="datetimeFigureOut">
               <a:rPr lang="en-US" dirty="0"/>
-              <a:t>2/13/2017</a:t>
+              <a:t>2/14/2017</a:t>
             </a:fld>
             <a:endParaRPr lang="en-US" dirty="0"/>
           </a:p>
@@ -1399,7 +1407,7 @@
           <a:p>
             <a:fld id="{48A87A34-81AB-432B-8DAE-1953F412C126}" type="datetimeFigureOut">
               <a:rPr lang="en-US" dirty="0"/>
-              <a:t>2/13/2017</a:t>
+              <a:t>2/14/2017</a:t>
             </a:fld>
             <a:endParaRPr lang="en-US" dirty="0"/>
           </a:p>
@@ -1810,7 +1818,7 @@
           <a:p>
             <a:fld id="{48A87A34-81AB-432B-8DAE-1953F412C126}" type="datetimeFigureOut">
               <a:rPr lang="en-US" dirty="0"/>
-              <a:t>2/13/2017</a:t>
+              <a:t>2/14/2017</a:t>
             </a:fld>
             <a:endParaRPr lang="en-US" dirty="0"/>
           </a:p>
@@ -1954,7 +1962,7 @@
           <a:p>
             <a:fld id="{48A87A34-81AB-432B-8DAE-1953F412C126}" type="datetimeFigureOut">
               <a:rPr lang="en-US" dirty="0"/>
-              <a:t>2/13/2017</a:t>
+              <a:t>2/14/2017</a:t>
             </a:fld>
             <a:endParaRPr lang="en-US" dirty="0"/>
           </a:p>
@@ -2075,7 +2083,7 @@
           <a:p>
             <a:fld id="{48A87A34-81AB-432B-8DAE-1953F412C126}" type="datetimeFigureOut">
               <a:rPr lang="en-US" dirty="0"/>
-              <a:t>2/13/2017</a:t>
+              <a:t>2/14/2017</a:t>
             </a:fld>
             <a:endParaRPr lang="en-US" dirty="0"/>
           </a:p>
@@ -2321,7 +2329,7 @@
           <a:p>
             <a:fld id="{48A87A34-81AB-432B-8DAE-1953F412C126}" type="datetimeFigureOut">
               <a:rPr lang="en-US" dirty="0"/>
-              <a:t>2/13/2017</a:t>
+              <a:t>2/14/2017</a:t>
             </a:fld>
             <a:endParaRPr lang="en-US" dirty="0"/>
           </a:p>
@@ -2762,7 +2770,7 @@
             <a:fld id="{48A87A34-81AB-432B-8DAE-1953F412C126}" type="datetimeFigureOut">
               <a:rPr lang="en-US" dirty="0"/>
               <a:pPr/>
-              <a:t>2/13/2017</a:t>
+              <a:t>2/14/2017</a:t>
             </a:fld>
             <a:endParaRPr lang="en-US" dirty="0"/>
           </a:p>
@@ -3084,7 +3092,7 @@
             <a:fld id="{48A87A34-81AB-432B-8DAE-1953F412C126}" type="datetimeFigureOut">
               <a:rPr lang="en-US" dirty="0"/>
               <a:pPr/>
-              <a:t>2/13/2017</a:t>
+              <a:t>2/14/2017</a:t>
             </a:fld>
             <a:endParaRPr lang="en-US" dirty="0"/>
           </a:p>
@@ -3587,7 +3595,6 @@
               <a:rPr lang="en-US" sz="5400" dirty="0"/>
               <a:t>Visualize Multi-Agent Patrolling</a:t>
             </a:r>
-            <a:endParaRPr lang="en-US" sz="5400" dirty="0"/>
           </a:p>
         </p:txBody>
       </p:sp>
@@ -3930,41 +3937,34 @@
           <a:p>
             <a:r>
               <a:rPr lang="en-US" dirty="0"/>
-              <a:t>1.</a:t>
+              <a:t>1. User</a:t>
+            </a:r>
+            <a:r>
+              <a:rPr lang="en-US" altLang="zh-CN" dirty="0"/>
+              <a:t>s</a:t>
             </a:r>
             <a:r>
               <a:rPr lang="en-US" dirty="0"/>
-              <a:t> User initialize the environment(set open spaces, agents, etc.)</a:t>
+              <a:t> initialize the environment(set open spaces, agents, etc.)</a:t>
             </a:r>
-            <a:endParaRPr lang="en-US" dirty="0"/>
           </a:p>
           <a:p>
             <a:r>
               <a:rPr lang="en-US" dirty="0"/>
-              <a:t>2. User </a:t>
+              <a:t>2. Users choose block view</a:t>
             </a:r>
+          </a:p>
+          <a:p>
             <a:r>
               <a:rPr lang="en-US" dirty="0"/>
-              <a:t>choose block view</a:t>
+              <a:t>3. Users execute the algorithm step by step or in a fixed number of steps in block view.</a:t>
             </a:r>
-            <a:endParaRPr lang="en-US" dirty="0"/>
           </a:p>
           <a:p>
             <a:r>
               <a:rPr lang="en-US" dirty="0"/>
-              <a:t>3. </a:t>
+              <a:t>4. Users choose graphic view</a:t>
             </a:r>
-            <a:r>
-              <a:rPr lang="en-US" dirty="0"/>
-              <a:t>User execute the algorithm step by step or a fixed number of steps.</a:t>
-            </a:r>
-          </a:p>
-          <a:p>
-            <a:r>
-              <a:rPr lang="en-US" dirty="0"/>
-              <a:t>4. User choose graphic view</a:t>
-            </a:r>
-            <a:endParaRPr lang="en-US" dirty="0"/>
           </a:p>
           <a:p>
             <a:endParaRPr lang="en-US" dirty="0"/>
@@ -4136,14 +4136,14 @@
             <p:ph idx="1"/>
             <p:extLst>
               <p:ext uri="{D42A27DB-BD31-4B8C-83A1-F6EECF244321}">
-                <p14:modId xmlns:p14="http://schemas.microsoft.com/office/powerpoint/2010/main" val="219162663"/>
+                <p14:modId xmlns:p14="http://schemas.microsoft.com/office/powerpoint/2010/main" val="2932493035"/>
               </p:ext>
             </p:extLst>
           </p:nvPr>
         </p:nvGraphicFramePr>
         <p:xfrm>
-          <a:off x="2236830" y="1735726"/>
-          <a:ext cx="8032772" cy="5100853"/>
+          <a:off x="1451579" y="1473316"/>
+          <a:ext cx="9246901" cy="5373572"/>
         </p:xfrm>
         <a:graphic>
           <a:graphicData uri="http://schemas.openxmlformats.org/drawingml/2006/table">
@@ -4152,56 +4152,56 @@
                 <a:tableStyleId>{5C22544A-7EE6-4342-B048-85BDC9FD1C3A}</a:tableStyleId>
               </a:tblPr>
               <a:tblGrid>
-                <a:gridCol w="505753">
+                <a:gridCol w="582196">
                   <a:extLst>
                     <a:ext uri="{9D8B030D-6E8A-4147-A177-3AD203B41FA5}">
                       <a16:colId xmlns:a16="http://schemas.microsoft.com/office/drawing/2014/main" val="3154414089"/>
                     </a:ext>
                   </a:extLst>
                 </a:gridCol>
-                <a:gridCol w="571036">
+                <a:gridCol w="657347">
                   <a:extLst>
                     <a:ext uri="{9D8B030D-6E8A-4147-A177-3AD203B41FA5}">
                       <a16:colId xmlns:a16="http://schemas.microsoft.com/office/drawing/2014/main" val="3261103776"/>
                     </a:ext>
                   </a:extLst>
                 </a:gridCol>
-                <a:gridCol w="1366434">
+                <a:gridCol w="1572966">
                   <a:extLst>
                     <a:ext uri="{9D8B030D-6E8A-4147-A177-3AD203B41FA5}">
                       <a16:colId xmlns:a16="http://schemas.microsoft.com/office/drawing/2014/main" val="2920495208"/>
                     </a:ext>
                   </a:extLst>
                 </a:gridCol>
-                <a:gridCol w="956730">
+                <a:gridCol w="1101337">
                   <a:extLst>
                     <a:ext uri="{9D8B030D-6E8A-4147-A177-3AD203B41FA5}">
                       <a16:colId xmlns:a16="http://schemas.microsoft.com/office/drawing/2014/main" val="44516619"/>
                     </a:ext>
                   </a:extLst>
                 </a:gridCol>
-                <a:gridCol w="1526263">
+                <a:gridCol w="1756953">
                   <a:extLst>
                     <a:ext uri="{9D8B030D-6E8A-4147-A177-3AD203B41FA5}">
                       <a16:colId xmlns:a16="http://schemas.microsoft.com/office/drawing/2014/main" val="1801909682"/>
                     </a:ext>
                   </a:extLst>
                 </a:gridCol>
-                <a:gridCol w="920710">
+                <a:gridCol w="1059872">
                   <a:extLst>
                     <a:ext uri="{9D8B030D-6E8A-4147-A177-3AD203B41FA5}">
                       <a16:colId xmlns:a16="http://schemas.microsoft.com/office/drawing/2014/main" val="4104040892"/>
                     </a:ext>
                   </a:extLst>
                 </a:gridCol>
-                <a:gridCol w="1276388">
+                <a:gridCol w="1469310">
                   <a:extLst>
                     <a:ext uri="{9D8B030D-6E8A-4147-A177-3AD203B41FA5}">
                       <a16:colId xmlns:a16="http://schemas.microsoft.com/office/drawing/2014/main" val="67773144"/>
                     </a:ext>
                   </a:extLst>
                 </a:gridCol>
-                <a:gridCol w="909458">
+                <a:gridCol w="1046920">
                   <a:extLst>
                     <a:ext uri="{9D8B030D-6E8A-4147-A177-3AD203B41FA5}">
                       <a16:colId xmlns:a16="http://schemas.microsoft.com/office/drawing/2014/main" val="1210070934"/>
@@ -4227,12 +4227,12 @@
                         </a:spcAft>
                       </a:pPr>
                       <a:r>
-                        <a:rPr lang="en-US" sz="1200" dirty="0" err="1">
+                        <a:rPr lang="en-US" sz="1400" dirty="0" err="1">
                           <a:effectLst/>
                         </a:rPr>
                         <a:t>S.No</a:t>
                       </a:r>
-                      <a:endParaRPr lang="en-US" sz="1200" dirty="0">
+                      <a:endParaRPr lang="en-US" sz="1400" dirty="0">
                         <a:effectLst/>
                         <a:latin typeface="Calibri" panose="020F0502020204030204" pitchFamily="34" charset="0"/>
                         <a:ea typeface="DengXian" panose="02010600030101010101" pitchFamily="2" charset="-122"/>
@@ -4259,12 +4259,12 @@
                         </a:spcAft>
                       </a:pPr>
                       <a:r>
-                        <a:rPr lang="en-US" sz="1200" dirty="0">
+                        <a:rPr lang="en-US" sz="1400" dirty="0">
                           <a:effectLst/>
                         </a:rPr>
                         <a:t>User Story index</a:t>
                       </a:r>
-                      <a:endParaRPr lang="en-US" sz="1200" dirty="0">
+                      <a:endParaRPr lang="en-US" sz="1400" dirty="0">
                         <a:effectLst/>
                         <a:latin typeface="Calibri" panose="020F0502020204030204" pitchFamily="34" charset="0"/>
                         <a:ea typeface="DengXian" panose="02010600030101010101" pitchFamily="2" charset="-122"/>
@@ -4291,12 +4291,12 @@
                         </a:spcAft>
                       </a:pPr>
                       <a:r>
-                        <a:rPr lang="en-US" sz="1200" dirty="0">
+                        <a:rPr lang="en-US" sz="1400" dirty="0">
                           <a:effectLst/>
                         </a:rPr>
                         <a:t>Task</a:t>
                       </a:r>
-                      <a:endParaRPr lang="en-US" sz="1200" dirty="0">
+                      <a:endParaRPr lang="en-US" sz="1400" dirty="0">
                         <a:effectLst/>
                         <a:latin typeface="Calibri" panose="020F0502020204030204" pitchFamily="34" charset="0"/>
                         <a:ea typeface="DengXian" panose="02010600030101010101" pitchFamily="2" charset="-122"/>
@@ -4323,12 +4323,12 @@
                         </a:spcAft>
                       </a:pPr>
                       <a:r>
-                        <a:rPr lang="en-US" sz="1200" dirty="0">
+                        <a:rPr lang="en-US" sz="1400" dirty="0">
                           <a:effectLst/>
                         </a:rPr>
                         <a:t>Date introduced</a:t>
                       </a:r>
-                      <a:endParaRPr lang="en-US" sz="1200" dirty="0">
+                      <a:endParaRPr lang="en-US" sz="1400" dirty="0">
                         <a:effectLst/>
                         <a:latin typeface="Calibri" panose="020F0502020204030204" pitchFamily="34" charset="0"/>
                         <a:ea typeface="DengXian" panose="02010600030101010101" pitchFamily="2" charset="-122"/>
@@ -4355,12 +4355,12 @@
                         </a:spcAft>
                       </a:pPr>
                       <a:r>
-                        <a:rPr lang="en-US" sz="1200" dirty="0">
+                        <a:rPr lang="en-US" sz="1400" dirty="0">
                           <a:effectLst/>
                         </a:rPr>
                         <a:t>Date considered for implementation</a:t>
                       </a:r>
-                      <a:endParaRPr lang="en-US" sz="1200" dirty="0">
+                      <a:endParaRPr lang="en-US" sz="1400" dirty="0">
                         <a:effectLst/>
                         <a:latin typeface="Calibri" panose="020F0502020204030204" pitchFamily="34" charset="0"/>
                         <a:ea typeface="DengXian" panose="02010600030101010101" pitchFamily="2" charset="-122"/>
@@ -4387,12 +4387,12 @@
                         </a:spcAft>
                       </a:pPr>
                       <a:r>
-                        <a:rPr lang="en-US" sz="1200" dirty="0">
+                        <a:rPr lang="en-US" sz="1400" dirty="0">
                           <a:effectLst/>
                         </a:rPr>
                         <a:t>Date completed</a:t>
                       </a:r>
-                      <a:endParaRPr lang="en-US" sz="1200" dirty="0">
+                      <a:endParaRPr lang="en-US" sz="1400" dirty="0">
                         <a:effectLst/>
                         <a:latin typeface="Calibri" panose="020F0502020204030204" pitchFamily="34" charset="0"/>
                         <a:ea typeface="DengXian" panose="02010600030101010101" pitchFamily="2" charset="-122"/>
@@ -4419,12 +4419,12 @@
                         </a:spcAft>
                       </a:pPr>
                       <a:r>
-                        <a:rPr lang="en-US" sz="1200" dirty="0">
+                        <a:rPr lang="en-US" sz="1400" dirty="0">
                           <a:effectLst/>
                         </a:rPr>
                         <a:t>Developer responsible for</a:t>
                       </a:r>
-                      <a:endParaRPr lang="en-US" sz="1200" dirty="0">
+                      <a:endParaRPr lang="en-US" sz="1400" dirty="0">
                         <a:effectLst/>
                         <a:latin typeface="Calibri" panose="020F0502020204030204" pitchFamily="34" charset="0"/>
                         <a:ea typeface="DengXian" panose="02010600030101010101" pitchFamily="2" charset="-122"/>
@@ -4451,12 +4451,12 @@
                         </a:spcAft>
                       </a:pPr>
                       <a:r>
-                        <a:rPr lang="en-US" sz="1200" dirty="0">
+                        <a:rPr lang="en-US" sz="1400" dirty="0">
                           <a:effectLst/>
                         </a:rPr>
                         <a:t>Current Status</a:t>
                       </a:r>
-                      <a:endParaRPr lang="en-US" sz="1200" dirty="0">
+                      <a:endParaRPr lang="en-US" sz="1400" dirty="0">
                         <a:effectLst/>
                         <a:latin typeface="Calibri" panose="020F0502020204030204" pitchFamily="34" charset="0"/>
                         <a:ea typeface="DengXian" panose="02010600030101010101" pitchFamily="2" charset="-122"/>
@@ -4490,12 +4490,12 @@
                         </a:spcAft>
                       </a:pPr>
                       <a:r>
-                        <a:rPr lang="en-US" sz="1200" dirty="0">
+                        <a:rPr lang="en-US" sz="1400" dirty="0">
                           <a:effectLst/>
                         </a:rPr>
                         <a:t>1</a:t>
                       </a:r>
-                      <a:endParaRPr lang="en-US" sz="1200" dirty="0">
+                      <a:endParaRPr lang="en-US" sz="1400" dirty="0">
                         <a:effectLst/>
                         <a:latin typeface="Calibri" panose="020F0502020204030204" pitchFamily="34" charset="0"/>
                         <a:ea typeface="DengXian" panose="02010600030101010101" pitchFamily="2" charset="-122"/>
@@ -4522,12 +4522,12 @@
                         </a:spcAft>
                       </a:pPr>
                       <a:r>
-                        <a:rPr lang="en-US" sz="1200" dirty="0">
+                        <a:rPr lang="en-US" sz="1400" dirty="0">
                           <a:effectLst/>
                         </a:rPr>
                         <a:t>1,2</a:t>
                       </a:r>
-                      <a:endParaRPr lang="en-US" sz="1200" dirty="0">
+                      <a:endParaRPr lang="en-US" sz="1400" dirty="0">
                         <a:effectLst/>
                         <a:latin typeface="Calibri" panose="020F0502020204030204" pitchFamily="34" charset="0"/>
                         <a:ea typeface="DengXian" panose="02010600030101010101" pitchFamily="2" charset="-122"/>
@@ -4554,12 +4554,18 @@
                         </a:spcAft>
                       </a:pPr>
                       <a:r>
-                        <a:rPr lang="en-US" sz="1200" dirty="0">
-                          <a:effectLst/>
-                        </a:rPr>
-                        <a:t>Develop GUI for block view moving agent one step or a fix number of steps </a:t>
-                      </a:r>
-                      <a:endParaRPr lang="en-US" sz="1200" dirty="0">
+                        <a:rPr lang="en-US" sz="1400" dirty="0">
+                          <a:effectLst/>
+                        </a:rPr>
+                        <a:t>Develop GUI for moving agent one step or a fix number of steps in </a:t>
+                      </a:r>
+                      <a:r>
+                        <a:rPr lang="en-US" sz="1400" dirty="0">
+                          <a:effectLst/>
+                        </a:rPr>
+                        <a:t>block view </a:t>
+                      </a:r>
+                      <a:endParaRPr lang="en-US" sz="1400" dirty="0">
                         <a:effectLst/>
                         <a:latin typeface="Calibri" panose="020F0502020204030204" pitchFamily="34" charset="0"/>
                         <a:ea typeface="DengXian" panose="02010600030101010101" pitchFamily="2" charset="-122"/>
@@ -4586,12 +4592,12 @@
                         </a:spcAft>
                       </a:pPr>
                       <a:r>
-                        <a:rPr lang="en-US" sz="1200" dirty="0">
+                        <a:rPr lang="en-US" sz="1400" dirty="0">
                           <a:effectLst/>
                         </a:rPr>
                         <a:t>2/10/2017</a:t>
                       </a:r>
-                      <a:endParaRPr lang="en-US" sz="1200" dirty="0">
+                      <a:endParaRPr lang="en-US" sz="1400" dirty="0">
                         <a:effectLst/>
                         <a:latin typeface="Calibri" panose="020F0502020204030204" pitchFamily="34" charset="0"/>
                         <a:ea typeface="DengXian" panose="02010600030101010101" pitchFamily="2" charset="-122"/>
@@ -4618,12 +4624,12 @@
                         </a:spcAft>
                       </a:pPr>
                       <a:r>
-                        <a:rPr lang="en-US" sz="1200">
+                        <a:rPr lang="en-US" sz="1400" dirty="0">
                           <a:effectLst/>
                         </a:rPr>
                         <a:t>2/10/2017</a:t>
                       </a:r>
-                      <a:endParaRPr lang="en-US" sz="1200">
+                      <a:endParaRPr lang="en-US" sz="1400" dirty="0">
                         <a:effectLst/>
                         <a:latin typeface="Calibri" panose="020F0502020204030204" pitchFamily="34" charset="0"/>
                         <a:ea typeface="DengXian" panose="02010600030101010101" pitchFamily="2" charset="-122"/>
@@ -4650,12 +4656,12 @@
                         </a:spcAft>
                       </a:pPr>
                       <a:r>
-                        <a:rPr lang="en-US" sz="1200">
+                        <a:rPr lang="en-US" sz="1400">
                           <a:effectLst/>
                         </a:rPr>
                         <a:t> </a:t>
                       </a:r>
-                      <a:endParaRPr lang="en-US" sz="1200">
+                      <a:endParaRPr lang="en-US" sz="1400">
                         <a:effectLst/>
                         <a:latin typeface="Calibri" panose="020F0502020204030204" pitchFamily="34" charset="0"/>
                         <a:ea typeface="DengXian" panose="02010600030101010101" pitchFamily="2" charset="-122"/>
@@ -4682,12 +4688,12 @@
                         </a:spcAft>
                       </a:pPr>
                       <a:r>
-                        <a:rPr lang="en-US" sz="1200">
+                        <a:rPr lang="en-US" sz="1400">
                           <a:effectLst/>
                         </a:rPr>
                         <a:t>Weikang Wang</a:t>
                       </a:r>
-                      <a:endParaRPr lang="en-US" sz="1200">
+                      <a:endParaRPr lang="en-US" sz="1400">
                         <a:effectLst/>
                         <a:latin typeface="Calibri" panose="020F0502020204030204" pitchFamily="34" charset="0"/>
                         <a:ea typeface="DengXian" panose="02010600030101010101" pitchFamily="2" charset="-122"/>
@@ -4714,7 +4720,7 @@
                         </a:spcAft>
                       </a:pPr>
                       <a:r>
-                        <a:rPr lang="en-US" sz="1200">
+                        <a:rPr lang="en-US" sz="1400">
                           <a:effectLst/>
                         </a:rPr>
                         <a:t>In Progress</a:t>
@@ -4733,7 +4739,7 @@
                         </a:spcAft>
                       </a:pPr>
                       <a:r>
-                        <a:rPr lang="en-US" sz="1200">
+                        <a:rPr lang="en-US" sz="1400">
                           <a:effectLst/>
                         </a:rPr>
                         <a:t> </a:t>
@@ -4752,12 +4758,12 @@
                         </a:spcAft>
                       </a:pPr>
                       <a:r>
-                        <a:rPr lang="en-US" sz="1200">
+                        <a:rPr lang="en-US" sz="1400">
                           <a:effectLst/>
                         </a:rPr>
                         <a:t> </a:t>
                       </a:r>
-                      <a:endParaRPr lang="en-US" sz="1200">
+                      <a:endParaRPr lang="en-US" sz="1400">
                         <a:effectLst/>
                         <a:latin typeface="Calibri" panose="020F0502020204030204" pitchFamily="34" charset="0"/>
                         <a:ea typeface="DengXian" panose="02010600030101010101" pitchFamily="2" charset="-122"/>
@@ -4791,12 +4797,12 @@
                         </a:spcAft>
                       </a:pPr>
                       <a:r>
-                        <a:rPr lang="en-US" sz="1200">
+                        <a:rPr lang="en-US" sz="1400">
                           <a:effectLst/>
                         </a:rPr>
                         <a:t>2</a:t>
                       </a:r>
-                      <a:endParaRPr lang="en-US" sz="1200">
+                      <a:endParaRPr lang="en-US" sz="1400">
                         <a:effectLst/>
                         <a:latin typeface="Calibri" panose="020F0502020204030204" pitchFamily="34" charset="0"/>
                         <a:ea typeface="DengXian" panose="02010600030101010101" pitchFamily="2" charset="-122"/>
@@ -4823,12 +4829,12 @@
                         </a:spcAft>
                       </a:pPr>
                       <a:r>
-                        <a:rPr lang="en-US" sz="1200">
+                        <a:rPr lang="en-US" sz="1400">
                           <a:effectLst/>
                         </a:rPr>
                         <a:t>3</a:t>
                       </a:r>
-                      <a:endParaRPr lang="en-US" sz="1200">
+                      <a:endParaRPr lang="en-US" sz="1400">
                         <a:effectLst/>
                         <a:latin typeface="Calibri" panose="020F0502020204030204" pitchFamily="34" charset="0"/>
                         <a:ea typeface="DengXian" panose="02010600030101010101" pitchFamily="2" charset="-122"/>
@@ -4855,12 +4861,12 @@
                         </a:spcAft>
                       </a:pPr>
                       <a:r>
-                        <a:rPr lang="en-US" sz="1200">
+                        <a:rPr lang="en-US" sz="1400" dirty="0">
                           <a:effectLst/>
                         </a:rPr>
                         <a:t>Develop algorithm</a:t>
                       </a:r>
-                      <a:endParaRPr lang="en-US" sz="1200">
+                      <a:endParaRPr lang="en-US" sz="1400" dirty="0">
                         <a:effectLst/>
                         <a:latin typeface="Calibri" panose="020F0502020204030204" pitchFamily="34" charset="0"/>
                         <a:ea typeface="DengXian" panose="02010600030101010101" pitchFamily="2" charset="-122"/>
@@ -4887,12 +4893,12 @@
                         </a:spcAft>
                       </a:pPr>
                       <a:r>
-                        <a:rPr lang="en-US" sz="1200" dirty="0">
+                        <a:rPr lang="en-US" sz="1400" dirty="0">
                           <a:effectLst/>
                         </a:rPr>
                         <a:t>2/10/2017</a:t>
                       </a:r>
-                      <a:endParaRPr lang="en-US" sz="1200" dirty="0">
+                      <a:endParaRPr lang="en-US" sz="1400" dirty="0">
                         <a:effectLst/>
                         <a:latin typeface="Calibri" panose="020F0502020204030204" pitchFamily="34" charset="0"/>
                         <a:ea typeface="DengXian" panose="02010600030101010101" pitchFamily="2" charset="-122"/>
@@ -4919,12 +4925,12 @@
                         </a:spcAft>
                       </a:pPr>
                       <a:r>
-                        <a:rPr lang="en-US" sz="1200" dirty="0">
+                        <a:rPr lang="en-US" sz="1400" dirty="0">
                           <a:effectLst/>
                         </a:rPr>
                         <a:t>2/10/2017</a:t>
                       </a:r>
-                      <a:endParaRPr lang="en-US" sz="1200" dirty="0">
+                      <a:endParaRPr lang="en-US" sz="1400" dirty="0">
                         <a:effectLst/>
                         <a:latin typeface="Calibri" panose="020F0502020204030204" pitchFamily="34" charset="0"/>
                         <a:ea typeface="DengXian" panose="02010600030101010101" pitchFamily="2" charset="-122"/>
@@ -4951,12 +4957,12 @@
                         </a:spcAft>
                       </a:pPr>
                       <a:r>
-                        <a:rPr lang="en-US" sz="1200">
+                        <a:rPr lang="en-US" sz="1400">
                           <a:effectLst/>
                         </a:rPr>
                         <a:t> </a:t>
                       </a:r>
-                      <a:endParaRPr lang="en-US" sz="1200">
+                      <a:endParaRPr lang="en-US" sz="1400">
                         <a:effectLst/>
                         <a:latin typeface="Calibri" panose="020F0502020204030204" pitchFamily="34" charset="0"/>
                         <a:ea typeface="DengXian" panose="02010600030101010101" pitchFamily="2" charset="-122"/>
@@ -4983,12 +4989,12 @@
                         </a:spcAft>
                       </a:pPr>
                       <a:r>
-                        <a:rPr lang="en-US" sz="1200">
+                        <a:rPr lang="en-US" sz="1400">
                           <a:effectLst/>
                         </a:rPr>
                         <a:t>Ying Jiang</a:t>
                       </a:r>
-                      <a:endParaRPr lang="en-US" sz="1200">
+                      <a:endParaRPr lang="en-US" sz="1400">
                         <a:effectLst/>
                         <a:latin typeface="Calibri" panose="020F0502020204030204" pitchFamily="34" charset="0"/>
                         <a:ea typeface="DengXian" panose="02010600030101010101" pitchFamily="2" charset="-122"/>
@@ -5015,12 +5021,12 @@
                         </a:spcAft>
                       </a:pPr>
                       <a:r>
-                        <a:rPr lang="en-US" sz="1200">
+                        <a:rPr lang="en-US" sz="1400">
                           <a:effectLst/>
                         </a:rPr>
                         <a:t>In Progress</a:t>
                       </a:r>
-                      <a:endParaRPr lang="en-US" sz="1200">
+                      <a:endParaRPr lang="en-US" sz="1400">
                         <a:effectLst/>
                         <a:latin typeface="Calibri" panose="020F0502020204030204" pitchFamily="34" charset="0"/>
                         <a:ea typeface="DengXian" panose="02010600030101010101" pitchFamily="2" charset="-122"/>
@@ -5054,12 +5060,12 @@
                         </a:spcAft>
                       </a:pPr>
                       <a:r>
-                        <a:rPr lang="en-US" sz="1200">
+                        <a:rPr lang="en-US" sz="1400">
                           <a:effectLst/>
                         </a:rPr>
                         <a:t>3</a:t>
                       </a:r>
-                      <a:endParaRPr lang="en-US" sz="1200">
+                      <a:endParaRPr lang="en-US" sz="1400">
                         <a:effectLst/>
                         <a:latin typeface="Calibri" panose="020F0502020204030204" pitchFamily="34" charset="0"/>
                         <a:ea typeface="DengXian" panose="02010600030101010101" pitchFamily="2" charset="-122"/>
@@ -5086,12 +5092,12 @@
                         </a:spcAft>
                       </a:pPr>
                       <a:r>
-                        <a:rPr lang="en-US" sz="1200">
+                        <a:rPr lang="en-US" sz="1400">
                           <a:effectLst/>
                         </a:rPr>
                         <a:t>3</a:t>
                       </a:r>
-                      <a:endParaRPr lang="en-US" sz="1200">
+                      <a:endParaRPr lang="en-US" sz="1400">
                         <a:effectLst/>
                         <a:latin typeface="Calibri" panose="020F0502020204030204" pitchFamily="34" charset="0"/>
                         <a:ea typeface="DengXian" panose="02010600030101010101" pitchFamily="2" charset="-122"/>
@@ -5118,12 +5124,12 @@
                         </a:spcAft>
                       </a:pPr>
                       <a:r>
-                        <a:rPr lang="en-US" sz="1200">
+                        <a:rPr lang="en-US" sz="1400" dirty="0">
                           <a:effectLst/>
                         </a:rPr>
                         <a:t>Testing algorithm</a:t>
                       </a:r>
-                      <a:endParaRPr lang="en-US" sz="1200">
+                      <a:endParaRPr lang="en-US" sz="1400" dirty="0">
                         <a:effectLst/>
                         <a:latin typeface="Calibri" panose="020F0502020204030204" pitchFamily="34" charset="0"/>
                         <a:ea typeface="DengXian" panose="02010600030101010101" pitchFamily="2" charset="-122"/>
@@ -5150,12 +5156,12 @@
                         </a:spcAft>
                       </a:pPr>
                       <a:r>
-                        <a:rPr lang="en-US" sz="1200">
+                        <a:rPr lang="en-US" sz="1400">
                           <a:effectLst/>
                         </a:rPr>
                         <a:t>2/10/2017</a:t>
                       </a:r>
-                      <a:endParaRPr lang="en-US" sz="1200">
+                      <a:endParaRPr lang="en-US" sz="1400">
                         <a:effectLst/>
                         <a:latin typeface="Calibri" panose="020F0502020204030204" pitchFamily="34" charset="0"/>
                         <a:ea typeface="DengXian" panose="02010600030101010101" pitchFamily="2" charset="-122"/>
@@ -5182,12 +5188,12 @@
                         </a:spcAft>
                       </a:pPr>
                       <a:r>
-                        <a:rPr lang="en-US" sz="1200" dirty="0">
+                        <a:rPr lang="en-US" sz="1400" dirty="0">
                           <a:effectLst/>
                         </a:rPr>
                         <a:t>2/10/2017</a:t>
                       </a:r>
-                      <a:endParaRPr lang="en-US" sz="1200" dirty="0">
+                      <a:endParaRPr lang="en-US" sz="1400" dirty="0">
                         <a:effectLst/>
                         <a:latin typeface="Calibri" panose="020F0502020204030204" pitchFamily="34" charset="0"/>
                         <a:ea typeface="DengXian" panose="02010600030101010101" pitchFamily="2" charset="-122"/>
@@ -5214,12 +5220,12 @@
                         </a:spcAft>
                       </a:pPr>
                       <a:r>
-                        <a:rPr lang="en-US" sz="1200">
+                        <a:rPr lang="en-US" sz="1400" dirty="0">
                           <a:effectLst/>
                         </a:rPr>
                         <a:t> </a:t>
                       </a:r>
-                      <a:endParaRPr lang="en-US" sz="1200">
+                      <a:endParaRPr lang="en-US" sz="1400" dirty="0">
                         <a:effectLst/>
                         <a:latin typeface="Calibri" panose="020F0502020204030204" pitchFamily="34" charset="0"/>
                         <a:ea typeface="DengXian" panose="02010600030101010101" pitchFamily="2" charset="-122"/>
@@ -5246,12 +5252,12 @@
                         </a:spcAft>
                       </a:pPr>
                       <a:r>
-                        <a:rPr lang="en-US" sz="1200">
+                        <a:rPr lang="en-US" sz="1400">
                           <a:effectLst/>
                         </a:rPr>
                         <a:t>WeiKang Wang</a:t>
                       </a:r>
-                      <a:endParaRPr lang="en-US" sz="1200">
+                      <a:endParaRPr lang="en-US" sz="1400">
                         <a:effectLst/>
                         <a:latin typeface="Calibri" panose="020F0502020204030204" pitchFamily="34" charset="0"/>
                         <a:ea typeface="DengXian" panose="02010600030101010101" pitchFamily="2" charset="-122"/>
@@ -5278,12 +5284,12 @@
                         </a:spcAft>
                       </a:pPr>
                       <a:r>
-                        <a:rPr lang="en-US" sz="1200">
+                        <a:rPr lang="en-US" sz="1400">
                           <a:effectLst/>
                         </a:rPr>
                         <a:t>In Progress</a:t>
                       </a:r>
-                      <a:endParaRPr lang="en-US" sz="1200">
+                      <a:endParaRPr lang="en-US" sz="1400">
                         <a:effectLst/>
                         <a:latin typeface="Calibri" panose="020F0502020204030204" pitchFamily="34" charset="0"/>
                         <a:ea typeface="DengXian" panose="02010600030101010101" pitchFamily="2" charset="-122"/>
@@ -5317,12 +5323,12 @@
                         </a:spcAft>
                       </a:pPr>
                       <a:r>
-                        <a:rPr lang="en-US" sz="1200">
+                        <a:rPr lang="en-US" sz="1400">
                           <a:effectLst/>
                         </a:rPr>
                         <a:t>4</a:t>
                       </a:r>
-                      <a:endParaRPr lang="en-US" sz="1200">
+                      <a:endParaRPr lang="en-US" sz="1400">
                         <a:effectLst/>
                         <a:latin typeface="Calibri" panose="020F0502020204030204" pitchFamily="34" charset="0"/>
                         <a:ea typeface="DengXian" panose="02010600030101010101" pitchFamily="2" charset="-122"/>
@@ -5349,12 +5355,12 @@
                         </a:spcAft>
                       </a:pPr>
                       <a:r>
-                        <a:rPr lang="en-US" sz="1200">
+                        <a:rPr lang="en-US" sz="1400" dirty="0">
                           <a:effectLst/>
                         </a:rPr>
                         <a:t>1,2,3</a:t>
                       </a:r>
-                      <a:endParaRPr lang="en-US" sz="1200">
+                      <a:endParaRPr lang="en-US" sz="1400" dirty="0">
                         <a:effectLst/>
                         <a:latin typeface="Calibri" panose="020F0502020204030204" pitchFamily="34" charset="0"/>
                         <a:ea typeface="DengXian" panose="02010600030101010101" pitchFamily="2" charset="-122"/>
@@ -5381,12 +5387,12 @@
                         </a:spcAft>
                       </a:pPr>
                       <a:r>
-                        <a:rPr lang="en-US" sz="1200">
+                        <a:rPr lang="en-US" sz="1400" dirty="0">
                           <a:effectLst/>
                         </a:rPr>
                         <a:t>Integrates GUI and algorithm</a:t>
                       </a:r>
-                      <a:endParaRPr lang="en-US" sz="1200">
+                      <a:endParaRPr lang="en-US" sz="1400" dirty="0">
                         <a:effectLst/>
                         <a:latin typeface="Calibri" panose="020F0502020204030204" pitchFamily="34" charset="0"/>
                         <a:ea typeface="DengXian" panose="02010600030101010101" pitchFamily="2" charset="-122"/>
@@ -5413,12 +5419,12 @@
                         </a:spcAft>
                       </a:pPr>
                       <a:r>
-                        <a:rPr lang="en-US" sz="1200">
+                        <a:rPr lang="en-US" sz="1400">
                           <a:effectLst/>
                         </a:rPr>
                         <a:t>2/10/2017</a:t>
                       </a:r>
-                      <a:endParaRPr lang="en-US" sz="1200">
+                      <a:endParaRPr lang="en-US" sz="1400">
                         <a:effectLst/>
                         <a:latin typeface="Calibri" panose="020F0502020204030204" pitchFamily="34" charset="0"/>
                         <a:ea typeface="DengXian" panose="02010600030101010101" pitchFamily="2" charset="-122"/>
@@ -5445,12 +5451,12 @@
                         </a:spcAft>
                       </a:pPr>
                       <a:r>
-                        <a:rPr lang="en-US" sz="1200" dirty="0">
+                        <a:rPr lang="en-US" sz="1400" dirty="0">
                           <a:effectLst/>
                         </a:rPr>
                         <a:t>2/10/2017</a:t>
                       </a:r>
-                      <a:endParaRPr lang="en-US" sz="1200" dirty="0">
+                      <a:endParaRPr lang="en-US" sz="1400" dirty="0">
                         <a:effectLst/>
                         <a:latin typeface="Calibri" panose="020F0502020204030204" pitchFamily="34" charset="0"/>
                         <a:ea typeface="DengXian" panose="02010600030101010101" pitchFamily="2" charset="-122"/>
@@ -5477,12 +5483,12 @@
                         </a:spcAft>
                       </a:pPr>
                       <a:r>
-                        <a:rPr lang="en-US" sz="1200">
+                        <a:rPr lang="en-US" sz="1400" dirty="0">
                           <a:effectLst/>
                         </a:rPr>
                         <a:t> </a:t>
                       </a:r>
-                      <a:endParaRPr lang="en-US" sz="1200">
+                      <a:endParaRPr lang="en-US" sz="1400" dirty="0">
                         <a:effectLst/>
                         <a:latin typeface="Calibri" panose="020F0502020204030204" pitchFamily="34" charset="0"/>
                         <a:ea typeface="DengXian" panose="02010600030101010101" pitchFamily="2" charset="-122"/>
@@ -5509,12 +5515,12 @@
                         </a:spcAft>
                       </a:pPr>
                       <a:r>
-                        <a:rPr lang="en-US" sz="1200">
+                        <a:rPr lang="en-US" sz="1400">
                           <a:effectLst/>
                         </a:rPr>
                         <a:t>Ying Jiang</a:t>
                       </a:r>
-                      <a:endParaRPr lang="en-US" sz="1200">
+                      <a:endParaRPr lang="en-US" sz="1400">
                         <a:effectLst/>
                         <a:latin typeface="Calibri" panose="020F0502020204030204" pitchFamily="34" charset="0"/>
                         <a:ea typeface="DengXian" panose="02010600030101010101" pitchFamily="2" charset="-122"/>
@@ -5541,12 +5547,12 @@
                         </a:spcAft>
                       </a:pPr>
                       <a:r>
-                        <a:rPr lang="en-US" sz="1200">
+                        <a:rPr lang="en-US" sz="1400">
                           <a:effectLst/>
                         </a:rPr>
                         <a:t>In Progress</a:t>
                       </a:r>
-                      <a:endParaRPr lang="en-US" sz="1200">
+                      <a:endParaRPr lang="en-US" sz="1400">
                         <a:effectLst/>
                         <a:latin typeface="Calibri" panose="020F0502020204030204" pitchFamily="34" charset="0"/>
                         <a:ea typeface="DengXian" panose="02010600030101010101" pitchFamily="2" charset="-122"/>
@@ -5580,12 +5586,12 @@
                         </a:spcAft>
                       </a:pPr>
                       <a:r>
-                        <a:rPr lang="en-US" sz="1200">
+                        <a:rPr lang="en-US" sz="1400">
                           <a:effectLst/>
                         </a:rPr>
                         <a:t>5</a:t>
                       </a:r>
-                      <a:endParaRPr lang="en-US" sz="1200">
+                      <a:endParaRPr lang="en-US" sz="1400">
                         <a:effectLst/>
                         <a:latin typeface="Calibri" panose="020F0502020204030204" pitchFamily="34" charset="0"/>
                         <a:ea typeface="DengXian" panose="02010600030101010101" pitchFamily="2" charset="-122"/>
@@ -5612,12 +5618,12 @@
                         </a:spcAft>
                       </a:pPr>
                       <a:r>
-                        <a:rPr lang="en-US" sz="1200">
+                        <a:rPr lang="en-US" sz="1400">
                           <a:effectLst/>
                         </a:rPr>
                         <a:t>1,2,3</a:t>
                       </a:r>
-                      <a:endParaRPr lang="en-US" sz="1200">
+                      <a:endParaRPr lang="en-US" sz="1400">
                         <a:effectLst/>
                         <a:latin typeface="Calibri" panose="020F0502020204030204" pitchFamily="34" charset="0"/>
                         <a:ea typeface="DengXian" panose="02010600030101010101" pitchFamily="2" charset="-122"/>
@@ -5644,12 +5650,12 @@
                         </a:spcAft>
                       </a:pPr>
                       <a:r>
-                        <a:rPr lang="en-US" sz="1200">
+                        <a:rPr lang="en-US" sz="1400" dirty="0">
                           <a:effectLst/>
                         </a:rPr>
                         <a:t>Testing GUI and algorithm code after integration.</a:t>
                       </a:r>
-                      <a:endParaRPr lang="en-US" sz="1200">
+                      <a:endParaRPr lang="en-US" sz="1400" dirty="0">
                         <a:effectLst/>
                         <a:latin typeface="Calibri" panose="020F0502020204030204" pitchFamily="34" charset="0"/>
                         <a:ea typeface="DengXian" panose="02010600030101010101" pitchFamily="2" charset="-122"/>
@@ -5676,12 +5682,12 @@
                         </a:spcAft>
                       </a:pPr>
                       <a:r>
-                        <a:rPr lang="en-US" sz="1200">
+                        <a:rPr lang="en-US" sz="1400">
                           <a:effectLst/>
                         </a:rPr>
                         <a:t>2/10/2017</a:t>
                       </a:r>
-                      <a:endParaRPr lang="en-US" sz="1200">
+                      <a:endParaRPr lang="en-US" sz="1400">
                         <a:effectLst/>
                         <a:latin typeface="Calibri" panose="020F0502020204030204" pitchFamily="34" charset="0"/>
                         <a:ea typeface="DengXian" panose="02010600030101010101" pitchFamily="2" charset="-122"/>
@@ -5708,12 +5714,12 @@
                         </a:spcAft>
                       </a:pPr>
                       <a:r>
-                        <a:rPr lang="en-US" sz="1200" dirty="0">
+                        <a:rPr lang="en-US" sz="1400" dirty="0">
                           <a:effectLst/>
                         </a:rPr>
                         <a:t>2/10/2017</a:t>
                       </a:r>
-                      <a:endParaRPr lang="en-US" sz="1200" dirty="0">
+                      <a:endParaRPr lang="en-US" sz="1400" dirty="0">
                         <a:effectLst/>
                         <a:latin typeface="Calibri" panose="020F0502020204030204" pitchFamily="34" charset="0"/>
                         <a:ea typeface="DengXian" panose="02010600030101010101" pitchFamily="2" charset="-122"/>
@@ -5740,12 +5746,12 @@
                         </a:spcAft>
                       </a:pPr>
                       <a:r>
-                        <a:rPr lang="en-US" sz="1200">
+                        <a:rPr lang="en-US" sz="1400" dirty="0">
                           <a:effectLst/>
                         </a:rPr>
                         <a:t> </a:t>
                       </a:r>
-                      <a:endParaRPr lang="en-US" sz="1200">
+                      <a:endParaRPr lang="en-US" sz="1400" dirty="0">
                         <a:effectLst/>
                         <a:latin typeface="Calibri" panose="020F0502020204030204" pitchFamily="34" charset="0"/>
                         <a:ea typeface="DengXian" panose="02010600030101010101" pitchFamily="2" charset="-122"/>
@@ -5772,12 +5778,12 @@
                         </a:spcAft>
                       </a:pPr>
                       <a:r>
-                        <a:rPr lang="en-US" sz="1200">
+                        <a:rPr lang="en-US" sz="1400" dirty="0">
                           <a:effectLst/>
                         </a:rPr>
                         <a:t>Ying Jiang</a:t>
                       </a:r>
-                      <a:endParaRPr lang="en-US" sz="1200">
+                      <a:endParaRPr lang="en-US" sz="1400" dirty="0">
                         <a:effectLst/>
                         <a:latin typeface="Calibri" panose="020F0502020204030204" pitchFamily="34" charset="0"/>
                         <a:ea typeface="DengXian" panose="02010600030101010101" pitchFamily="2" charset="-122"/>
@@ -5804,12 +5810,12 @@
                         </a:spcAft>
                       </a:pPr>
                       <a:r>
-                        <a:rPr lang="en-US" sz="1200">
+                        <a:rPr lang="en-US" sz="1400">
                           <a:effectLst/>
                         </a:rPr>
                         <a:t>In Progress</a:t>
                       </a:r>
-                      <a:endParaRPr lang="en-US" sz="1200">
+                      <a:endParaRPr lang="en-US" sz="1400">
                         <a:effectLst/>
                         <a:latin typeface="Calibri" panose="020F0502020204030204" pitchFamily="34" charset="0"/>
                         <a:ea typeface="DengXian" panose="02010600030101010101" pitchFamily="2" charset="-122"/>
@@ -5843,12 +5849,12 @@
                         </a:spcAft>
                       </a:pPr>
                       <a:r>
-                        <a:rPr lang="en-US" sz="1200">
+                        <a:rPr lang="en-US" sz="1400">
                           <a:effectLst/>
                         </a:rPr>
                         <a:t>6</a:t>
                       </a:r>
-                      <a:endParaRPr lang="en-US" sz="1200">
+                      <a:endParaRPr lang="en-US" sz="1400">
                         <a:effectLst/>
                         <a:latin typeface="Calibri" panose="020F0502020204030204" pitchFamily="34" charset="0"/>
                         <a:ea typeface="DengXian" panose="02010600030101010101" pitchFamily="2" charset="-122"/>
@@ -5875,12 +5881,12 @@
                         </a:spcAft>
                       </a:pPr>
                       <a:r>
-                        <a:rPr lang="en-US" sz="1200">
+                        <a:rPr lang="en-US" sz="1400">
                           <a:effectLst/>
                         </a:rPr>
                         <a:t>3</a:t>
                       </a:r>
-                      <a:endParaRPr lang="en-US" sz="1200">
+                      <a:endParaRPr lang="en-US" sz="1400">
                         <a:effectLst/>
                         <a:latin typeface="Calibri" panose="020F0502020204030204" pitchFamily="34" charset="0"/>
                         <a:ea typeface="DengXian" panose="02010600030101010101" pitchFamily="2" charset="-122"/>
@@ -5907,12 +5913,12 @@
                         </a:spcAft>
                       </a:pPr>
                       <a:r>
-                        <a:rPr lang="en-US" sz="1200">
+                        <a:rPr lang="en-US" sz="1400" dirty="0">
                           <a:effectLst/>
                         </a:rPr>
                         <a:t>Set up database </a:t>
                       </a:r>
-                      <a:endParaRPr lang="en-US" sz="1200">
+                      <a:endParaRPr lang="en-US" sz="1400" dirty="0">
                         <a:effectLst/>
                         <a:latin typeface="Calibri" panose="020F0502020204030204" pitchFamily="34" charset="0"/>
                         <a:ea typeface="DengXian" panose="02010600030101010101" pitchFamily="2" charset="-122"/>
@@ -5939,12 +5945,12 @@
                         </a:spcAft>
                       </a:pPr>
                       <a:r>
-                        <a:rPr lang="en-US" sz="1200">
+                        <a:rPr lang="en-US" sz="1400">
                           <a:effectLst/>
                         </a:rPr>
                         <a:t>2/10/2017</a:t>
                       </a:r>
-                      <a:endParaRPr lang="en-US" sz="1200">
+                      <a:endParaRPr lang="en-US" sz="1400">
                         <a:effectLst/>
                         <a:latin typeface="Calibri" panose="020F0502020204030204" pitchFamily="34" charset="0"/>
                         <a:ea typeface="DengXian" panose="02010600030101010101" pitchFamily="2" charset="-122"/>
@@ -5971,12 +5977,12 @@
                         </a:spcAft>
                       </a:pPr>
                       <a:r>
-                        <a:rPr lang="en-US" sz="1200" dirty="0">
+                        <a:rPr lang="en-US" sz="1400" dirty="0">
                           <a:effectLst/>
                         </a:rPr>
                         <a:t>2/10/2017</a:t>
                       </a:r>
-                      <a:endParaRPr lang="en-US" sz="1200" dirty="0">
+                      <a:endParaRPr lang="en-US" sz="1400" dirty="0">
                         <a:effectLst/>
                         <a:latin typeface="Calibri" panose="020F0502020204030204" pitchFamily="34" charset="0"/>
                         <a:ea typeface="DengXian" panose="02010600030101010101" pitchFamily="2" charset="-122"/>
@@ -6003,12 +6009,12 @@
                         </a:spcAft>
                       </a:pPr>
                       <a:r>
-                        <a:rPr lang="en-US" sz="1200" dirty="0">
+                        <a:rPr lang="en-US" sz="1400" dirty="0">
                           <a:effectLst/>
                         </a:rPr>
                         <a:t> </a:t>
                       </a:r>
-                      <a:endParaRPr lang="en-US" sz="1200" dirty="0">
+                      <a:endParaRPr lang="en-US" sz="1400" dirty="0">
                         <a:effectLst/>
                         <a:latin typeface="Calibri" panose="020F0502020204030204" pitchFamily="34" charset="0"/>
                         <a:ea typeface="DengXian" panose="02010600030101010101" pitchFamily="2" charset="-122"/>
@@ -6035,18 +6041,18 @@
                         </a:spcAft>
                       </a:pPr>
                       <a:r>
-                        <a:rPr lang="en-US" sz="1200" dirty="0" err="1">
+                        <a:rPr lang="en-US" sz="1400" dirty="0" err="1">
                           <a:effectLst/>
                         </a:rPr>
                         <a:t>Dezheng</a:t>
                       </a:r>
                       <a:r>
-                        <a:rPr lang="en-US" sz="1200" dirty="0">
+                        <a:rPr lang="en-US" sz="1400" dirty="0">
                           <a:effectLst/>
                         </a:rPr>
                         <a:t> Wang</a:t>
                       </a:r>
-                      <a:endParaRPr lang="en-US" sz="1200" dirty="0">
+                      <a:endParaRPr lang="en-US" sz="1400" dirty="0">
                         <a:effectLst/>
                         <a:latin typeface="Calibri" panose="020F0502020204030204" pitchFamily="34" charset="0"/>
                         <a:ea typeface="DengXian" panose="02010600030101010101" pitchFamily="2" charset="-122"/>
@@ -6073,7 +6079,7 @@
                         </a:spcAft>
                       </a:pPr>
                       <a:r>
-                        <a:rPr lang="en-US" sz="1200">
+                        <a:rPr lang="en-US" sz="1400">
                           <a:effectLst/>
                         </a:rPr>
                         <a:t>In Progress</a:t>
@@ -6092,12 +6098,12 @@
                         </a:spcAft>
                       </a:pPr>
                       <a:r>
-                        <a:rPr lang="en-US" sz="1200">
+                        <a:rPr lang="en-US" sz="1400">
                           <a:effectLst/>
                         </a:rPr>
                         <a:t> </a:t>
                       </a:r>
-                      <a:endParaRPr lang="en-US" sz="1200">
+                      <a:endParaRPr lang="en-US" sz="1400">
                         <a:effectLst/>
                         <a:latin typeface="Calibri" panose="020F0502020204030204" pitchFamily="34" charset="0"/>
                         <a:ea typeface="DengXian" panose="02010600030101010101" pitchFamily="2" charset="-122"/>
@@ -6131,12 +6137,12 @@
                         </a:spcAft>
                       </a:pPr>
                       <a:r>
-                        <a:rPr lang="en-US" sz="1200">
+                        <a:rPr lang="en-US" sz="1400">
                           <a:effectLst/>
                         </a:rPr>
                         <a:t>7</a:t>
                       </a:r>
-                      <a:endParaRPr lang="en-US" sz="1200">
+                      <a:endParaRPr lang="en-US" sz="1400">
                         <a:effectLst/>
                         <a:latin typeface="Calibri" panose="020F0502020204030204" pitchFamily="34" charset="0"/>
                         <a:ea typeface="DengXian" panose="02010600030101010101" pitchFamily="2" charset="-122"/>
@@ -6163,12 +6169,12 @@
                         </a:spcAft>
                       </a:pPr>
                       <a:r>
-                        <a:rPr lang="en-US" sz="1200">
+                        <a:rPr lang="en-US" sz="1400">
                           <a:effectLst/>
                         </a:rPr>
                         <a:t>4</a:t>
                       </a:r>
-                      <a:endParaRPr lang="en-US" sz="1200">
+                      <a:endParaRPr lang="en-US" sz="1400">
                         <a:effectLst/>
                         <a:latin typeface="Calibri" panose="020F0502020204030204" pitchFamily="34" charset="0"/>
                         <a:ea typeface="DengXian" panose="02010600030101010101" pitchFamily="2" charset="-122"/>
@@ -6195,12 +6201,12 @@
                         </a:spcAft>
                       </a:pPr>
                       <a:r>
-                        <a:rPr lang="en-US" sz="1200">
-                          <a:effectLst/>
-                        </a:rPr>
-                        <a:t>Develop GUI for graph view</a:t>
-                      </a:r>
-                      <a:endParaRPr lang="en-US" sz="1200">
+                        <a:rPr lang="en-US" sz="1400" dirty="0">
+                          <a:effectLst/>
+                        </a:rPr>
+                        <a:t>Develop GUI of graph view</a:t>
+                      </a:r>
+                      <a:endParaRPr lang="en-US" sz="1400" dirty="0">
                         <a:effectLst/>
                         <a:latin typeface="Calibri" panose="020F0502020204030204" pitchFamily="34" charset="0"/>
                         <a:ea typeface="DengXian" panose="02010600030101010101" pitchFamily="2" charset="-122"/>
@@ -6227,12 +6233,12 @@
                         </a:spcAft>
                       </a:pPr>
                       <a:r>
-                        <a:rPr lang="en-US" sz="1200">
+                        <a:rPr lang="en-US" sz="1400">
                           <a:effectLst/>
                         </a:rPr>
                         <a:t>2/10/2017</a:t>
                       </a:r>
-                      <a:endParaRPr lang="en-US" sz="1200">
+                      <a:endParaRPr lang="en-US" sz="1400">
                         <a:effectLst/>
                         <a:latin typeface="Calibri" panose="020F0502020204030204" pitchFamily="34" charset="0"/>
                         <a:ea typeface="DengXian" panose="02010600030101010101" pitchFamily="2" charset="-122"/>
@@ -6259,12 +6265,12 @@
                         </a:spcAft>
                       </a:pPr>
                       <a:r>
-                        <a:rPr lang="en-US" sz="1200">
+                        <a:rPr lang="en-US" sz="1400">
                           <a:effectLst/>
                         </a:rPr>
                         <a:t>2/10/2017</a:t>
                       </a:r>
-                      <a:endParaRPr lang="en-US" sz="1200">
+                      <a:endParaRPr lang="en-US" sz="1400">
                         <a:effectLst/>
                         <a:latin typeface="Calibri" panose="020F0502020204030204" pitchFamily="34" charset="0"/>
                         <a:ea typeface="DengXian" panose="02010600030101010101" pitchFamily="2" charset="-122"/>
@@ -6291,12 +6297,12 @@
                         </a:spcAft>
                       </a:pPr>
                       <a:r>
-                        <a:rPr lang="en-US" sz="1200">
+                        <a:rPr lang="en-US" sz="1400">
                           <a:effectLst/>
                         </a:rPr>
                         <a:t> </a:t>
                       </a:r>
-                      <a:endParaRPr lang="en-US" sz="1200">
+                      <a:endParaRPr lang="en-US" sz="1400">
                         <a:effectLst/>
                         <a:latin typeface="Calibri" panose="020F0502020204030204" pitchFamily="34" charset="0"/>
                         <a:ea typeface="DengXian" panose="02010600030101010101" pitchFamily="2" charset="-122"/>
@@ -6323,18 +6329,18 @@
                         </a:spcAft>
                       </a:pPr>
                       <a:r>
-                        <a:rPr lang="en-US" sz="1200" dirty="0" err="1">
+                        <a:rPr lang="en-US" sz="1400" dirty="0" err="1">
                           <a:effectLst/>
                         </a:rPr>
                         <a:t>Dezheng</a:t>
                       </a:r>
                       <a:r>
-                        <a:rPr lang="en-US" sz="1200" dirty="0">
+                        <a:rPr lang="en-US" sz="1400" dirty="0">
                           <a:effectLst/>
                         </a:rPr>
                         <a:t> Wang</a:t>
                       </a:r>
-                      <a:endParaRPr lang="en-US" sz="1200" dirty="0">
+                      <a:endParaRPr lang="en-US" sz="1400" dirty="0">
                         <a:effectLst/>
                         <a:latin typeface="Calibri" panose="020F0502020204030204" pitchFamily="34" charset="0"/>
                         <a:ea typeface="DengXian" panose="02010600030101010101" pitchFamily="2" charset="-122"/>
@@ -6361,12 +6367,12 @@
                         </a:spcAft>
                       </a:pPr>
                       <a:r>
-                        <a:rPr lang="en-US" sz="1200" dirty="0">
+                        <a:rPr lang="en-US" sz="1400" dirty="0">
                           <a:effectLst/>
                         </a:rPr>
                         <a:t>In Progress</a:t>
                       </a:r>
-                      <a:endParaRPr lang="en-US" sz="1200" dirty="0">
+                      <a:endParaRPr lang="en-US" sz="1400" dirty="0">
                         <a:effectLst/>
                         <a:latin typeface="Calibri" panose="020F0502020204030204" pitchFamily="34" charset="0"/>
                         <a:ea typeface="DengXian" panose="02010600030101010101" pitchFamily="2" charset="-122"/>
@@ -6400,12 +6406,12 @@
                         </a:spcAft>
                       </a:pPr>
                       <a:r>
-                        <a:rPr lang="en-US" sz="1200">
+                        <a:rPr lang="en-US" sz="1400">
                           <a:effectLst/>
                         </a:rPr>
                         <a:t>8</a:t>
                       </a:r>
-                      <a:endParaRPr lang="en-US" sz="1200">
+                      <a:endParaRPr lang="en-US" sz="1400">
                         <a:effectLst/>
                         <a:latin typeface="Calibri" panose="020F0502020204030204" pitchFamily="34" charset="0"/>
                         <a:ea typeface="DengXian" panose="02010600030101010101" pitchFamily="2" charset="-122"/>
@@ -6432,12 +6438,12 @@
                         </a:spcAft>
                       </a:pPr>
                       <a:r>
-                        <a:rPr lang="en-US" sz="1200">
+                        <a:rPr lang="en-US" sz="1400">
                           <a:effectLst/>
                         </a:rPr>
                         <a:t>4</a:t>
                       </a:r>
-                      <a:endParaRPr lang="en-US" sz="1200">
+                      <a:endParaRPr lang="en-US" sz="1400">
                         <a:effectLst/>
                         <a:latin typeface="Calibri" panose="020F0502020204030204" pitchFamily="34" charset="0"/>
                         <a:ea typeface="DengXian" panose="02010600030101010101" pitchFamily="2" charset="-122"/>
@@ -6464,12 +6470,12 @@
                         </a:spcAft>
                       </a:pPr>
                       <a:r>
-                        <a:rPr lang="en-US" sz="1200">
-                          <a:effectLst/>
-                        </a:rPr>
-                        <a:t>Testing GUI for graph view</a:t>
-                      </a:r>
-                      <a:endParaRPr lang="en-US" sz="1200">
+                        <a:rPr lang="en-US" sz="1400" dirty="0">
+                          <a:effectLst/>
+                        </a:rPr>
+                        <a:t>Testing GUI of graphic view</a:t>
+                      </a:r>
+                      <a:endParaRPr lang="en-US" sz="1400" dirty="0">
                         <a:effectLst/>
                         <a:latin typeface="Calibri" panose="020F0502020204030204" pitchFamily="34" charset="0"/>
                         <a:ea typeface="DengXian" panose="02010600030101010101" pitchFamily="2" charset="-122"/>
@@ -6496,12 +6502,12 @@
                         </a:spcAft>
                       </a:pPr>
                       <a:r>
-                        <a:rPr lang="en-US" sz="1200">
+                        <a:rPr lang="en-US" sz="1400">
                           <a:effectLst/>
                         </a:rPr>
                         <a:t>2/10/2017</a:t>
                       </a:r>
-                      <a:endParaRPr lang="en-US" sz="1200">
+                      <a:endParaRPr lang="en-US" sz="1400">
                         <a:effectLst/>
                         <a:latin typeface="Calibri" panose="020F0502020204030204" pitchFamily="34" charset="0"/>
                         <a:ea typeface="DengXian" panose="02010600030101010101" pitchFamily="2" charset="-122"/>
@@ -6528,12 +6534,12 @@
                         </a:spcAft>
                       </a:pPr>
                       <a:r>
-                        <a:rPr lang="en-US" sz="1200">
+                        <a:rPr lang="en-US" sz="1400">
                           <a:effectLst/>
                         </a:rPr>
                         <a:t>2/10/2017</a:t>
                       </a:r>
-                      <a:endParaRPr lang="en-US" sz="1200">
+                      <a:endParaRPr lang="en-US" sz="1400">
                         <a:effectLst/>
                         <a:latin typeface="Calibri" panose="020F0502020204030204" pitchFamily="34" charset="0"/>
                         <a:ea typeface="DengXian" panose="02010600030101010101" pitchFamily="2" charset="-122"/>
@@ -6560,12 +6566,12 @@
                         </a:spcAft>
                       </a:pPr>
                       <a:r>
-                        <a:rPr lang="en-US" sz="1200">
+                        <a:rPr lang="en-US" sz="1400">
                           <a:effectLst/>
                         </a:rPr>
                         <a:t> </a:t>
                       </a:r>
-                      <a:endParaRPr lang="en-US" sz="1200">
+                      <a:endParaRPr lang="en-US" sz="1400">
                         <a:effectLst/>
                         <a:latin typeface="Calibri" panose="020F0502020204030204" pitchFamily="34" charset="0"/>
                         <a:ea typeface="DengXian" panose="02010600030101010101" pitchFamily="2" charset="-122"/>
@@ -6592,12 +6598,12 @@
                         </a:spcAft>
                       </a:pPr>
                       <a:r>
-                        <a:rPr lang="en-US" sz="1200">
+                        <a:rPr lang="en-US" sz="1400">
                           <a:effectLst/>
                         </a:rPr>
                         <a:t>WeiKang Wang</a:t>
                       </a:r>
-                      <a:endParaRPr lang="en-US" sz="1200">
+                      <a:endParaRPr lang="en-US" sz="1400">
                         <a:effectLst/>
                         <a:latin typeface="Calibri" panose="020F0502020204030204" pitchFamily="34" charset="0"/>
                         <a:ea typeface="DengXian" panose="02010600030101010101" pitchFamily="2" charset="-122"/>
@@ -6624,12 +6630,12 @@
                         </a:spcAft>
                       </a:pPr>
                       <a:r>
-                        <a:rPr lang="en-US" sz="1200" dirty="0">
+                        <a:rPr lang="en-US" sz="1400" dirty="0">
                           <a:effectLst/>
                         </a:rPr>
                         <a:t>In Progress</a:t>
                       </a:r>
-                      <a:endParaRPr lang="en-US" sz="1200" dirty="0">
+                      <a:endParaRPr lang="en-US" sz="1400" dirty="0">
                         <a:effectLst/>
                         <a:latin typeface="Calibri" panose="020F0502020204030204" pitchFamily="34" charset="0"/>
                         <a:ea typeface="DengXian" panose="02010600030101010101" pitchFamily="2" charset="-122"/>
@@ -6756,6 +6762,3703 @@
     <p:extLst>
       <p:ext uri="{BB962C8B-B14F-4D97-AF65-F5344CB8AC3E}">
         <p14:creationId xmlns:p14="http://schemas.microsoft.com/office/powerpoint/2010/main" val="1469948044"/>
+      </p:ext>
+    </p:extLst>
+  </p:cSld>
+  <p:clrMapOvr>
+    <a:masterClrMapping/>
+  </p:clrMapOvr>
+</p:sld>
+</file>
+
+<file path=ppt/slides/slide6.xml><?xml version="1.0" encoding="utf-8"?>
+<p:sld xmlns:a="http://schemas.openxmlformats.org/drawingml/2006/main" xmlns:r="http://schemas.openxmlformats.org/officeDocument/2006/relationships" xmlns:p="http://schemas.openxmlformats.org/presentationml/2006/main">
+  <p:cSld>
+    <p:spTree>
+      <p:nvGrpSpPr>
+        <p:cNvPr id="1" name=""/>
+        <p:cNvGrpSpPr/>
+        <p:nvPr/>
+      </p:nvGrpSpPr>
+      <p:grpSpPr>
+        <a:xfrm>
+          <a:off x="0" y="0"/>
+          <a:ext cx="0" cy="0"/>
+          <a:chOff x="0" y="0"/>
+          <a:chExt cx="0" cy="0"/>
+        </a:xfrm>
+      </p:grpSpPr>
+      <p:sp>
+        <p:nvSpPr>
+          <p:cNvPr id="2" name="Title 1"/>
+          <p:cNvSpPr>
+            <a:spLocks noGrp="1"/>
+          </p:cNvSpPr>
+          <p:nvPr>
+            <p:ph type="title"/>
+          </p:nvPr>
+        </p:nvSpPr>
+        <p:spPr/>
+        <p:txBody>
+          <a:bodyPr/>
+          <a:lstStyle/>
+          <a:p>
+            <a:r>
+              <a:rPr lang="en-US" dirty="0"/>
+              <a:t>Test cases</a:t>
+            </a:r>
+          </a:p>
+        </p:txBody>
+      </p:sp>
+      <p:graphicFrame>
+        <p:nvGraphicFramePr>
+          <p:cNvPr id="6" name="Content Placeholder 5"/>
+          <p:cNvGraphicFramePr>
+            <a:graphicFrameLocks noGrp="1"/>
+          </p:cNvGraphicFramePr>
+          <p:nvPr>
+            <p:ph idx="1"/>
+            <p:extLst>
+              <p:ext uri="{D42A27DB-BD31-4B8C-83A1-F6EECF244321}">
+                <p14:modId xmlns:p14="http://schemas.microsoft.com/office/powerpoint/2010/main" val="87668098"/>
+              </p:ext>
+            </p:extLst>
+          </p:nvPr>
+        </p:nvGraphicFramePr>
+        <p:xfrm>
+          <a:off x="1451579" y="1828800"/>
+          <a:ext cx="9512076" cy="5068536"/>
+        </p:xfrm>
+        <a:graphic>
+          <a:graphicData uri="http://schemas.openxmlformats.org/drawingml/2006/table">
+            <a:tbl>
+              <a:tblPr firstRow="1" firstCol="1" bandRow="1">
+                <a:tableStyleId>{5C22544A-7EE6-4342-B048-85BDC9FD1C3A}</a:tableStyleId>
+              </a:tblPr>
+              <a:tblGrid>
+                <a:gridCol w="750392">
+                  <a:extLst>
+                    <a:ext uri="{9D8B030D-6E8A-4147-A177-3AD203B41FA5}">
+                      <a16:colId xmlns:a16="http://schemas.microsoft.com/office/drawing/2014/main" val="2993040168"/>
+                    </a:ext>
+                  </a:extLst>
+                </a:gridCol>
+                <a:gridCol w="4433209">
+                  <a:extLst>
+                    <a:ext uri="{9D8B030D-6E8A-4147-A177-3AD203B41FA5}">
+                      <a16:colId xmlns:a16="http://schemas.microsoft.com/office/drawing/2014/main" val="3233613132"/>
+                    </a:ext>
+                  </a:extLst>
+                </a:gridCol>
+                <a:gridCol w="1766165">
+                  <a:extLst>
+                    <a:ext uri="{9D8B030D-6E8A-4147-A177-3AD203B41FA5}">
+                      <a16:colId xmlns:a16="http://schemas.microsoft.com/office/drawing/2014/main" val="2897660731"/>
+                    </a:ext>
+                  </a:extLst>
+                </a:gridCol>
+                <a:gridCol w="2562310">
+                  <a:extLst>
+                    <a:ext uri="{9D8B030D-6E8A-4147-A177-3AD203B41FA5}">
+                      <a16:colId xmlns:a16="http://schemas.microsoft.com/office/drawing/2014/main" val="2661376538"/>
+                    </a:ext>
+                  </a:extLst>
+                </a:gridCol>
+              </a:tblGrid>
+              <a:tr h="500425">
+                <a:tc>
+                  <a:txBody>
+                    <a:bodyPr/>
+                    <a:lstStyle/>
+                    <a:p>
+                      <a:pPr marL="0" marR="0" algn="ctr">
+                        <a:spcBef>
+                          <a:spcPts val="0"/>
+                        </a:spcBef>
+                        <a:spcAft>
+                          <a:spcPts val="0"/>
+                        </a:spcAft>
+                      </a:pPr>
+                      <a:r>
+                        <a:rPr lang="en-US" sz="1200" kern="0" dirty="0">
+                          <a:effectLst/>
+                        </a:rPr>
+                        <a:t>Test case</a:t>
+                      </a:r>
+                      <a:endParaRPr lang="en-US" sz="1200" kern="100" dirty="0">
+                        <a:effectLst/>
+                      </a:endParaRPr>
+                    </a:p>
+                    <a:p>
+                      <a:pPr marL="0" marR="0" algn="ctr">
+                        <a:spcBef>
+                          <a:spcPts val="0"/>
+                        </a:spcBef>
+                        <a:spcAft>
+                          <a:spcPts val="0"/>
+                        </a:spcAft>
+                      </a:pPr>
+                      <a:r>
+                        <a:rPr lang="en-US" sz="1200" kern="0" dirty="0">
+                          <a:effectLst/>
+                        </a:rPr>
+                        <a:t>#</a:t>
+                      </a:r>
+                      <a:endParaRPr lang="en-US" sz="1200" kern="100" dirty="0">
+                        <a:effectLst/>
+                        <a:latin typeface="Calibri" panose="020F0502020204030204" pitchFamily="34" charset="0"/>
+                        <a:ea typeface="Calibri" panose="020F0502020204030204" pitchFamily="34" charset="0"/>
+                        <a:cs typeface="Times New Roman" panose="02020603050405020304" pitchFamily="18" charset="0"/>
+                      </a:endParaRPr>
+                    </a:p>
+                  </a:txBody>
+                  <a:tcPr marL="30538" marR="30538" marT="0" marB="0"/>
+                </a:tc>
+                <a:tc>
+                  <a:txBody>
+                    <a:bodyPr/>
+                    <a:lstStyle/>
+                    <a:p>
+                      <a:pPr marL="0" marR="0" algn="ctr">
+                        <a:spcBef>
+                          <a:spcPts val="0"/>
+                        </a:spcBef>
+                        <a:spcAft>
+                          <a:spcPts val="0"/>
+                        </a:spcAft>
+                      </a:pPr>
+                      <a:r>
+                        <a:rPr lang="en-US" sz="1200" kern="0" dirty="0">
+                          <a:effectLst/>
+                        </a:rPr>
+                        <a:t>Scenario</a:t>
+                      </a:r>
+                      <a:endParaRPr lang="en-US" sz="1200" kern="100" dirty="0">
+                        <a:effectLst/>
+                      </a:endParaRPr>
+                    </a:p>
+                    <a:p>
+                      <a:pPr marL="0" marR="0" algn="l">
+                        <a:spcBef>
+                          <a:spcPts val="0"/>
+                        </a:spcBef>
+                        <a:spcAft>
+                          <a:spcPts val="0"/>
+                        </a:spcAft>
+                      </a:pPr>
+                      <a:r>
+                        <a:rPr lang="en-US" sz="1200" kern="0" dirty="0">
+                          <a:effectLst/>
+                        </a:rPr>
+                        <a:t> </a:t>
+                      </a:r>
+                      <a:endParaRPr lang="en-US" sz="1200" kern="100" dirty="0">
+                        <a:effectLst/>
+                        <a:latin typeface="Calibri" panose="020F0502020204030204" pitchFamily="34" charset="0"/>
+                        <a:ea typeface="Calibri" panose="020F0502020204030204" pitchFamily="34" charset="0"/>
+                        <a:cs typeface="Times New Roman" panose="02020603050405020304" pitchFamily="18" charset="0"/>
+                      </a:endParaRPr>
+                    </a:p>
+                  </a:txBody>
+                  <a:tcPr marL="30538" marR="30538" marT="0" marB="0"/>
+                </a:tc>
+                <a:tc>
+                  <a:txBody>
+                    <a:bodyPr/>
+                    <a:lstStyle/>
+                    <a:p>
+                      <a:pPr marL="0" marR="0" algn="ctr">
+                        <a:spcBef>
+                          <a:spcPts val="0"/>
+                        </a:spcBef>
+                        <a:spcAft>
+                          <a:spcPts val="0"/>
+                        </a:spcAft>
+                      </a:pPr>
+                      <a:r>
+                        <a:rPr lang="en-US" sz="1200" kern="0">
+                          <a:effectLst/>
+                        </a:rPr>
+                        <a:t>Input(s)</a:t>
+                      </a:r>
+                      <a:endParaRPr lang="en-US" sz="1200" kern="100">
+                        <a:effectLst/>
+                      </a:endParaRPr>
+                    </a:p>
+                    <a:p>
+                      <a:pPr marL="0" marR="0" algn="l">
+                        <a:spcBef>
+                          <a:spcPts val="0"/>
+                        </a:spcBef>
+                        <a:spcAft>
+                          <a:spcPts val="0"/>
+                        </a:spcAft>
+                      </a:pPr>
+                      <a:r>
+                        <a:rPr lang="en-US" sz="1200" kern="0">
+                          <a:effectLst/>
+                        </a:rPr>
+                        <a:t> </a:t>
+                      </a:r>
+                      <a:endParaRPr lang="en-US" sz="1200" kern="100">
+                        <a:effectLst/>
+                        <a:latin typeface="Calibri" panose="020F0502020204030204" pitchFamily="34" charset="0"/>
+                        <a:ea typeface="Calibri" panose="020F0502020204030204" pitchFamily="34" charset="0"/>
+                        <a:cs typeface="Times New Roman" panose="02020603050405020304" pitchFamily="18" charset="0"/>
+                      </a:endParaRPr>
+                    </a:p>
+                  </a:txBody>
+                  <a:tcPr marL="30538" marR="30538" marT="0" marB="0"/>
+                </a:tc>
+                <a:tc>
+                  <a:txBody>
+                    <a:bodyPr/>
+                    <a:lstStyle/>
+                    <a:p>
+                      <a:pPr marL="0" marR="0" algn="ctr">
+                        <a:spcBef>
+                          <a:spcPts val="0"/>
+                        </a:spcBef>
+                        <a:spcAft>
+                          <a:spcPts val="0"/>
+                        </a:spcAft>
+                      </a:pPr>
+                      <a:r>
+                        <a:rPr lang="en-US" sz="1200" kern="0">
+                          <a:effectLst/>
+                        </a:rPr>
+                        <a:t>Expected output</a:t>
+                      </a:r>
+                      <a:endParaRPr lang="en-US" sz="1200" kern="100">
+                        <a:effectLst/>
+                      </a:endParaRPr>
+                    </a:p>
+                    <a:p>
+                      <a:pPr marL="0" marR="0" algn="l">
+                        <a:spcBef>
+                          <a:spcPts val="0"/>
+                        </a:spcBef>
+                        <a:spcAft>
+                          <a:spcPts val="0"/>
+                        </a:spcAft>
+                      </a:pPr>
+                      <a:r>
+                        <a:rPr lang="en-US" sz="1200" kern="0">
+                          <a:effectLst/>
+                        </a:rPr>
+                        <a:t> </a:t>
+                      </a:r>
+                      <a:endParaRPr lang="en-US" sz="1200" kern="100">
+                        <a:effectLst/>
+                        <a:latin typeface="Calibri" panose="020F0502020204030204" pitchFamily="34" charset="0"/>
+                        <a:ea typeface="Calibri" panose="020F0502020204030204" pitchFamily="34" charset="0"/>
+                        <a:cs typeface="Times New Roman" panose="02020603050405020304" pitchFamily="18" charset="0"/>
+                      </a:endParaRPr>
+                    </a:p>
+                  </a:txBody>
+                  <a:tcPr marL="30538" marR="30538" marT="0" marB="0"/>
+                </a:tc>
+                <a:extLst>
+                  <a:ext uri="{0D108BD9-81ED-4DB2-BD59-A6C34878D82A}">
+                    <a16:rowId xmlns:a16="http://schemas.microsoft.com/office/drawing/2014/main" val="316104643"/>
+                  </a:ext>
+                </a:extLst>
+              </a:tr>
+              <a:tr h="500425">
+                <a:tc>
+                  <a:txBody>
+                    <a:bodyPr/>
+                    <a:lstStyle/>
+                    <a:p>
+                      <a:pPr marL="0" marR="0" algn="ctr">
+                        <a:spcBef>
+                          <a:spcPts val="0"/>
+                        </a:spcBef>
+                        <a:spcAft>
+                          <a:spcPts val="0"/>
+                        </a:spcAft>
+                      </a:pPr>
+                      <a:r>
+                        <a:rPr lang="en-US" sz="1200" kern="0">
+                          <a:effectLst/>
+                        </a:rPr>
+                        <a:t>1</a:t>
+                      </a:r>
+                      <a:endParaRPr lang="en-US" sz="1200" kern="100">
+                        <a:effectLst/>
+                        <a:latin typeface="Calibri" panose="020F0502020204030204" pitchFamily="34" charset="0"/>
+                        <a:ea typeface="Calibri" panose="020F0502020204030204" pitchFamily="34" charset="0"/>
+                        <a:cs typeface="Times New Roman" panose="02020603050405020304" pitchFamily="18" charset="0"/>
+                      </a:endParaRPr>
+                    </a:p>
+                  </a:txBody>
+                  <a:tcPr marL="30538" marR="30538" marT="0" marB="0"/>
+                </a:tc>
+                <a:tc>
+                  <a:txBody>
+                    <a:bodyPr/>
+                    <a:lstStyle/>
+                    <a:p>
+                      <a:pPr marL="0" marR="0" algn="l">
+                        <a:spcBef>
+                          <a:spcPts val="0"/>
+                        </a:spcBef>
+                        <a:spcAft>
+                          <a:spcPts val="0"/>
+                        </a:spcAft>
+                      </a:pPr>
+                      <a:r>
+                        <a:rPr lang="en-US" sz="1200" kern="0" dirty="0">
+                          <a:effectLst/>
+                        </a:rPr>
+                        <a:t>The environment has only one region. The region has only one agent.</a:t>
+                      </a:r>
+                      <a:endParaRPr lang="en-US" sz="1200" kern="100" dirty="0">
+                        <a:effectLst/>
+                        <a:latin typeface="Calibri" panose="020F0502020204030204" pitchFamily="34" charset="0"/>
+                        <a:ea typeface="Calibri" panose="020F0502020204030204" pitchFamily="34" charset="0"/>
+                        <a:cs typeface="Times New Roman" panose="02020603050405020304" pitchFamily="18" charset="0"/>
+                      </a:endParaRPr>
+                    </a:p>
+                  </a:txBody>
+                  <a:tcPr marL="30538" marR="30538" marT="0" marB="0"/>
+                </a:tc>
+                <a:tc>
+                  <a:txBody>
+                    <a:bodyPr/>
+                    <a:lstStyle/>
+                    <a:p>
+                      <a:pPr marL="0" marR="0" algn="ctr">
+                        <a:spcBef>
+                          <a:spcPts val="0"/>
+                        </a:spcBef>
+                        <a:spcAft>
+                          <a:spcPts val="0"/>
+                        </a:spcAft>
+                      </a:pPr>
+                      <a:r>
+                        <a:rPr lang="en-US" sz="1200" kern="0">
+                          <a:effectLst/>
+                        </a:rPr>
+                        <a:t>Agent array, Region matrix, Number of steps</a:t>
+                      </a:r>
+                      <a:endParaRPr lang="en-US" sz="1200" kern="100">
+                        <a:effectLst/>
+                        <a:latin typeface="Calibri" panose="020F0502020204030204" pitchFamily="34" charset="0"/>
+                        <a:ea typeface="Calibri" panose="020F0502020204030204" pitchFamily="34" charset="0"/>
+                        <a:cs typeface="Times New Roman" panose="02020603050405020304" pitchFamily="18" charset="0"/>
+                      </a:endParaRPr>
+                    </a:p>
+                  </a:txBody>
+                  <a:tcPr marL="30538" marR="30538" marT="0" marB="0"/>
+                </a:tc>
+                <a:tc>
+                  <a:txBody>
+                    <a:bodyPr/>
+                    <a:lstStyle/>
+                    <a:p>
+                      <a:pPr marL="0" marR="0" algn="l">
+                        <a:spcBef>
+                          <a:spcPts val="0"/>
+                        </a:spcBef>
+                        <a:spcAft>
+                          <a:spcPts val="0"/>
+                        </a:spcAft>
+                      </a:pPr>
+                      <a:r>
+                        <a:rPr lang="en-US" sz="1200" kern="0">
+                          <a:effectLst/>
+                        </a:rPr>
+                        <a:t>The agent travels all the open spaces then it stops.</a:t>
+                      </a:r>
+                      <a:endParaRPr lang="en-US" sz="1200" kern="100">
+                        <a:effectLst/>
+                        <a:latin typeface="Calibri" panose="020F0502020204030204" pitchFamily="34" charset="0"/>
+                        <a:ea typeface="Calibri" panose="020F0502020204030204" pitchFamily="34" charset="0"/>
+                        <a:cs typeface="Times New Roman" panose="02020603050405020304" pitchFamily="18" charset="0"/>
+                      </a:endParaRPr>
+                    </a:p>
+                  </a:txBody>
+                  <a:tcPr marL="30538" marR="30538" marT="0" marB="0"/>
+                </a:tc>
+                <a:extLst>
+                  <a:ext uri="{0D108BD9-81ED-4DB2-BD59-A6C34878D82A}">
+                    <a16:rowId xmlns:a16="http://schemas.microsoft.com/office/drawing/2014/main" val="1054125158"/>
+                  </a:ext>
+                </a:extLst>
+              </a:tr>
+              <a:tr h="667233">
+                <a:tc>
+                  <a:txBody>
+                    <a:bodyPr/>
+                    <a:lstStyle/>
+                    <a:p>
+                      <a:pPr marL="0" marR="0" algn="ctr">
+                        <a:spcBef>
+                          <a:spcPts val="0"/>
+                        </a:spcBef>
+                        <a:spcAft>
+                          <a:spcPts val="0"/>
+                        </a:spcAft>
+                      </a:pPr>
+                      <a:r>
+                        <a:rPr lang="en-US" sz="1200" kern="0">
+                          <a:effectLst/>
+                        </a:rPr>
+                        <a:t>2</a:t>
+                      </a:r>
+                      <a:endParaRPr lang="en-US" sz="1200" kern="100">
+                        <a:effectLst/>
+                        <a:latin typeface="Calibri" panose="020F0502020204030204" pitchFamily="34" charset="0"/>
+                        <a:ea typeface="Calibri" panose="020F0502020204030204" pitchFamily="34" charset="0"/>
+                        <a:cs typeface="Times New Roman" panose="02020603050405020304" pitchFamily="18" charset="0"/>
+                      </a:endParaRPr>
+                    </a:p>
+                  </a:txBody>
+                  <a:tcPr marL="30538" marR="30538" marT="0" marB="0"/>
+                </a:tc>
+                <a:tc>
+                  <a:txBody>
+                    <a:bodyPr/>
+                    <a:lstStyle/>
+                    <a:p>
+                      <a:pPr marL="0" marR="0" algn="l">
+                        <a:spcBef>
+                          <a:spcPts val="0"/>
+                        </a:spcBef>
+                        <a:spcAft>
+                          <a:spcPts val="0"/>
+                        </a:spcAft>
+                      </a:pPr>
+                      <a:r>
+                        <a:rPr lang="en-US" sz="1200" kern="0" dirty="0">
+                          <a:effectLst/>
+                        </a:rPr>
+                        <a:t>The environment has only one region. The region has more than one agent.</a:t>
+                      </a:r>
+                      <a:endParaRPr lang="en-US" sz="1200" kern="100" dirty="0">
+                        <a:effectLst/>
+                        <a:latin typeface="Calibri" panose="020F0502020204030204" pitchFamily="34" charset="0"/>
+                        <a:ea typeface="Calibri" panose="020F0502020204030204" pitchFamily="34" charset="0"/>
+                        <a:cs typeface="Times New Roman" panose="02020603050405020304" pitchFamily="18" charset="0"/>
+                      </a:endParaRPr>
+                    </a:p>
+                  </a:txBody>
+                  <a:tcPr marL="30538" marR="30538" marT="0" marB="0"/>
+                </a:tc>
+                <a:tc>
+                  <a:txBody>
+                    <a:bodyPr/>
+                    <a:lstStyle/>
+                    <a:p>
+                      <a:pPr marL="0" marR="0" algn="ctr">
+                        <a:spcBef>
+                          <a:spcPts val="0"/>
+                        </a:spcBef>
+                        <a:spcAft>
+                          <a:spcPts val="0"/>
+                        </a:spcAft>
+                      </a:pPr>
+                      <a:r>
+                        <a:rPr lang="en-US" sz="1200" kern="0" dirty="0">
+                          <a:effectLst/>
+                        </a:rPr>
+                        <a:t>       Agent array, Region matrix, Number of steps</a:t>
+                      </a:r>
+                      <a:endParaRPr lang="en-US" sz="1200" kern="100" dirty="0">
+                        <a:effectLst/>
+                        <a:latin typeface="Calibri" panose="020F0502020204030204" pitchFamily="34" charset="0"/>
+                        <a:ea typeface="Calibri" panose="020F0502020204030204" pitchFamily="34" charset="0"/>
+                        <a:cs typeface="Times New Roman" panose="02020603050405020304" pitchFamily="18" charset="0"/>
+                      </a:endParaRPr>
+                    </a:p>
+                  </a:txBody>
+                  <a:tcPr marL="30538" marR="30538" marT="0" marB="0"/>
+                </a:tc>
+                <a:tc>
+                  <a:txBody>
+                    <a:bodyPr/>
+                    <a:lstStyle/>
+                    <a:p>
+                      <a:pPr marL="0" marR="0" algn="l">
+                        <a:spcBef>
+                          <a:spcPts val="0"/>
+                        </a:spcBef>
+                        <a:spcAft>
+                          <a:spcPts val="0"/>
+                        </a:spcAft>
+                      </a:pPr>
+                      <a:r>
+                        <a:rPr lang="en-US" sz="1200" kern="0" dirty="0">
+                          <a:effectLst/>
+                        </a:rPr>
+                        <a:t>Agents travel the region at the same time. They have different paths. Once all open spaces are visited, algorithm stops.</a:t>
+                      </a:r>
+                      <a:endParaRPr lang="en-US" sz="1200" kern="100" dirty="0">
+                        <a:effectLst/>
+                        <a:latin typeface="Calibri" panose="020F0502020204030204" pitchFamily="34" charset="0"/>
+                        <a:ea typeface="Calibri" panose="020F0502020204030204" pitchFamily="34" charset="0"/>
+                        <a:cs typeface="Times New Roman" panose="02020603050405020304" pitchFamily="18" charset="0"/>
+                      </a:endParaRPr>
+                    </a:p>
+                  </a:txBody>
+                  <a:tcPr marL="30538" marR="30538" marT="0" marB="0"/>
+                </a:tc>
+                <a:extLst>
+                  <a:ext uri="{0D108BD9-81ED-4DB2-BD59-A6C34878D82A}">
+                    <a16:rowId xmlns:a16="http://schemas.microsoft.com/office/drawing/2014/main" val="2205891779"/>
+                  </a:ext>
+                </a:extLst>
+              </a:tr>
+              <a:tr h="667233">
+                <a:tc>
+                  <a:txBody>
+                    <a:bodyPr/>
+                    <a:lstStyle/>
+                    <a:p>
+                      <a:pPr marL="0" marR="0" algn="ctr">
+                        <a:spcBef>
+                          <a:spcPts val="0"/>
+                        </a:spcBef>
+                        <a:spcAft>
+                          <a:spcPts val="0"/>
+                        </a:spcAft>
+                      </a:pPr>
+                      <a:r>
+                        <a:rPr lang="en-US" sz="1200" kern="0">
+                          <a:effectLst/>
+                        </a:rPr>
+                        <a:t>3</a:t>
+                      </a:r>
+                      <a:endParaRPr lang="en-US" sz="1200" kern="100">
+                        <a:effectLst/>
+                        <a:latin typeface="Calibri" panose="020F0502020204030204" pitchFamily="34" charset="0"/>
+                        <a:ea typeface="Calibri" panose="020F0502020204030204" pitchFamily="34" charset="0"/>
+                        <a:cs typeface="Times New Roman" panose="02020603050405020304" pitchFamily="18" charset="0"/>
+                      </a:endParaRPr>
+                    </a:p>
+                  </a:txBody>
+                  <a:tcPr marL="30538" marR="30538" marT="0" marB="0"/>
+                </a:tc>
+                <a:tc>
+                  <a:txBody>
+                    <a:bodyPr/>
+                    <a:lstStyle/>
+                    <a:p>
+                      <a:pPr marL="0" marR="0" algn="l">
+                        <a:spcBef>
+                          <a:spcPts val="0"/>
+                        </a:spcBef>
+                        <a:spcAft>
+                          <a:spcPts val="0"/>
+                        </a:spcAft>
+                      </a:pPr>
+                      <a:r>
+                        <a:rPr lang="en-US" sz="1200" kern="0" dirty="0">
+                          <a:effectLst/>
+                        </a:rPr>
+                        <a:t>The environment has more than one region. Each region has only one agent.</a:t>
+                      </a:r>
+                      <a:endParaRPr lang="en-US" sz="1200" kern="100" dirty="0">
+                        <a:effectLst/>
+                        <a:latin typeface="Calibri" panose="020F0502020204030204" pitchFamily="34" charset="0"/>
+                        <a:ea typeface="Calibri" panose="020F0502020204030204" pitchFamily="34" charset="0"/>
+                        <a:cs typeface="Times New Roman" panose="02020603050405020304" pitchFamily="18" charset="0"/>
+                      </a:endParaRPr>
+                    </a:p>
+                  </a:txBody>
+                  <a:tcPr marL="30538" marR="30538" marT="0" marB="0"/>
+                </a:tc>
+                <a:tc>
+                  <a:txBody>
+                    <a:bodyPr/>
+                    <a:lstStyle/>
+                    <a:p>
+                      <a:pPr marL="0" marR="0" algn="ctr">
+                        <a:spcBef>
+                          <a:spcPts val="0"/>
+                        </a:spcBef>
+                        <a:spcAft>
+                          <a:spcPts val="0"/>
+                        </a:spcAft>
+                      </a:pPr>
+                      <a:r>
+                        <a:rPr lang="en-US" sz="1200" kern="0">
+                          <a:effectLst/>
+                        </a:rPr>
+                        <a:t>Agent array, Region matrix,</a:t>
+                      </a:r>
+                      <a:endParaRPr lang="en-US" sz="1200" kern="100">
+                        <a:effectLst/>
+                      </a:endParaRPr>
+                    </a:p>
+                    <a:p>
+                      <a:pPr marL="0" marR="0" algn="ctr">
+                        <a:spcBef>
+                          <a:spcPts val="0"/>
+                        </a:spcBef>
+                        <a:spcAft>
+                          <a:spcPts val="0"/>
+                        </a:spcAft>
+                      </a:pPr>
+                      <a:r>
+                        <a:rPr lang="en-US" sz="1200" kern="0">
+                          <a:effectLst/>
+                        </a:rPr>
+                        <a:t>Number of steps</a:t>
+                      </a:r>
+                      <a:endParaRPr lang="en-US" sz="1200" kern="100">
+                        <a:effectLst/>
+                        <a:latin typeface="Calibri" panose="020F0502020204030204" pitchFamily="34" charset="0"/>
+                        <a:ea typeface="Calibri" panose="020F0502020204030204" pitchFamily="34" charset="0"/>
+                        <a:cs typeface="Times New Roman" panose="02020603050405020304" pitchFamily="18" charset="0"/>
+                      </a:endParaRPr>
+                    </a:p>
+                  </a:txBody>
+                  <a:tcPr marL="30538" marR="30538" marT="0" marB="0"/>
+                </a:tc>
+                <a:tc>
+                  <a:txBody>
+                    <a:bodyPr/>
+                    <a:lstStyle/>
+                    <a:p>
+                      <a:pPr marL="0" marR="0" algn="l">
+                        <a:spcBef>
+                          <a:spcPts val="0"/>
+                        </a:spcBef>
+                        <a:spcAft>
+                          <a:spcPts val="0"/>
+                        </a:spcAft>
+                      </a:pPr>
+                      <a:r>
+                        <a:rPr lang="en-US" sz="1200" kern="0">
+                          <a:effectLst/>
+                        </a:rPr>
+                        <a:t>All agents in different regions travel at the same time. Once all open spaces are all visited, the algorithm stops.</a:t>
+                      </a:r>
+                      <a:endParaRPr lang="en-US" sz="1200" kern="100">
+                        <a:effectLst/>
+                        <a:latin typeface="Calibri" panose="020F0502020204030204" pitchFamily="34" charset="0"/>
+                        <a:ea typeface="Calibri" panose="020F0502020204030204" pitchFamily="34" charset="0"/>
+                        <a:cs typeface="Times New Roman" panose="02020603050405020304" pitchFamily="18" charset="0"/>
+                      </a:endParaRPr>
+                    </a:p>
+                  </a:txBody>
+                  <a:tcPr marL="30538" marR="30538" marT="0" marB="0"/>
+                </a:tc>
+                <a:extLst>
+                  <a:ext uri="{0D108BD9-81ED-4DB2-BD59-A6C34878D82A}">
+                    <a16:rowId xmlns:a16="http://schemas.microsoft.com/office/drawing/2014/main" val="2850159330"/>
+                  </a:ext>
+                </a:extLst>
+              </a:tr>
+              <a:tr h="667233">
+                <a:tc>
+                  <a:txBody>
+                    <a:bodyPr/>
+                    <a:lstStyle/>
+                    <a:p>
+                      <a:pPr marL="0" marR="0" algn="ctr">
+                        <a:spcBef>
+                          <a:spcPts val="0"/>
+                        </a:spcBef>
+                        <a:spcAft>
+                          <a:spcPts val="0"/>
+                        </a:spcAft>
+                      </a:pPr>
+                      <a:r>
+                        <a:rPr lang="en-US" sz="1200" kern="0">
+                          <a:effectLst/>
+                        </a:rPr>
+                        <a:t>4</a:t>
+                      </a:r>
+                      <a:endParaRPr lang="en-US" sz="1200" kern="100">
+                        <a:effectLst/>
+                        <a:latin typeface="Calibri" panose="020F0502020204030204" pitchFamily="34" charset="0"/>
+                        <a:ea typeface="Calibri" panose="020F0502020204030204" pitchFamily="34" charset="0"/>
+                        <a:cs typeface="Times New Roman" panose="02020603050405020304" pitchFamily="18" charset="0"/>
+                      </a:endParaRPr>
+                    </a:p>
+                  </a:txBody>
+                  <a:tcPr marL="30538" marR="30538" marT="0" marB="0"/>
+                </a:tc>
+                <a:tc>
+                  <a:txBody>
+                    <a:bodyPr/>
+                    <a:lstStyle/>
+                    <a:p>
+                      <a:pPr marL="0" marR="0" algn="l">
+                        <a:spcBef>
+                          <a:spcPts val="0"/>
+                        </a:spcBef>
+                        <a:spcAft>
+                          <a:spcPts val="0"/>
+                        </a:spcAft>
+                      </a:pPr>
+                      <a:r>
+                        <a:rPr lang="en-US" sz="1200" kern="0" dirty="0">
+                          <a:effectLst/>
+                        </a:rPr>
+                        <a:t>The environment has more than one region. Each region has more than one agent.</a:t>
+                      </a:r>
+                      <a:endParaRPr lang="en-US" sz="1200" kern="100" dirty="0">
+                        <a:effectLst/>
+                        <a:latin typeface="Calibri" panose="020F0502020204030204" pitchFamily="34" charset="0"/>
+                        <a:ea typeface="Calibri" panose="020F0502020204030204" pitchFamily="34" charset="0"/>
+                        <a:cs typeface="Times New Roman" panose="02020603050405020304" pitchFamily="18" charset="0"/>
+                      </a:endParaRPr>
+                    </a:p>
+                  </a:txBody>
+                  <a:tcPr marL="30538" marR="30538" marT="0" marB="0"/>
+                </a:tc>
+                <a:tc>
+                  <a:txBody>
+                    <a:bodyPr/>
+                    <a:lstStyle/>
+                    <a:p>
+                      <a:pPr marL="0" marR="0" algn="ctr">
+                        <a:spcBef>
+                          <a:spcPts val="0"/>
+                        </a:spcBef>
+                        <a:spcAft>
+                          <a:spcPts val="0"/>
+                        </a:spcAft>
+                      </a:pPr>
+                      <a:r>
+                        <a:rPr lang="en-US" sz="1200" kern="0" dirty="0">
+                          <a:effectLst/>
+                        </a:rPr>
+                        <a:t>Agent array, Region matrix, Number of steps</a:t>
+                      </a:r>
+                      <a:endParaRPr lang="en-US" sz="1200" kern="100" dirty="0">
+                        <a:effectLst/>
+                        <a:latin typeface="Calibri" panose="020F0502020204030204" pitchFamily="34" charset="0"/>
+                        <a:ea typeface="Calibri" panose="020F0502020204030204" pitchFamily="34" charset="0"/>
+                        <a:cs typeface="Times New Roman" panose="02020603050405020304" pitchFamily="18" charset="0"/>
+                      </a:endParaRPr>
+                    </a:p>
+                  </a:txBody>
+                  <a:tcPr marL="30538" marR="30538" marT="0" marB="0"/>
+                </a:tc>
+                <a:tc>
+                  <a:txBody>
+                    <a:bodyPr/>
+                    <a:lstStyle/>
+                    <a:p>
+                      <a:pPr marL="0" marR="0" algn="l">
+                        <a:spcBef>
+                          <a:spcPts val="0"/>
+                        </a:spcBef>
+                        <a:spcAft>
+                          <a:spcPts val="0"/>
+                        </a:spcAft>
+                      </a:pPr>
+                      <a:r>
+                        <a:rPr lang="en-US" sz="1200" kern="0">
+                          <a:effectLst/>
+                        </a:rPr>
+                        <a:t>All agents in different a regions travel at the same time. Once all open spaces are all visited, the algorithm stops.</a:t>
+                      </a:r>
+                      <a:endParaRPr lang="en-US" sz="1200" kern="100">
+                        <a:effectLst/>
+                        <a:latin typeface="Calibri" panose="020F0502020204030204" pitchFamily="34" charset="0"/>
+                        <a:ea typeface="Calibri" panose="020F0502020204030204" pitchFamily="34" charset="0"/>
+                        <a:cs typeface="Times New Roman" panose="02020603050405020304" pitchFamily="18" charset="0"/>
+                      </a:endParaRPr>
+                    </a:p>
+                  </a:txBody>
+                  <a:tcPr marL="30538" marR="30538" marT="0" marB="0"/>
+                </a:tc>
+                <a:extLst>
+                  <a:ext uri="{0D108BD9-81ED-4DB2-BD59-A6C34878D82A}">
+                    <a16:rowId xmlns:a16="http://schemas.microsoft.com/office/drawing/2014/main" val="286733529"/>
+                  </a:ext>
+                </a:extLst>
+              </a:tr>
+              <a:tr h="500425">
+                <a:tc>
+                  <a:txBody>
+                    <a:bodyPr/>
+                    <a:lstStyle/>
+                    <a:p>
+                      <a:pPr marL="0" marR="0" algn="ctr">
+                        <a:spcBef>
+                          <a:spcPts val="0"/>
+                        </a:spcBef>
+                        <a:spcAft>
+                          <a:spcPts val="0"/>
+                        </a:spcAft>
+                      </a:pPr>
+                      <a:r>
+                        <a:rPr lang="en-US" sz="1200" kern="0">
+                          <a:effectLst/>
+                        </a:rPr>
+                        <a:t>5</a:t>
+                      </a:r>
+                      <a:endParaRPr lang="en-US" sz="1200" kern="100">
+                        <a:effectLst/>
+                        <a:latin typeface="Calibri" panose="020F0502020204030204" pitchFamily="34" charset="0"/>
+                        <a:ea typeface="Calibri" panose="020F0502020204030204" pitchFamily="34" charset="0"/>
+                        <a:cs typeface="Times New Roman" panose="02020603050405020304" pitchFamily="18" charset="0"/>
+                      </a:endParaRPr>
+                    </a:p>
+                  </a:txBody>
+                  <a:tcPr marL="30538" marR="30538" marT="0" marB="0"/>
+                </a:tc>
+                <a:tc>
+                  <a:txBody>
+                    <a:bodyPr/>
+                    <a:lstStyle/>
+                    <a:p>
+                      <a:pPr marL="0" marR="0" algn="l">
+                        <a:spcBef>
+                          <a:spcPts val="0"/>
+                        </a:spcBef>
+                        <a:spcAft>
+                          <a:spcPts val="0"/>
+                        </a:spcAft>
+                      </a:pPr>
+                      <a:r>
+                        <a:rPr lang="en-US" sz="1200" kern="0" dirty="0">
+                          <a:effectLst/>
+                        </a:rPr>
+                        <a:t>The environment has only one region. The region has only one agent. Enter a number indicates the steps an agent moves.</a:t>
+                      </a:r>
+                      <a:endParaRPr lang="en-US" sz="1200" kern="100" dirty="0">
+                        <a:effectLst/>
+                        <a:latin typeface="Calibri" panose="020F0502020204030204" pitchFamily="34" charset="0"/>
+                        <a:ea typeface="Calibri" panose="020F0502020204030204" pitchFamily="34" charset="0"/>
+                        <a:cs typeface="Times New Roman" panose="02020603050405020304" pitchFamily="18" charset="0"/>
+                      </a:endParaRPr>
+                    </a:p>
+                  </a:txBody>
+                  <a:tcPr marL="30538" marR="30538" marT="0" marB="0"/>
+                </a:tc>
+                <a:tc>
+                  <a:txBody>
+                    <a:bodyPr/>
+                    <a:lstStyle/>
+                    <a:p>
+                      <a:pPr marL="0" marR="0" algn="ctr">
+                        <a:spcBef>
+                          <a:spcPts val="0"/>
+                        </a:spcBef>
+                        <a:spcAft>
+                          <a:spcPts val="0"/>
+                        </a:spcAft>
+                      </a:pPr>
+                      <a:r>
+                        <a:rPr lang="en-US" sz="1200" kern="0" dirty="0">
+                          <a:effectLst/>
+                        </a:rPr>
+                        <a:t>Agent array, Region matrix, Number of steps</a:t>
+                      </a:r>
+                      <a:endParaRPr lang="en-US" sz="1200" kern="100" dirty="0">
+                        <a:effectLst/>
+                        <a:latin typeface="Calibri" panose="020F0502020204030204" pitchFamily="34" charset="0"/>
+                        <a:ea typeface="Calibri" panose="020F0502020204030204" pitchFamily="34" charset="0"/>
+                        <a:cs typeface="Times New Roman" panose="02020603050405020304" pitchFamily="18" charset="0"/>
+                      </a:endParaRPr>
+                    </a:p>
+                  </a:txBody>
+                  <a:tcPr marL="30538" marR="30538" marT="0" marB="0"/>
+                </a:tc>
+                <a:tc>
+                  <a:txBody>
+                    <a:bodyPr/>
+                    <a:lstStyle/>
+                    <a:p>
+                      <a:pPr marL="0" marR="0" algn="l">
+                        <a:spcBef>
+                          <a:spcPts val="0"/>
+                        </a:spcBef>
+                        <a:spcAft>
+                          <a:spcPts val="0"/>
+                        </a:spcAft>
+                      </a:pPr>
+                      <a:r>
+                        <a:rPr lang="en-US" sz="1200" kern="0">
+                          <a:effectLst/>
+                        </a:rPr>
+                        <a:t>The agent moves a fixed number of steps and stops. The algorithm stops.</a:t>
+                      </a:r>
+                      <a:endParaRPr lang="en-US" sz="1200" kern="100">
+                        <a:effectLst/>
+                        <a:latin typeface="Calibri" panose="020F0502020204030204" pitchFamily="34" charset="0"/>
+                        <a:ea typeface="Calibri" panose="020F0502020204030204" pitchFamily="34" charset="0"/>
+                        <a:cs typeface="Times New Roman" panose="02020603050405020304" pitchFamily="18" charset="0"/>
+                      </a:endParaRPr>
+                    </a:p>
+                  </a:txBody>
+                  <a:tcPr marL="30538" marR="30538" marT="0" marB="0"/>
+                </a:tc>
+                <a:extLst>
+                  <a:ext uri="{0D108BD9-81ED-4DB2-BD59-A6C34878D82A}">
+                    <a16:rowId xmlns:a16="http://schemas.microsoft.com/office/drawing/2014/main" val="3553585496"/>
+                  </a:ext>
+                </a:extLst>
+              </a:tr>
+              <a:tr h="500425">
+                <a:tc>
+                  <a:txBody>
+                    <a:bodyPr/>
+                    <a:lstStyle/>
+                    <a:p>
+                      <a:pPr marL="0" marR="0" algn="ctr">
+                        <a:spcBef>
+                          <a:spcPts val="0"/>
+                        </a:spcBef>
+                        <a:spcAft>
+                          <a:spcPts val="0"/>
+                        </a:spcAft>
+                      </a:pPr>
+                      <a:r>
+                        <a:rPr lang="en-US" sz="1200" kern="0">
+                          <a:effectLst/>
+                        </a:rPr>
+                        <a:t>6</a:t>
+                      </a:r>
+                      <a:endParaRPr lang="en-US" sz="1200" kern="100">
+                        <a:effectLst/>
+                        <a:latin typeface="Calibri" panose="020F0502020204030204" pitchFamily="34" charset="0"/>
+                        <a:ea typeface="Calibri" panose="020F0502020204030204" pitchFamily="34" charset="0"/>
+                        <a:cs typeface="Times New Roman" panose="02020603050405020304" pitchFamily="18" charset="0"/>
+                      </a:endParaRPr>
+                    </a:p>
+                  </a:txBody>
+                  <a:tcPr marL="30538" marR="30538" marT="0" marB="0"/>
+                </a:tc>
+                <a:tc>
+                  <a:txBody>
+                    <a:bodyPr/>
+                    <a:lstStyle/>
+                    <a:p>
+                      <a:pPr marL="0" marR="0" algn="l">
+                        <a:spcBef>
+                          <a:spcPts val="0"/>
+                        </a:spcBef>
+                        <a:spcAft>
+                          <a:spcPts val="0"/>
+                        </a:spcAft>
+                      </a:pPr>
+                      <a:r>
+                        <a:rPr lang="en-US" sz="1200" kern="0" dirty="0">
+                          <a:effectLst/>
+                        </a:rPr>
+                        <a:t>The environment has only one region. The region has more than one agent. Enter a number indicates the steps an agent moves.</a:t>
+                      </a:r>
+                      <a:endParaRPr lang="en-US" sz="1200" kern="100" dirty="0">
+                        <a:effectLst/>
+                        <a:latin typeface="Calibri" panose="020F0502020204030204" pitchFamily="34" charset="0"/>
+                        <a:ea typeface="Calibri" panose="020F0502020204030204" pitchFamily="34" charset="0"/>
+                        <a:cs typeface="Times New Roman" panose="02020603050405020304" pitchFamily="18" charset="0"/>
+                      </a:endParaRPr>
+                    </a:p>
+                  </a:txBody>
+                  <a:tcPr marL="30538" marR="30538" marT="0" marB="0"/>
+                </a:tc>
+                <a:tc>
+                  <a:txBody>
+                    <a:bodyPr/>
+                    <a:lstStyle/>
+                    <a:p>
+                      <a:pPr marL="0" marR="0" algn="ctr">
+                        <a:spcBef>
+                          <a:spcPts val="0"/>
+                        </a:spcBef>
+                        <a:spcAft>
+                          <a:spcPts val="0"/>
+                        </a:spcAft>
+                      </a:pPr>
+                      <a:r>
+                        <a:rPr lang="en-US" sz="1200" kern="0" dirty="0">
+                          <a:effectLst/>
+                        </a:rPr>
+                        <a:t>Agent array, Region matrix, Number of steps</a:t>
+                      </a:r>
+                      <a:endParaRPr lang="en-US" sz="1200" kern="100" dirty="0">
+                        <a:effectLst/>
+                        <a:latin typeface="Calibri" panose="020F0502020204030204" pitchFamily="34" charset="0"/>
+                        <a:ea typeface="Calibri" panose="020F0502020204030204" pitchFamily="34" charset="0"/>
+                        <a:cs typeface="Times New Roman" panose="02020603050405020304" pitchFamily="18" charset="0"/>
+                      </a:endParaRPr>
+                    </a:p>
+                  </a:txBody>
+                  <a:tcPr marL="30538" marR="30538" marT="0" marB="0"/>
+                </a:tc>
+                <a:tc>
+                  <a:txBody>
+                    <a:bodyPr/>
+                    <a:lstStyle/>
+                    <a:p>
+                      <a:pPr marL="0" marR="0" algn="l">
+                        <a:spcBef>
+                          <a:spcPts val="0"/>
+                        </a:spcBef>
+                        <a:spcAft>
+                          <a:spcPts val="0"/>
+                        </a:spcAft>
+                      </a:pPr>
+                      <a:r>
+                        <a:rPr lang="en-US" sz="1200" kern="0" dirty="0">
+                          <a:effectLst/>
+                        </a:rPr>
+                        <a:t>All agents move a fix number of steps and stop.</a:t>
+                      </a:r>
+                      <a:endParaRPr lang="en-US" sz="1200" kern="100" dirty="0">
+                        <a:effectLst/>
+                        <a:latin typeface="Calibri" panose="020F0502020204030204" pitchFamily="34" charset="0"/>
+                        <a:ea typeface="Calibri" panose="020F0502020204030204" pitchFamily="34" charset="0"/>
+                        <a:cs typeface="Times New Roman" panose="02020603050405020304" pitchFamily="18" charset="0"/>
+                      </a:endParaRPr>
+                    </a:p>
+                  </a:txBody>
+                  <a:tcPr marL="30538" marR="30538" marT="0" marB="0"/>
+                </a:tc>
+                <a:extLst>
+                  <a:ext uri="{0D108BD9-81ED-4DB2-BD59-A6C34878D82A}">
+                    <a16:rowId xmlns:a16="http://schemas.microsoft.com/office/drawing/2014/main" val="428526135"/>
+                  </a:ext>
+                </a:extLst>
+              </a:tr>
+              <a:tr h="500425">
+                <a:tc>
+                  <a:txBody>
+                    <a:bodyPr/>
+                    <a:lstStyle/>
+                    <a:p>
+                      <a:pPr marL="0" marR="0" algn="ctr">
+                        <a:spcBef>
+                          <a:spcPts val="0"/>
+                        </a:spcBef>
+                        <a:spcAft>
+                          <a:spcPts val="0"/>
+                        </a:spcAft>
+                      </a:pPr>
+                      <a:r>
+                        <a:rPr lang="en-US" sz="1200" kern="0">
+                          <a:effectLst/>
+                        </a:rPr>
+                        <a:t>7</a:t>
+                      </a:r>
+                      <a:endParaRPr lang="en-US" sz="1200" kern="100">
+                        <a:effectLst/>
+                        <a:latin typeface="Calibri" panose="020F0502020204030204" pitchFamily="34" charset="0"/>
+                        <a:ea typeface="Calibri" panose="020F0502020204030204" pitchFamily="34" charset="0"/>
+                        <a:cs typeface="Times New Roman" panose="02020603050405020304" pitchFamily="18" charset="0"/>
+                      </a:endParaRPr>
+                    </a:p>
+                  </a:txBody>
+                  <a:tcPr marL="30538" marR="30538" marT="0" marB="0"/>
+                </a:tc>
+                <a:tc>
+                  <a:txBody>
+                    <a:bodyPr/>
+                    <a:lstStyle/>
+                    <a:p>
+                      <a:pPr marL="0" marR="0" algn="l">
+                        <a:spcBef>
+                          <a:spcPts val="0"/>
+                        </a:spcBef>
+                        <a:spcAft>
+                          <a:spcPts val="0"/>
+                        </a:spcAft>
+                      </a:pPr>
+                      <a:r>
+                        <a:rPr lang="en-US" sz="1200" kern="0" dirty="0">
+                          <a:effectLst/>
+                        </a:rPr>
+                        <a:t>The environment has more than one region. Each region has only one agent. Enter a number indicates the steps an agent moves.</a:t>
+                      </a:r>
+                      <a:endParaRPr lang="en-US" sz="1200" kern="100" dirty="0">
+                        <a:effectLst/>
+                        <a:latin typeface="Calibri" panose="020F0502020204030204" pitchFamily="34" charset="0"/>
+                        <a:ea typeface="Calibri" panose="020F0502020204030204" pitchFamily="34" charset="0"/>
+                        <a:cs typeface="Times New Roman" panose="02020603050405020304" pitchFamily="18" charset="0"/>
+                      </a:endParaRPr>
+                    </a:p>
+                  </a:txBody>
+                  <a:tcPr marL="30538" marR="30538" marT="0" marB="0"/>
+                </a:tc>
+                <a:tc>
+                  <a:txBody>
+                    <a:bodyPr/>
+                    <a:lstStyle/>
+                    <a:p>
+                      <a:pPr marL="0" marR="0" algn="ctr">
+                        <a:spcBef>
+                          <a:spcPts val="0"/>
+                        </a:spcBef>
+                        <a:spcAft>
+                          <a:spcPts val="0"/>
+                        </a:spcAft>
+                      </a:pPr>
+                      <a:r>
+                        <a:rPr lang="en-US" sz="1200" kern="0" dirty="0">
+                          <a:effectLst/>
+                        </a:rPr>
+                        <a:t>Agent array, Region matrix, Number of steps</a:t>
+                      </a:r>
+                      <a:endParaRPr lang="en-US" sz="1200" kern="100" dirty="0">
+                        <a:effectLst/>
+                        <a:latin typeface="Calibri" panose="020F0502020204030204" pitchFamily="34" charset="0"/>
+                        <a:ea typeface="Calibri" panose="020F0502020204030204" pitchFamily="34" charset="0"/>
+                        <a:cs typeface="Times New Roman" panose="02020603050405020304" pitchFamily="18" charset="0"/>
+                      </a:endParaRPr>
+                    </a:p>
+                  </a:txBody>
+                  <a:tcPr marL="30538" marR="30538" marT="0" marB="0"/>
+                </a:tc>
+                <a:tc>
+                  <a:txBody>
+                    <a:bodyPr/>
+                    <a:lstStyle/>
+                    <a:p>
+                      <a:pPr marL="0" marR="0" algn="l">
+                        <a:spcBef>
+                          <a:spcPts val="0"/>
+                        </a:spcBef>
+                        <a:spcAft>
+                          <a:spcPts val="0"/>
+                        </a:spcAft>
+                      </a:pPr>
+                      <a:r>
+                        <a:rPr lang="en-US" sz="1200" kern="0" dirty="0">
+                          <a:effectLst/>
+                        </a:rPr>
+                        <a:t>All agents move a fix number of steps and stop.</a:t>
+                      </a:r>
+                      <a:endParaRPr lang="en-US" sz="1200" kern="100" dirty="0">
+                        <a:effectLst/>
+                        <a:latin typeface="Calibri" panose="020F0502020204030204" pitchFamily="34" charset="0"/>
+                        <a:ea typeface="Calibri" panose="020F0502020204030204" pitchFamily="34" charset="0"/>
+                        <a:cs typeface="Times New Roman" panose="02020603050405020304" pitchFamily="18" charset="0"/>
+                      </a:endParaRPr>
+                    </a:p>
+                  </a:txBody>
+                  <a:tcPr marL="30538" marR="30538" marT="0" marB="0"/>
+                </a:tc>
+                <a:extLst>
+                  <a:ext uri="{0D108BD9-81ED-4DB2-BD59-A6C34878D82A}">
+                    <a16:rowId xmlns:a16="http://schemas.microsoft.com/office/drawing/2014/main" val="1203796294"/>
+                  </a:ext>
+                </a:extLst>
+              </a:tr>
+              <a:tr h="500425">
+                <a:tc>
+                  <a:txBody>
+                    <a:bodyPr/>
+                    <a:lstStyle/>
+                    <a:p>
+                      <a:pPr marL="0" marR="0" algn="ctr">
+                        <a:spcBef>
+                          <a:spcPts val="0"/>
+                        </a:spcBef>
+                        <a:spcAft>
+                          <a:spcPts val="0"/>
+                        </a:spcAft>
+                      </a:pPr>
+                      <a:r>
+                        <a:rPr lang="en-US" sz="1200" kern="0">
+                          <a:effectLst/>
+                        </a:rPr>
+                        <a:t>8</a:t>
+                      </a:r>
+                      <a:endParaRPr lang="en-US" sz="1200" kern="100">
+                        <a:effectLst/>
+                        <a:latin typeface="Calibri" panose="020F0502020204030204" pitchFamily="34" charset="0"/>
+                        <a:ea typeface="Calibri" panose="020F0502020204030204" pitchFamily="34" charset="0"/>
+                        <a:cs typeface="Times New Roman" panose="02020603050405020304" pitchFamily="18" charset="0"/>
+                      </a:endParaRPr>
+                    </a:p>
+                  </a:txBody>
+                  <a:tcPr marL="30538" marR="30538" marT="0" marB="0"/>
+                </a:tc>
+                <a:tc>
+                  <a:txBody>
+                    <a:bodyPr/>
+                    <a:lstStyle/>
+                    <a:p>
+                      <a:pPr marL="0" marR="0" algn="l">
+                        <a:spcBef>
+                          <a:spcPts val="0"/>
+                        </a:spcBef>
+                        <a:spcAft>
+                          <a:spcPts val="0"/>
+                        </a:spcAft>
+                      </a:pPr>
+                      <a:r>
+                        <a:rPr lang="en-US" sz="1200" kern="0" dirty="0">
+                          <a:effectLst/>
+                        </a:rPr>
+                        <a:t>The environment has more than one region. Each region has more than one agent. Enter a number indicates the steps an agent moves.</a:t>
+                      </a:r>
+                      <a:endParaRPr lang="en-US" sz="1200" kern="100" dirty="0">
+                        <a:effectLst/>
+                        <a:latin typeface="Calibri" panose="020F0502020204030204" pitchFamily="34" charset="0"/>
+                        <a:ea typeface="Calibri" panose="020F0502020204030204" pitchFamily="34" charset="0"/>
+                        <a:cs typeface="Times New Roman" panose="02020603050405020304" pitchFamily="18" charset="0"/>
+                      </a:endParaRPr>
+                    </a:p>
+                  </a:txBody>
+                  <a:tcPr marL="30538" marR="30538" marT="0" marB="0"/>
+                </a:tc>
+                <a:tc>
+                  <a:txBody>
+                    <a:bodyPr/>
+                    <a:lstStyle/>
+                    <a:p>
+                      <a:pPr marL="0" marR="0" algn="ctr">
+                        <a:spcBef>
+                          <a:spcPts val="0"/>
+                        </a:spcBef>
+                        <a:spcAft>
+                          <a:spcPts val="0"/>
+                        </a:spcAft>
+                      </a:pPr>
+                      <a:r>
+                        <a:rPr lang="en-US" sz="1200" kern="0" dirty="0">
+                          <a:effectLst/>
+                        </a:rPr>
+                        <a:t>Agent array, Region matrix, Number of steps</a:t>
+                      </a:r>
+                      <a:endParaRPr lang="en-US" sz="1200" kern="100" dirty="0">
+                        <a:effectLst/>
+                        <a:latin typeface="Calibri" panose="020F0502020204030204" pitchFamily="34" charset="0"/>
+                        <a:ea typeface="Calibri" panose="020F0502020204030204" pitchFamily="34" charset="0"/>
+                        <a:cs typeface="Times New Roman" panose="02020603050405020304" pitchFamily="18" charset="0"/>
+                      </a:endParaRPr>
+                    </a:p>
+                  </a:txBody>
+                  <a:tcPr marL="30538" marR="30538" marT="0" marB="0"/>
+                </a:tc>
+                <a:tc>
+                  <a:txBody>
+                    <a:bodyPr/>
+                    <a:lstStyle/>
+                    <a:p>
+                      <a:pPr marL="0" marR="0" algn="l">
+                        <a:spcBef>
+                          <a:spcPts val="0"/>
+                        </a:spcBef>
+                        <a:spcAft>
+                          <a:spcPts val="0"/>
+                        </a:spcAft>
+                      </a:pPr>
+                      <a:r>
+                        <a:rPr lang="en-US" sz="1200" kern="0" dirty="0">
+                          <a:effectLst/>
+                        </a:rPr>
+                        <a:t>All agents move a fix number of steps and stop.</a:t>
+                      </a:r>
+                      <a:endParaRPr lang="en-US" sz="1200" kern="100" dirty="0">
+                        <a:effectLst/>
+                        <a:latin typeface="Calibri" panose="020F0502020204030204" pitchFamily="34" charset="0"/>
+                        <a:ea typeface="Calibri" panose="020F0502020204030204" pitchFamily="34" charset="0"/>
+                        <a:cs typeface="Times New Roman" panose="02020603050405020304" pitchFamily="18" charset="0"/>
+                      </a:endParaRPr>
+                    </a:p>
+                  </a:txBody>
+                  <a:tcPr marL="30538" marR="30538" marT="0" marB="0"/>
+                </a:tc>
+                <a:extLst>
+                  <a:ext uri="{0D108BD9-81ED-4DB2-BD59-A6C34878D82A}">
+                    <a16:rowId xmlns:a16="http://schemas.microsoft.com/office/drawing/2014/main" val="1141149000"/>
+                  </a:ext>
+                </a:extLst>
+              </a:tr>
+            </a:tbl>
+          </a:graphicData>
+        </a:graphic>
+      </p:graphicFrame>
+      <p:sp>
+        <p:nvSpPr>
+          <p:cNvPr id="7" name="TextBox 6"/>
+          <p:cNvSpPr txBox="1"/>
+          <p:nvPr/>
+        </p:nvSpPr>
+        <p:spPr>
+          <a:xfrm>
+            <a:off x="1360380" y="1151440"/>
+            <a:ext cx="5635869" cy="923330"/>
+          </a:xfrm>
+          <a:prstGeom prst="rect">
+            <a:avLst/>
+          </a:prstGeom>
+          <a:noFill/>
+        </p:spPr>
+        <p:txBody>
+          <a:bodyPr wrap="square" rtlCol="0">
+            <a:spAutoFit/>
+          </a:bodyPr>
+          <a:lstStyle/>
+          <a:p>
+            <a:r>
+              <a:rPr lang="en-US" dirty="0"/>
+              <a:t>Consider the sprint task #3– Test algorithm</a:t>
+            </a:r>
+          </a:p>
+          <a:p>
+            <a:r>
+              <a:rPr lang="en-US" dirty="0"/>
+              <a:t>Some of the test cases for this task are as follows:</a:t>
+            </a:r>
+          </a:p>
+          <a:p>
+            <a:endParaRPr lang="en-US" dirty="0"/>
+          </a:p>
+        </p:txBody>
+      </p:sp>
+    </p:spTree>
+    <p:extLst>
+      <p:ext uri="{BB962C8B-B14F-4D97-AF65-F5344CB8AC3E}">
+        <p14:creationId xmlns:p14="http://schemas.microsoft.com/office/powerpoint/2010/main" val="2385150867"/>
+      </p:ext>
+    </p:extLst>
+  </p:cSld>
+  <p:clrMapOvr>
+    <a:masterClrMapping/>
+  </p:clrMapOvr>
+</p:sld>
+</file>
+
+<file path=ppt/slides/slide7.xml><?xml version="1.0" encoding="utf-8"?>
+<p:sld xmlns:a="http://schemas.openxmlformats.org/drawingml/2006/main" xmlns:r="http://schemas.openxmlformats.org/officeDocument/2006/relationships" xmlns:p="http://schemas.openxmlformats.org/presentationml/2006/main">
+  <p:cSld>
+    <p:spTree>
+      <p:nvGrpSpPr>
+        <p:cNvPr id="1" name=""/>
+        <p:cNvGrpSpPr/>
+        <p:nvPr/>
+      </p:nvGrpSpPr>
+      <p:grpSpPr>
+        <a:xfrm>
+          <a:off x="0" y="0"/>
+          <a:ext cx="0" cy="0"/>
+          <a:chOff x="0" y="0"/>
+          <a:chExt cx="0" cy="0"/>
+        </a:xfrm>
+      </p:grpSpPr>
+      <p:sp>
+        <p:nvSpPr>
+          <p:cNvPr id="2" name="Title 1"/>
+          <p:cNvSpPr>
+            <a:spLocks noGrp="1"/>
+          </p:cNvSpPr>
+          <p:nvPr>
+            <p:ph type="title"/>
+          </p:nvPr>
+        </p:nvSpPr>
+        <p:spPr/>
+        <p:txBody>
+          <a:bodyPr/>
+          <a:lstStyle/>
+          <a:p>
+            <a:r>
+              <a:rPr lang="en-US" dirty="0"/>
+              <a:t>Test cases</a:t>
+            </a:r>
+          </a:p>
+        </p:txBody>
+      </p:sp>
+      <p:graphicFrame>
+        <p:nvGraphicFramePr>
+          <p:cNvPr id="4" name="Content Placeholder 3"/>
+          <p:cNvGraphicFramePr>
+            <a:graphicFrameLocks noGrp="1"/>
+          </p:cNvGraphicFramePr>
+          <p:nvPr>
+            <p:ph idx="1"/>
+            <p:extLst>
+              <p:ext uri="{D42A27DB-BD31-4B8C-83A1-F6EECF244321}">
+                <p14:modId xmlns:p14="http://schemas.microsoft.com/office/powerpoint/2010/main" val="3686569025"/>
+              </p:ext>
+            </p:extLst>
+          </p:nvPr>
+        </p:nvGraphicFramePr>
+        <p:xfrm>
+          <a:off x="1451579" y="1759637"/>
+          <a:ext cx="9952890" cy="5146061"/>
+        </p:xfrm>
+        <a:graphic>
+          <a:graphicData uri="http://schemas.openxmlformats.org/drawingml/2006/table">
+            <a:tbl>
+              <a:tblPr firstRow="1" firstCol="1" bandRow="1">
+                <a:tableStyleId>{5C22544A-7EE6-4342-B048-85BDC9FD1C3A}</a:tableStyleId>
+              </a:tblPr>
+              <a:tblGrid>
+                <a:gridCol w="785167">
+                  <a:extLst>
+                    <a:ext uri="{9D8B030D-6E8A-4147-A177-3AD203B41FA5}">
+                      <a16:colId xmlns:a16="http://schemas.microsoft.com/office/drawing/2014/main" val="3107678301"/>
+                    </a:ext>
+                  </a:extLst>
+                </a:gridCol>
+                <a:gridCol w="4638652">
+                  <a:extLst>
+                    <a:ext uri="{9D8B030D-6E8A-4147-A177-3AD203B41FA5}">
+                      <a16:colId xmlns:a16="http://schemas.microsoft.com/office/drawing/2014/main" val="1526257018"/>
+                    </a:ext>
+                  </a:extLst>
+                </a:gridCol>
+                <a:gridCol w="1848014">
+                  <a:extLst>
+                    <a:ext uri="{9D8B030D-6E8A-4147-A177-3AD203B41FA5}">
+                      <a16:colId xmlns:a16="http://schemas.microsoft.com/office/drawing/2014/main" val="3874881933"/>
+                    </a:ext>
+                  </a:extLst>
+                </a:gridCol>
+                <a:gridCol w="2681057">
+                  <a:extLst>
+                    <a:ext uri="{9D8B030D-6E8A-4147-A177-3AD203B41FA5}">
+                      <a16:colId xmlns:a16="http://schemas.microsoft.com/office/drawing/2014/main" val="3672598442"/>
+                    </a:ext>
+                  </a:extLst>
+                </a:gridCol>
+              </a:tblGrid>
+              <a:tr h="321835">
+                <a:tc>
+                  <a:txBody>
+                    <a:bodyPr/>
+                    <a:lstStyle/>
+                    <a:p>
+                      <a:pPr marL="0" marR="0" algn="ctr">
+                        <a:spcBef>
+                          <a:spcPts val="0"/>
+                        </a:spcBef>
+                        <a:spcAft>
+                          <a:spcPts val="0"/>
+                        </a:spcAft>
+                      </a:pPr>
+                      <a:r>
+                        <a:rPr lang="en-US" sz="1100" kern="0" dirty="0">
+                          <a:effectLst/>
+                        </a:rPr>
+                        <a:t>Test case</a:t>
+                      </a:r>
+                      <a:endParaRPr lang="en-US" sz="1100" kern="100" dirty="0">
+                        <a:effectLst/>
+                      </a:endParaRPr>
+                    </a:p>
+                    <a:p>
+                      <a:pPr marL="0" marR="0" algn="ctr">
+                        <a:spcBef>
+                          <a:spcPts val="0"/>
+                        </a:spcBef>
+                        <a:spcAft>
+                          <a:spcPts val="0"/>
+                        </a:spcAft>
+                      </a:pPr>
+                      <a:r>
+                        <a:rPr lang="en-US" sz="1100" kern="0" dirty="0">
+                          <a:effectLst/>
+                        </a:rPr>
+                        <a:t>#</a:t>
+                      </a:r>
+                      <a:endParaRPr lang="en-US" sz="1100" kern="100" dirty="0">
+                        <a:effectLst/>
+                        <a:latin typeface="Calibri" panose="020F0502020204030204" pitchFamily="34" charset="0"/>
+                        <a:ea typeface="Calibri" panose="020F0502020204030204" pitchFamily="34" charset="0"/>
+                        <a:cs typeface="Times New Roman" panose="02020603050405020304" pitchFamily="18" charset="0"/>
+                      </a:endParaRPr>
+                    </a:p>
+                  </a:txBody>
+                  <a:tcPr marL="23797" marR="23797" marT="0" marB="0"/>
+                </a:tc>
+                <a:tc>
+                  <a:txBody>
+                    <a:bodyPr/>
+                    <a:lstStyle/>
+                    <a:p>
+                      <a:pPr marL="0" marR="0" algn="ctr">
+                        <a:spcBef>
+                          <a:spcPts val="0"/>
+                        </a:spcBef>
+                        <a:spcAft>
+                          <a:spcPts val="0"/>
+                        </a:spcAft>
+                      </a:pPr>
+                      <a:r>
+                        <a:rPr lang="en-US" sz="1100" kern="0">
+                          <a:effectLst/>
+                        </a:rPr>
+                        <a:t>Scenario</a:t>
+                      </a:r>
+                      <a:endParaRPr lang="en-US" sz="1100" kern="100">
+                        <a:effectLst/>
+                      </a:endParaRPr>
+                    </a:p>
+                    <a:p>
+                      <a:pPr marL="0" marR="0" algn="l">
+                        <a:spcBef>
+                          <a:spcPts val="0"/>
+                        </a:spcBef>
+                        <a:spcAft>
+                          <a:spcPts val="0"/>
+                        </a:spcAft>
+                      </a:pPr>
+                      <a:r>
+                        <a:rPr lang="en-US" sz="1100" kern="0">
+                          <a:effectLst/>
+                        </a:rPr>
+                        <a:t> </a:t>
+                      </a:r>
+                      <a:endParaRPr lang="en-US" sz="1100" kern="100">
+                        <a:effectLst/>
+                        <a:latin typeface="Calibri" panose="020F0502020204030204" pitchFamily="34" charset="0"/>
+                        <a:ea typeface="Calibri" panose="020F0502020204030204" pitchFamily="34" charset="0"/>
+                        <a:cs typeface="Times New Roman" panose="02020603050405020304" pitchFamily="18" charset="0"/>
+                      </a:endParaRPr>
+                    </a:p>
+                  </a:txBody>
+                  <a:tcPr marL="23797" marR="23797" marT="0" marB="0"/>
+                </a:tc>
+                <a:tc>
+                  <a:txBody>
+                    <a:bodyPr/>
+                    <a:lstStyle/>
+                    <a:p>
+                      <a:pPr marL="0" marR="0" algn="ctr">
+                        <a:spcBef>
+                          <a:spcPts val="0"/>
+                        </a:spcBef>
+                        <a:spcAft>
+                          <a:spcPts val="0"/>
+                        </a:spcAft>
+                      </a:pPr>
+                      <a:r>
+                        <a:rPr lang="en-US" sz="1100" kern="0">
+                          <a:effectLst/>
+                        </a:rPr>
+                        <a:t>Input(s)</a:t>
+                      </a:r>
+                      <a:endParaRPr lang="en-US" sz="1100" kern="100">
+                        <a:effectLst/>
+                      </a:endParaRPr>
+                    </a:p>
+                    <a:p>
+                      <a:pPr marL="0" marR="0" algn="l">
+                        <a:spcBef>
+                          <a:spcPts val="0"/>
+                        </a:spcBef>
+                        <a:spcAft>
+                          <a:spcPts val="0"/>
+                        </a:spcAft>
+                      </a:pPr>
+                      <a:r>
+                        <a:rPr lang="en-US" sz="1100" kern="0">
+                          <a:effectLst/>
+                        </a:rPr>
+                        <a:t> </a:t>
+                      </a:r>
+                      <a:endParaRPr lang="en-US" sz="1100" kern="100">
+                        <a:effectLst/>
+                        <a:latin typeface="Calibri" panose="020F0502020204030204" pitchFamily="34" charset="0"/>
+                        <a:ea typeface="Calibri" panose="020F0502020204030204" pitchFamily="34" charset="0"/>
+                        <a:cs typeface="Times New Roman" panose="02020603050405020304" pitchFamily="18" charset="0"/>
+                      </a:endParaRPr>
+                    </a:p>
+                  </a:txBody>
+                  <a:tcPr marL="23797" marR="23797" marT="0" marB="0"/>
+                </a:tc>
+                <a:tc>
+                  <a:txBody>
+                    <a:bodyPr/>
+                    <a:lstStyle/>
+                    <a:p>
+                      <a:pPr marL="0" marR="0" algn="ctr">
+                        <a:spcBef>
+                          <a:spcPts val="0"/>
+                        </a:spcBef>
+                        <a:spcAft>
+                          <a:spcPts val="0"/>
+                        </a:spcAft>
+                      </a:pPr>
+                      <a:r>
+                        <a:rPr lang="en-US" sz="1100" kern="0">
+                          <a:effectLst/>
+                        </a:rPr>
+                        <a:t>Expected output</a:t>
+                      </a:r>
+                      <a:endParaRPr lang="en-US" sz="1100" kern="100">
+                        <a:effectLst/>
+                      </a:endParaRPr>
+                    </a:p>
+                    <a:p>
+                      <a:pPr marL="0" marR="0" algn="l">
+                        <a:spcBef>
+                          <a:spcPts val="0"/>
+                        </a:spcBef>
+                        <a:spcAft>
+                          <a:spcPts val="0"/>
+                        </a:spcAft>
+                      </a:pPr>
+                      <a:r>
+                        <a:rPr lang="en-US" sz="1100" kern="0">
+                          <a:effectLst/>
+                        </a:rPr>
+                        <a:t> </a:t>
+                      </a:r>
+                      <a:endParaRPr lang="en-US" sz="1100" kern="100">
+                        <a:effectLst/>
+                        <a:latin typeface="Calibri" panose="020F0502020204030204" pitchFamily="34" charset="0"/>
+                        <a:ea typeface="Calibri" panose="020F0502020204030204" pitchFamily="34" charset="0"/>
+                        <a:cs typeface="Times New Roman" panose="02020603050405020304" pitchFamily="18" charset="0"/>
+                      </a:endParaRPr>
+                    </a:p>
+                  </a:txBody>
+                  <a:tcPr marL="23797" marR="23797" marT="0" marB="0"/>
+                </a:tc>
+                <a:extLst>
+                  <a:ext uri="{0D108BD9-81ED-4DB2-BD59-A6C34878D82A}">
+                    <a16:rowId xmlns:a16="http://schemas.microsoft.com/office/drawing/2014/main" val="3775839406"/>
+                  </a:ext>
+                </a:extLst>
+              </a:tr>
+              <a:tr h="337641">
+                <a:tc>
+                  <a:txBody>
+                    <a:bodyPr/>
+                    <a:lstStyle/>
+                    <a:p>
+                      <a:pPr marL="0" marR="0" algn="ctr">
+                        <a:spcBef>
+                          <a:spcPts val="0"/>
+                        </a:spcBef>
+                        <a:spcAft>
+                          <a:spcPts val="0"/>
+                        </a:spcAft>
+                      </a:pPr>
+                      <a:r>
+                        <a:rPr lang="en-US" sz="1100" kern="0">
+                          <a:effectLst/>
+                        </a:rPr>
+                        <a:t>1</a:t>
+                      </a:r>
+                      <a:endParaRPr lang="en-US" sz="1100" kern="100">
+                        <a:effectLst/>
+                        <a:latin typeface="Calibri" panose="020F0502020204030204" pitchFamily="34" charset="0"/>
+                        <a:ea typeface="Calibri" panose="020F0502020204030204" pitchFamily="34" charset="0"/>
+                        <a:cs typeface="Times New Roman" panose="02020603050405020304" pitchFamily="18" charset="0"/>
+                      </a:endParaRPr>
+                    </a:p>
+                  </a:txBody>
+                  <a:tcPr marL="23797" marR="23797" marT="0" marB="0"/>
+                </a:tc>
+                <a:tc>
+                  <a:txBody>
+                    <a:bodyPr/>
+                    <a:lstStyle/>
+                    <a:p>
+                      <a:pPr marL="0" marR="0" algn="l">
+                        <a:spcBef>
+                          <a:spcPts val="0"/>
+                        </a:spcBef>
+                        <a:spcAft>
+                          <a:spcPts val="0"/>
+                        </a:spcAft>
+                      </a:pPr>
+                      <a:r>
+                        <a:rPr lang="en-US" sz="1100" kern="0" dirty="0">
+                          <a:effectLst/>
+                        </a:rPr>
+                        <a:t>The environment has only one region. The region has only one agent. User executes the program by one step.</a:t>
+                      </a:r>
+                      <a:endParaRPr lang="en-US" sz="1100" kern="100" dirty="0">
+                        <a:effectLst/>
+                        <a:latin typeface="Calibri" panose="020F0502020204030204" pitchFamily="34" charset="0"/>
+                        <a:ea typeface="Calibri" panose="020F0502020204030204" pitchFamily="34" charset="0"/>
+                        <a:cs typeface="Times New Roman" panose="02020603050405020304" pitchFamily="18" charset="0"/>
+                      </a:endParaRPr>
+                    </a:p>
+                  </a:txBody>
+                  <a:tcPr marL="23797" marR="23797" marT="0" marB="0"/>
+                </a:tc>
+                <a:tc>
+                  <a:txBody>
+                    <a:bodyPr/>
+                    <a:lstStyle/>
+                    <a:p>
+                      <a:pPr marL="0" marR="0" algn="ctr">
+                        <a:spcBef>
+                          <a:spcPts val="0"/>
+                        </a:spcBef>
+                        <a:spcAft>
+                          <a:spcPts val="0"/>
+                        </a:spcAft>
+                      </a:pPr>
+                      <a:r>
+                        <a:rPr lang="en-US" sz="1100" kern="0">
+                          <a:effectLst/>
+                        </a:rPr>
+                        <a:t>Click on “Execute step by step”</a:t>
+                      </a:r>
+                      <a:endParaRPr lang="en-US" sz="1100" kern="100">
+                        <a:effectLst/>
+                        <a:latin typeface="Calibri" panose="020F0502020204030204" pitchFamily="34" charset="0"/>
+                        <a:ea typeface="Calibri" panose="020F0502020204030204" pitchFamily="34" charset="0"/>
+                        <a:cs typeface="Times New Roman" panose="02020603050405020304" pitchFamily="18" charset="0"/>
+                      </a:endParaRPr>
+                    </a:p>
+                  </a:txBody>
+                  <a:tcPr marL="23797" marR="23797" marT="0" marB="0"/>
+                </a:tc>
+                <a:tc>
+                  <a:txBody>
+                    <a:bodyPr/>
+                    <a:lstStyle/>
+                    <a:p>
+                      <a:pPr marL="0" marR="0" algn="l">
+                        <a:spcBef>
+                          <a:spcPts val="0"/>
+                        </a:spcBef>
+                        <a:spcAft>
+                          <a:spcPts val="0"/>
+                        </a:spcAft>
+                      </a:pPr>
+                      <a:r>
+                        <a:rPr lang="en-US" sz="1100" kern="0">
+                          <a:effectLst/>
+                        </a:rPr>
+                        <a:t>The agent moves by one step and then stops. Color of visited spaces will change.</a:t>
+                      </a:r>
+                      <a:endParaRPr lang="en-US" sz="1100" kern="100">
+                        <a:effectLst/>
+                        <a:latin typeface="Calibri" panose="020F0502020204030204" pitchFamily="34" charset="0"/>
+                        <a:ea typeface="Calibri" panose="020F0502020204030204" pitchFamily="34" charset="0"/>
+                        <a:cs typeface="Times New Roman" panose="02020603050405020304" pitchFamily="18" charset="0"/>
+                      </a:endParaRPr>
+                    </a:p>
+                  </a:txBody>
+                  <a:tcPr marL="23797" marR="23797" marT="0" marB="0"/>
+                </a:tc>
+                <a:extLst>
+                  <a:ext uri="{0D108BD9-81ED-4DB2-BD59-A6C34878D82A}">
+                    <a16:rowId xmlns:a16="http://schemas.microsoft.com/office/drawing/2014/main" val="1730872852"/>
+                  </a:ext>
+                </a:extLst>
+              </a:tr>
+              <a:tr h="530450">
+                <a:tc>
+                  <a:txBody>
+                    <a:bodyPr/>
+                    <a:lstStyle/>
+                    <a:p>
+                      <a:pPr marL="0" marR="0" algn="ctr">
+                        <a:spcBef>
+                          <a:spcPts val="0"/>
+                        </a:spcBef>
+                        <a:spcAft>
+                          <a:spcPts val="0"/>
+                        </a:spcAft>
+                      </a:pPr>
+                      <a:r>
+                        <a:rPr lang="en-US" sz="1100" kern="0">
+                          <a:effectLst/>
+                        </a:rPr>
+                        <a:t>2</a:t>
+                      </a:r>
+                      <a:endParaRPr lang="en-US" sz="1100" kern="100">
+                        <a:effectLst/>
+                        <a:latin typeface="Calibri" panose="020F0502020204030204" pitchFamily="34" charset="0"/>
+                        <a:ea typeface="Calibri" panose="020F0502020204030204" pitchFamily="34" charset="0"/>
+                        <a:cs typeface="Times New Roman" panose="02020603050405020304" pitchFamily="18" charset="0"/>
+                      </a:endParaRPr>
+                    </a:p>
+                  </a:txBody>
+                  <a:tcPr marL="23797" marR="23797" marT="0" marB="0"/>
+                </a:tc>
+                <a:tc>
+                  <a:txBody>
+                    <a:bodyPr/>
+                    <a:lstStyle/>
+                    <a:p>
+                      <a:pPr marL="0" marR="0" algn="l">
+                        <a:spcBef>
+                          <a:spcPts val="0"/>
+                        </a:spcBef>
+                        <a:spcAft>
+                          <a:spcPts val="0"/>
+                        </a:spcAft>
+                      </a:pPr>
+                      <a:r>
+                        <a:rPr lang="en-US" sz="1100" kern="0" dirty="0">
+                          <a:effectLst/>
+                        </a:rPr>
+                        <a:t>The environment has only one region. The region has only one agent. User executes the program by fixed number of steps.</a:t>
+                      </a:r>
+                      <a:endParaRPr lang="en-US" sz="1100" kern="100" dirty="0">
+                        <a:effectLst/>
+                        <a:latin typeface="Calibri" panose="020F0502020204030204" pitchFamily="34" charset="0"/>
+                        <a:ea typeface="Calibri" panose="020F0502020204030204" pitchFamily="34" charset="0"/>
+                        <a:cs typeface="Times New Roman" panose="02020603050405020304" pitchFamily="18" charset="0"/>
+                      </a:endParaRPr>
+                    </a:p>
+                  </a:txBody>
+                  <a:tcPr marL="23797" marR="23797" marT="0" marB="0"/>
+                </a:tc>
+                <a:tc>
+                  <a:txBody>
+                    <a:bodyPr/>
+                    <a:lstStyle/>
+                    <a:p>
+                      <a:pPr marL="0" marR="0" algn="ctr">
+                        <a:spcBef>
+                          <a:spcPts val="0"/>
+                        </a:spcBef>
+                        <a:spcAft>
+                          <a:spcPts val="0"/>
+                        </a:spcAft>
+                      </a:pPr>
+                      <a:r>
+                        <a:rPr lang="en-US" sz="1100" kern="0">
+                          <a:effectLst/>
+                        </a:rPr>
+                        <a:t>Number of steps, click on “Execute”</a:t>
+                      </a:r>
+                      <a:endParaRPr lang="en-US" sz="1100" kern="100">
+                        <a:effectLst/>
+                        <a:latin typeface="Calibri" panose="020F0502020204030204" pitchFamily="34" charset="0"/>
+                        <a:ea typeface="Calibri" panose="020F0502020204030204" pitchFamily="34" charset="0"/>
+                        <a:cs typeface="Times New Roman" panose="02020603050405020304" pitchFamily="18" charset="0"/>
+                      </a:endParaRPr>
+                    </a:p>
+                  </a:txBody>
+                  <a:tcPr marL="23797" marR="23797" marT="0" marB="0"/>
+                </a:tc>
+                <a:tc>
+                  <a:txBody>
+                    <a:bodyPr/>
+                    <a:lstStyle/>
+                    <a:p>
+                      <a:pPr marL="0" marR="0" algn="l">
+                        <a:spcBef>
+                          <a:spcPts val="0"/>
+                        </a:spcBef>
+                        <a:spcAft>
+                          <a:spcPts val="0"/>
+                        </a:spcAft>
+                      </a:pPr>
+                      <a:r>
+                        <a:rPr lang="en-US" sz="1100" kern="0">
+                          <a:effectLst/>
+                        </a:rPr>
+                        <a:t>The agent moves by number of steps and then stops. Color of visited spaces will change.</a:t>
+                      </a:r>
+                      <a:endParaRPr lang="en-US" sz="1100" kern="100">
+                        <a:effectLst/>
+                        <a:latin typeface="Calibri" panose="020F0502020204030204" pitchFamily="34" charset="0"/>
+                        <a:ea typeface="Calibri" panose="020F0502020204030204" pitchFamily="34" charset="0"/>
+                        <a:cs typeface="Times New Roman" panose="02020603050405020304" pitchFamily="18" charset="0"/>
+                      </a:endParaRPr>
+                    </a:p>
+                  </a:txBody>
+                  <a:tcPr marL="23797" marR="23797" marT="0" marB="0"/>
+                </a:tc>
+                <a:extLst>
+                  <a:ext uri="{0D108BD9-81ED-4DB2-BD59-A6C34878D82A}">
+                    <a16:rowId xmlns:a16="http://schemas.microsoft.com/office/drawing/2014/main" val="3253390231"/>
+                  </a:ext>
+                </a:extLst>
+              </a:tr>
+              <a:tr h="643670">
+                <a:tc>
+                  <a:txBody>
+                    <a:bodyPr/>
+                    <a:lstStyle/>
+                    <a:p>
+                      <a:pPr marL="0" marR="0" algn="ctr">
+                        <a:spcBef>
+                          <a:spcPts val="0"/>
+                        </a:spcBef>
+                        <a:spcAft>
+                          <a:spcPts val="0"/>
+                        </a:spcAft>
+                      </a:pPr>
+                      <a:r>
+                        <a:rPr lang="en-US" sz="1100" kern="0">
+                          <a:effectLst/>
+                        </a:rPr>
+                        <a:t>3</a:t>
+                      </a:r>
+                      <a:endParaRPr lang="en-US" sz="1100" kern="100">
+                        <a:effectLst/>
+                        <a:latin typeface="Calibri" panose="020F0502020204030204" pitchFamily="34" charset="0"/>
+                        <a:ea typeface="Calibri" panose="020F0502020204030204" pitchFamily="34" charset="0"/>
+                        <a:cs typeface="Times New Roman" panose="02020603050405020304" pitchFamily="18" charset="0"/>
+                      </a:endParaRPr>
+                    </a:p>
+                  </a:txBody>
+                  <a:tcPr marL="23797" marR="23797" marT="0" marB="0"/>
+                </a:tc>
+                <a:tc>
+                  <a:txBody>
+                    <a:bodyPr/>
+                    <a:lstStyle/>
+                    <a:p>
+                      <a:pPr marL="0" marR="0" algn="l">
+                        <a:spcBef>
+                          <a:spcPts val="0"/>
+                        </a:spcBef>
+                        <a:spcAft>
+                          <a:spcPts val="0"/>
+                        </a:spcAft>
+                      </a:pPr>
+                      <a:r>
+                        <a:rPr lang="en-US" sz="1100" kern="0" dirty="0">
+                          <a:effectLst/>
+                        </a:rPr>
+                        <a:t>The environment has only one region. The region has more than one agent. User executes the program by one step.</a:t>
+                      </a:r>
+                      <a:endParaRPr lang="en-US" sz="1100" kern="100" dirty="0">
+                        <a:effectLst/>
+                        <a:latin typeface="Calibri" panose="020F0502020204030204" pitchFamily="34" charset="0"/>
+                        <a:ea typeface="Calibri" panose="020F0502020204030204" pitchFamily="34" charset="0"/>
+                        <a:cs typeface="Times New Roman" panose="02020603050405020304" pitchFamily="18" charset="0"/>
+                      </a:endParaRPr>
+                    </a:p>
+                  </a:txBody>
+                  <a:tcPr marL="23797" marR="23797" marT="0" marB="0"/>
+                </a:tc>
+                <a:tc>
+                  <a:txBody>
+                    <a:bodyPr/>
+                    <a:lstStyle/>
+                    <a:p>
+                      <a:pPr marL="0" marR="0" algn="ctr">
+                        <a:spcBef>
+                          <a:spcPts val="0"/>
+                        </a:spcBef>
+                        <a:spcAft>
+                          <a:spcPts val="0"/>
+                        </a:spcAft>
+                      </a:pPr>
+                      <a:r>
+                        <a:rPr lang="en-US" sz="1100" kern="0">
+                          <a:effectLst/>
+                        </a:rPr>
+                        <a:t>Click on “Execute step by step”</a:t>
+                      </a:r>
+                      <a:endParaRPr lang="en-US" sz="1100" kern="100">
+                        <a:effectLst/>
+                        <a:latin typeface="Calibri" panose="020F0502020204030204" pitchFamily="34" charset="0"/>
+                        <a:ea typeface="Calibri" panose="020F0502020204030204" pitchFamily="34" charset="0"/>
+                        <a:cs typeface="Times New Roman" panose="02020603050405020304" pitchFamily="18" charset="0"/>
+                      </a:endParaRPr>
+                    </a:p>
+                  </a:txBody>
+                  <a:tcPr marL="23797" marR="23797" marT="0" marB="0"/>
+                </a:tc>
+                <a:tc>
+                  <a:txBody>
+                    <a:bodyPr/>
+                    <a:lstStyle/>
+                    <a:p>
+                      <a:pPr marL="0" marR="0" algn="l">
+                        <a:spcBef>
+                          <a:spcPts val="0"/>
+                        </a:spcBef>
+                        <a:spcAft>
+                          <a:spcPts val="0"/>
+                        </a:spcAft>
+                      </a:pPr>
+                      <a:r>
+                        <a:rPr lang="en-US" sz="1100" kern="0" dirty="0">
+                          <a:effectLst/>
+                        </a:rPr>
+                        <a:t>All agents move at the same and move by one step and then stops. They will have different paths. Color of visited spaces will change.</a:t>
+                      </a:r>
+                      <a:endParaRPr lang="en-US" sz="1100" kern="100" dirty="0">
+                        <a:effectLst/>
+                        <a:latin typeface="Calibri" panose="020F0502020204030204" pitchFamily="34" charset="0"/>
+                        <a:ea typeface="Calibri" panose="020F0502020204030204" pitchFamily="34" charset="0"/>
+                        <a:cs typeface="Times New Roman" panose="02020603050405020304" pitchFamily="18" charset="0"/>
+                      </a:endParaRPr>
+                    </a:p>
+                  </a:txBody>
+                  <a:tcPr marL="23797" marR="23797" marT="0" marB="0"/>
+                </a:tc>
+                <a:extLst>
+                  <a:ext uri="{0D108BD9-81ED-4DB2-BD59-A6C34878D82A}">
+                    <a16:rowId xmlns:a16="http://schemas.microsoft.com/office/drawing/2014/main" val="977556199"/>
+                  </a:ext>
+                </a:extLst>
+              </a:tr>
+              <a:tr h="670560">
+                <a:tc>
+                  <a:txBody>
+                    <a:bodyPr/>
+                    <a:lstStyle/>
+                    <a:p>
+                      <a:pPr marL="0" marR="0" algn="ctr">
+                        <a:spcBef>
+                          <a:spcPts val="0"/>
+                        </a:spcBef>
+                        <a:spcAft>
+                          <a:spcPts val="0"/>
+                        </a:spcAft>
+                      </a:pPr>
+                      <a:r>
+                        <a:rPr lang="en-US" sz="1100" kern="0">
+                          <a:effectLst/>
+                        </a:rPr>
+                        <a:t>4</a:t>
+                      </a:r>
+                      <a:endParaRPr lang="en-US" sz="1100" kern="100">
+                        <a:effectLst/>
+                        <a:latin typeface="Calibri" panose="020F0502020204030204" pitchFamily="34" charset="0"/>
+                        <a:ea typeface="Calibri" panose="020F0502020204030204" pitchFamily="34" charset="0"/>
+                        <a:cs typeface="Times New Roman" panose="02020603050405020304" pitchFamily="18" charset="0"/>
+                      </a:endParaRPr>
+                    </a:p>
+                  </a:txBody>
+                  <a:tcPr marL="23797" marR="23797" marT="0" marB="0"/>
+                </a:tc>
+                <a:tc>
+                  <a:txBody>
+                    <a:bodyPr/>
+                    <a:lstStyle/>
+                    <a:p>
+                      <a:pPr marL="0" marR="0" algn="l">
+                        <a:spcBef>
+                          <a:spcPts val="0"/>
+                        </a:spcBef>
+                        <a:spcAft>
+                          <a:spcPts val="0"/>
+                        </a:spcAft>
+                      </a:pPr>
+                      <a:r>
+                        <a:rPr lang="en-US" sz="1100" kern="0" dirty="0">
+                          <a:effectLst/>
+                        </a:rPr>
+                        <a:t>The environment has only one region. The region has more than one agent. User executes the program by fixed number of steps.</a:t>
+                      </a:r>
+                      <a:endParaRPr lang="en-US" sz="1100" kern="100" dirty="0">
+                        <a:effectLst/>
+                        <a:latin typeface="Calibri" panose="020F0502020204030204" pitchFamily="34" charset="0"/>
+                        <a:ea typeface="Calibri" panose="020F0502020204030204" pitchFamily="34" charset="0"/>
+                        <a:cs typeface="Times New Roman" panose="02020603050405020304" pitchFamily="18" charset="0"/>
+                      </a:endParaRPr>
+                    </a:p>
+                  </a:txBody>
+                  <a:tcPr marL="23797" marR="23797" marT="0" marB="0"/>
+                </a:tc>
+                <a:tc>
+                  <a:txBody>
+                    <a:bodyPr/>
+                    <a:lstStyle/>
+                    <a:p>
+                      <a:pPr marL="0" marR="0" algn="ctr">
+                        <a:spcBef>
+                          <a:spcPts val="0"/>
+                        </a:spcBef>
+                        <a:spcAft>
+                          <a:spcPts val="0"/>
+                        </a:spcAft>
+                      </a:pPr>
+                      <a:r>
+                        <a:rPr lang="en-US" sz="1100" kern="0">
+                          <a:effectLst/>
+                        </a:rPr>
+                        <a:t>Number of steps, click on “Execute”</a:t>
+                      </a:r>
+                      <a:endParaRPr lang="en-US" sz="1100" kern="100">
+                        <a:effectLst/>
+                        <a:latin typeface="Calibri" panose="020F0502020204030204" pitchFamily="34" charset="0"/>
+                        <a:ea typeface="Calibri" panose="020F0502020204030204" pitchFamily="34" charset="0"/>
+                        <a:cs typeface="Times New Roman" panose="02020603050405020304" pitchFamily="18" charset="0"/>
+                      </a:endParaRPr>
+                    </a:p>
+                  </a:txBody>
+                  <a:tcPr marL="23797" marR="23797" marT="0" marB="0"/>
+                </a:tc>
+                <a:tc>
+                  <a:txBody>
+                    <a:bodyPr/>
+                    <a:lstStyle/>
+                    <a:p>
+                      <a:pPr marL="0" marR="0" algn="l">
+                        <a:spcBef>
+                          <a:spcPts val="0"/>
+                        </a:spcBef>
+                        <a:spcAft>
+                          <a:spcPts val="0"/>
+                        </a:spcAft>
+                      </a:pPr>
+                      <a:r>
+                        <a:rPr lang="en-US" sz="1100" kern="0">
+                          <a:effectLst/>
+                        </a:rPr>
+                        <a:t>All agents move at the same time and moves by number of steps and then stops. They will have different paths. Color of visited spaces will change.</a:t>
+                      </a:r>
+                      <a:endParaRPr lang="en-US" sz="1100" kern="100">
+                        <a:effectLst/>
+                        <a:latin typeface="Calibri" panose="020F0502020204030204" pitchFamily="34" charset="0"/>
+                        <a:ea typeface="Calibri" panose="020F0502020204030204" pitchFamily="34" charset="0"/>
+                        <a:cs typeface="Times New Roman" panose="02020603050405020304" pitchFamily="18" charset="0"/>
+                      </a:endParaRPr>
+                    </a:p>
+                  </a:txBody>
+                  <a:tcPr marL="23797" marR="23797" marT="0" marB="0"/>
+                </a:tc>
+                <a:extLst>
+                  <a:ext uri="{0D108BD9-81ED-4DB2-BD59-A6C34878D82A}">
+                    <a16:rowId xmlns:a16="http://schemas.microsoft.com/office/drawing/2014/main" val="3920101355"/>
+                  </a:ext>
+                </a:extLst>
+              </a:tr>
+              <a:tr h="643670">
+                <a:tc>
+                  <a:txBody>
+                    <a:bodyPr/>
+                    <a:lstStyle/>
+                    <a:p>
+                      <a:pPr marL="0" marR="0" algn="ctr">
+                        <a:spcBef>
+                          <a:spcPts val="0"/>
+                        </a:spcBef>
+                        <a:spcAft>
+                          <a:spcPts val="0"/>
+                        </a:spcAft>
+                      </a:pPr>
+                      <a:r>
+                        <a:rPr lang="en-US" sz="1100" kern="0">
+                          <a:effectLst/>
+                        </a:rPr>
+                        <a:t>5</a:t>
+                      </a:r>
+                      <a:endParaRPr lang="en-US" sz="1100" kern="100">
+                        <a:effectLst/>
+                        <a:latin typeface="Calibri" panose="020F0502020204030204" pitchFamily="34" charset="0"/>
+                        <a:ea typeface="Calibri" panose="020F0502020204030204" pitchFamily="34" charset="0"/>
+                        <a:cs typeface="Times New Roman" panose="02020603050405020304" pitchFamily="18" charset="0"/>
+                      </a:endParaRPr>
+                    </a:p>
+                  </a:txBody>
+                  <a:tcPr marL="23797" marR="23797" marT="0" marB="0"/>
+                </a:tc>
+                <a:tc>
+                  <a:txBody>
+                    <a:bodyPr/>
+                    <a:lstStyle/>
+                    <a:p>
+                      <a:pPr marL="0" marR="0" algn="l">
+                        <a:spcBef>
+                          <a:spcPts val="0"/>
+                        </a:spcBef>
+                        <a:spcAft>
+                          <a:spcPts val="0"/>
+                        </a:spcAft>
+                      </a:pPr>
+                      <a:r>
+                        <a:rPr lang="en-US" sz="1100" kern="0" dirty="0">
+                          <a:effectLst/>
+                        </a:rPr>
+                        <a:t>The environment has more than one region. Each region has only one agent.  User executes the program by one step.</a:t>
+                      </a:r>
+                      <a:endParaRPr lang="en-US" sz="1100" kern="100" dirty="0">
+                        <a:effectLst/>
+                        <a:latin typeface="Calibri" panose="020F0502020204030204" pitchFamily="34" charset="0"/>
+                        <a:ea typeface="Calibri" panose="020F0502020204030204" pitchFamily="34" charset="0"/>
+                        <a:cs typeface="Times New Roman" panose="02020603050405020304" pitchFamily="18" charset="0"/>
+                      </a:endParaRPr>
+                    </a:p>
+                  </a:txBody>
+                  <a:tcPr marL="23797" marR="23797" marT="0" marB="0"/>
+                </a:tc>
+                <a:tc>
+                  <a:txBody>
+                    <a:bodyPr/>
+                    <a:lstStyle/>
+                    <a:p>
+                      <a:pPr marL="0" marR="0" algn="ctr">
+                        <a:spcBef>
+                          <a:spcPts val="0"/>
+                        </a:spcBef>
+                        <a:spcAft>
+                          <a:spcPts val="0"/>
+                        </a:spcAft>
+                      </a:pPr>
+                      <a:r>
+                        <a:rPr lang="en-US" sz="1100" kern="0">
+                          <a:effectLst/>
+                        </a:rPr>
+                        <a:t>Click on “Execute step by step”</a:t>
+                      </a:r>
+                      <a:endParaRPr lang="en-US" sz="1100" kern="100">
+                        <a:effectLst/>
+                        <a:latin typeface="Calibri" panose="020F0502020204030204" pitchFamily="34" charset="0"/>
+                        <a:ea typeface="Calibri" panose="020F0502020204030204" pitchFamily="34" charset="0"/>
+                        <a:cs typeface="Times New Roman" panose="02020603050405020304" pitchFamily="18" charset="0"/>
+                      </a:endParaRPr>
+                    </a:p>
+                  </a:txBody>
+                  <a:tcPr marL="23797" marR="23797" marT="0" marB="0"/>
+                </a:tc>
+                <a:tc>
+                  <a:txBody>
+                    <a:bodyPr/>
+                    <a:lstStyle/>
+                    <a:p>
+                      <a:pPr marL="0" marR="0" algn="l">
+                        <a:spcBef>
+                          <a:spcPts val="0"/>
+                        </a:spcBef>
+                        <a:spcAft>
+                          <a:spcPts val="0"/>
+                        </a:spcAft>
+                      </a:pPr>
+                      <a:r>
+                        <a:rPr lang="en-US" sz="1100" kern="0">
+                          <a:effectLst/>
+                        </a:rPr>
+                        <a:t>All agents move at the same and move by one step and then stops. They will have different paths. Color of visited spaces will change.</a:t>
+                      </a:r>
+                      <a:endParaRPr lang="en-US" sz="1100" kern="100">
+                        <a:effectLst/>
+                        <a:latin typeface="Calibri" panose="020F0502020204030204" pitchFamily="34" charset="0"/>
+                        <a:ea typeface="Calibri" panose="020F0502020204030204" pitchFamily="34" charset="0"/>
+                        <a:cs typeface="Times New Roman" panose="02020603050405020304" pitchFamily="18" charset="0"/>
+                      </a:endParaRPr>
+                    </a:p>
+                  </a:txBody>
+                  <a:tcPr marL="23797" marR="23797" marT="0" marB="0"/>
+                </a:tc>
+                <a:extLst>
+                  <a:ext uri="{0D108BD9-81ED-4DB2-BD59-A6C34878D82A}">
+                    <a16:rowId xmlns:a16="http://schemas.microsoft.com/office/drawing/2014/main" val="2666075772"/>
+                  </a:ext>
+                </a:extLst>
+              </a:tr>
+              <a:tr h="643670">
+                <a:tc>
+                  <a:txBody>
+                    <a:bodyPr/>
+                    <a:lstStyle/>
+                    <a:p>
+                      <a:pPr marL="0" marR="0" algn="ctr">
+                        <a:spcBef>
+                          <a:spcPts val="0"/>
+                        </a:spcBef>
+                        <a:spcAft>
+                          <a:spcPts val="0"/>
+                        </a:spcAft>
+                      </a:pPr>
+                      <a:r>
+                        <a:rPr lang="en-US" sz="1100" kern="0">
+                          <a:effectLst/>
+                        </a:rPr>
+                        <a:t>6</a:t>
+                      </a:r>
+                      <a:endParaRPr lang="en-US" sz="1100" kern="100">
+                        <a:effectLst/>
+                        <a:latin typeface="Calibri" panose="020F0502020204030204" pitchFamily="34" charset="0"/>
+                        <a:ea typeface="Calibri" panose="020F0502020204030204" pitchFamily="34" charset="0"/>
+                        <a:cs typeface="Times New Roman" panose="02020603050405020304" pitchFamily="18" charset="0"/>
+                      </a:endParaRPr>
+                    </a:p>
+                  </a:txBody>
+                  <a:tcPr marL="23797" marR="23797" marT="0" marB="0"/>
+                </a:tc>
+                <a:tc>
+                  <a:txBody>
+                    <a:bodyPr/>
+                    <a:lstStyle/>
+                    <a:p>
+                      <a:pPr marL="0" marR="0" algn="l">
+                        <a:spcBef>
+                          <a:spcPts val="0"/>
+                        </a:spcBef>
+                        <a:spcAft>
+                          <a:spcPts val="0"/>
+                        </a:spcAft>
+                      </a:pPr>
+                      <a:r>
+                        <a:rPr lang="en-US" sz="1100" kern="0" dirty="0">
+                          <a:effectLst/>
+                        </a:rPr>
+                        <a:t>The environment has more than one region. Each region has only one agent.  User executes the program by fixed number of steps.</a:t>
+                      </a:r>
+                      <a:endParaRPr lang="en-US" sz="1100" kern="100" dirty="0">
+                        <a:effectLst/>
+                        <a:latin typeface="Calibri" panose="020F0502020204030204" pitchFamily="34" charset="0"/>
+                        <a:ea typeface="Calibri" panose="020F0502020204030204" pitchFamily="34" charset="0"/>
+                        <a:cs typeface="Times New Roman" panose="02020603050405020304" pitchFamily="18" charset="0"/>
+                      </a:endParaRPr>
+                    </a:p>
+                  </a:txBody>
+                  <a:tcPr marL="23797" marR="23797" marT="0" marB="0"/>
+                </a:tc>
+                <a:tc>
+                  <a:txBody>
+                    <a:bodyPr/>
+                    <a:lstStyle/>
+                    <a:p>
+                      <a:pPr marL="0" marR="0" algn="ctr">
+                        <a:spcBef>
+                          <a:spcPts val="0"/>
+                        </a:spcBef>
+                        <a:spcAft>
+                          <a:spcPts val="0"/>
+                        </a:spcAft>
+                      </a:pPr>
+                      <a:r>
+                        <a:rPr lang="en-US" sz="1100" kern="0">
+                          <a:effectLst/>
+                        </a:rPr>
+                        <a:t>Number of steps, click on “Execute”</a:t>
+                      </a:r>
+                      <a:endParaRPr lang="en-US" sz="1100" kern="100">
+                        <a:effectLst/>
+                        <a:latin typeface="Calibri" panose="020F0502020204030204" pitchFamily="34" charset="0"/>
+                        <a:ea typeface="Calibri" panose="020F0502020204030204" pitchFamily="34" charset="0"/>
+                        <a:cs typeface="Times New Roman" panose="02020603050405020304" pitchFamily="18" charset="0"/>
+                      </a:endParaRPr>
+                    </a:p>
+                  </a:txBody>
+                  <a:tcPr marL="23797" marR="23797" marT="0" marB="0"/>
+                </a:tc>
+                <a:tc>
+                  <a:txBody>
+                    <a:bodyPr/>
+                    <a:lstStyle/>
+                    <a:p>
+                      <a:pPr marL="0" marR="0" algn="l">
+                        <a:spcBef>
+                          <a:spcPts val="0"/>
+                        </a:spcBef>
+                        <a:spcAft>
+                          <a:spcPts val="0"/>
+                        </a:spcAft>
+                      </a:pPr>
+                      <a:r>
+                        <a:rPr lang="en-US" sz="1100" kern="0">
+                          <a:effectLst/>
+                        </a:rPr>
+                        <a:t>All agents move at the same time and moves by number of steps and then stops. They will have different paths. Color of visited spaces will change.</a:t>
+                      </a:r>
+                      <a:endParaRPr lang="en-US" sz="1100" kern="100">
+                        <a:effectLst/>
+                        <a:latin typeface="Calibri" panose="020F0502020204030204" pitchFamily="34" charset="0"/>
+                        <a:ea typeface="Calibri" panose="020F0502020204030204" pitchFamily="34" charset="0"/>
+                        <a:cs typeface="Times New Roman" panose="02020603050405020304" pitchFamily="18" charset="0"/>
+                      </a:endParaRPr>
+                    </a:p>
+                  </a:txBody>
+                  <a:tcPr marL="23797" marR="23797" marT="0" marB="0"/>
+                </a:tc>
+                <a:extLst>
+                  <a:ext uri="{0D108BD9-81ED-4DB2-BD59-A6C34878D82A}">
+                    <a16:rowId xmlns:a16="http://schemas.microsoft.com/office/drawing/2014/main" val="246668805"/>
+                  </a:ext>
+                </a:extLst>
+              </a:tr>
+              <a:tr h="643670">
+                <a:tc>
+                  <a:txBody>
+                    <a:bodyPr/>
+                    <a:lstStyle/>
+                    <a:p>
+                      <a:pPr marL="0" marR="0" algn="ctr">
+                        <a:spcBef>
+                          <a:spcPts val="0"/>
+                        </a:spcBef>
+                        <a:spcAft>
+                          <a:spcPts val="0"/>
+                        </a:spcAft>
+                      </a:pPr>
+                      <a:r>
+                        <a:rPr lang="en-US" sz="1100" kern="0">
+                          <a:effectLst/>
+                        </a:rPr>
+                        <a:t>7</a:t>
+                      </a:r>
+                      <a:endParaRPr lang="en-US" sz="1100" kern="100">
+                        <a:effectLst/>
+                        <a:latin typeface="Calibri" panose="020F0502020204030204" pitchFamily="34" charset="0"/>
+                        <a:ea typeface="Calibri" panose="020F0502020204030204" pitchFamily="34" charset="0"/>
+                        <a:cs typeface="Times New Roman" panose="02020603050405020304" pitchFamily="18" charset="0"/>
+                      </a:endParaRPr>
+                    </a:p>
+                  </a:txBody>
+                  <a:tcPr marL="23797" marR="23797" marT="0" marB="0"/>
+                </a:tc>
+                <a:tc>
+                  <a:txBody>
+                    <a:bodyPr/>
+                    <a:lstStyle/>
+                    <a:p>
+                      <a:pPr marL="0" marR="0" algn="l">
+                        <a:spcBef>
+                          <a:spcPts val="0"/>
+                        </a:spcBef>
+                        <a:spcAft>
+                          <a:spcPts val="0"/>
+                        </a:spcAft>
+                      </a:pPr>
+                      <a:r>
+                        <a:rPr lang="en-US" sz="1100" kern="0" dirty="0">
+                          <a:effectLst/>
+                        </a:rPr>
+                        <a:t>The environment has more than one region. Each region has more than one agent. User executes the program by one step.</a:t>
+                      </a:r>
+                      <a:endParaRPr lang="en-US" sz="1100" kern="100" dirty="0">
+                        <a:effectLst/>
+                        <a:latin typeface="Calibri" panose="020F0502020204030204" pitchFamily="34" charset="0"/>
+                        <a:ea typeface="Calibri" panose="020F0502020204030204" pitchFamily="34" charset="0"/>
+                        <a:cs typeface="Times New Roman" panose="02020603050405020304" pitchFamily="18" charset="0"/>
+                      </a:endParaRPr>
+                    </a:p>
+                  </a:txBody>
+                  <a:tcPr marL="23797" marR="23797" marT="0" marB="0"/>
+                </a:tc>
+                <a:tc>
+                  <a:txBody>
+                    <a:bodyPr/>
+                    <a:lstStyle/>
+                    <a:p>
+                      <a:pPr marL="0" marR="0" algn="ctr">
+                        <a:spcBef>
+                          <a:spcPts val="0"/>
+                        </a:spcBef>
+                        <a:spcAft>
+                          <a:spcPts val="0"/>
+                        </a:spcAft>
+                      </a:pPr>
+                      <a:r>
+                        <a:rPr lang="en-US" sz="1100" kern="0" dirty="0">
+                          <a:effectLst/>
+                        </a:rPr>
+                        <a:t>Click on “Execute step by step”</a:t>
+                      </a:r>
+                      <a:endParaRPr lang="en-US" sz="1100" kern="100" dirty="0">
+                        <a:effectLst/>
+                        <a:latin typeface="Calibri" panose="020F0502020204030204" pitchFamily="34" charset="0"/>
+                        <a:ea typeface="Calibri" panose="020F0502020204030204" pitchFamily="34" charset="0"/>
+                        <a:cs typeface="Times New Roman" panose="02020603050405020304" pitchFamily="18" charset="0"/>
+                      </a:endParaRPr>
+                    </a:p>
+                  </a:txBody>
+                  <a:tcPr marL="23797" marR="23797" marT="0" marB="0"/>
+                </a:tc>
+                <a:tc>
+                  <a:txBody>
+                    <a:bodyPr/>
+                    <a:lstStyle/>
+                    <a:p>
+                      <a:pPr marL="0" marR="0" algn="l">
+                        <a:spcBef>
+                          <a:spcPts val="0"/>
+                        </a:spcBef>
+                        <a:spcAft>
+                          <a:spcPts val="0"/>
+                        </a:spcAft>
+                      </a:pPr>
+                      <a:r>
+                        <a:rPr lang="en-US" sz="1100" kern="0">
+                          <a:effectLst/>
+                        </a:rPr>
+                        <a:t>All agents move at the same and move by one step and then stops. They will have different paths. Color of visited spaces will change.</a:t>
+                      </a:r>
+                      <a:endParaRPr lang="en-US" sz="1100" kern="100">
+                        <a:effectLst/>
+                        <a:latin typeface="Calibri" panose="020F0502020204030204" pitchFamily="34" charset="0"/>
+                        <a:ea typeface="Calibri" panose="020F0502020204030204" pitchFamily="34" charset="0"/>
+                        <a:cs typeface="Times New Roman" panose="02020603050405020304" pitchFamily="18" charset="0"/>
+                      </a:endParaRPr>
+                    </a:p>
+                  </a:txBody>
+                  <a:tcPr marL="23797" marR="23797" marT="0" marB="0"/>
+                </a:tc>
+                <a:extLst>
+                  <a:ext uri="{0D108BD9-81ED-4DB2-BD59-A6C34878D82A}">
+                    <a16:rowId xmlns:a16="http://schemas.microsoft.com/office/drawing/2014/main" val="2868295225"/>
+                  </a:ext>
+                </a:extLst>
+              </a:tr>
+              <a:tr h="643670">
+                <a:tc>
+                  <a:txBody>
+                    <a:bodyPr/>
+                    <a:lstStyle/>
+                    <a:p>
+                      <a:pPr marL="0" marR="0" algn="ctr">
+                        <a:spcBef>
+                          <a:spcPts val="0"/>
+                        </a:spcBef>
+                        <a:spcAft>
+                          <a:spcPts val="0"/>
+                        </a:spcAft>
+                      </a:pPr>
+                      <a:r>
+                        <a:rPr lang="en-US" sz="1100" kern="0">
+                          <a:effectLst/>
+                        </a:rPr>
+                        <a:t>8</a:t>
+                      </a:r>
+                      <a:endParaRPr lang="en-US" sz="1100" kern="100">
+                        <a:effectLst/>
+                        <a:latin typeface="Calibri" panose="020F0502020204030204" pitchFamily="34" charset="0"/>
+                        <a:ea typeface="Calibri" panose="020F0502020204030204" pitchFamily="34" charset="0"/>
+                        <a:cs typeface="Times New Roman" panose="02020603050405020304" pitchFamily="18" charset="0"/>
+                      </a:endParaRPr>
+                    </a:p>
+                  </a:txBody>
+                  <a:tcPr marL="23797" marR="23797" marT="0" marB="0"/>
+                </a:tc>
+                <a:tc>
+                  <a:txBody>
+                    <a:bodyPr/>
+                    <a:lstStyle/>
+                    <a:p>
+                      <a:pPr marL="0" marR="0" algn="l">
+                        <a:spcBef>
+                          <a:spcPts val="0"/>
+                        </a:spcBef>
+                        <a:spcAft>
+                          <a:spcPts val="0"/>
+                        </a:spcAft>
+                      </a:pPr>
+                      <a:r>
+                        <a:rPr lang="en-US" sz="1100" kern="0" dirty="0">
+                          <a:effectLst/>
+                        </a:rPr>
+                        <a:t>The environment has more than one region. Each region has more than one agent. User executes the program by fixed number of steps.</a:t>
+                      </a:r>
+                      <a:endParaRPr lang="en-US" sz="1100" kern="100" dirty="0">
+                        <a:effectLst/>
+                        <a:latin typeface="Calibri" panose="020F0502020204030204" pitchFamily="34" charset="0"/>
+                        <a:ea typeface="Calibri" panose="020F0502020204030204" pitchFamily="34" charset="0"/>
+                        <a:cs typeface="Times New Roman" panose="02020603050405020304" pitchFamily="18" charset="0"/>
+                      </a:endParaRPr>
+                    </a:p>
+                  </a:txBody>
+                  <a:tcPr marL="23797" marR="23797" marT="0" marB="0"/>
+                </a:tc>
+                <a:tc>
+                  <a:txBody>
+                    <a:bodyPr/>
+                    <a:lstStyle/>
+                    <a:p>
+                      <a:pPr marL="0" marR="0" algn="ctr">
+                        <a:spcBef>
+                          <a:spcPts val="0"/>
+                        </a:spcBef>
+                        <a:spcAft>
+                          <a:spcPts val="0"/>
+                        </a:spcAft>
+                      </a:pPr>
+                      <a:r>
+                        <a:rPr lang="en-US" sz="1100" kern="0" dirty="0">
+                          <a:effectLst/>
+                        </a:rPr>
+                        <a:t>Number of steps, click on “Execute”</a:t>
+                      </a:r>
+                      <a:endParaRPr lang="en-US" sz="1100" kern="100" dirty="0">
+                        <a:effectLst/>
+                        <a:latin typeface="Calibri" panose="020F0502020204030204" pitchFamily="34" charset="0"/>
+                        <a:ea typeface="Calibri" panose="020F0502020204030204" pitchFamily="34" charset="0"/>
+                        <a:cs typeface="Times New Roman" panose="02020603050405020304" pitchFamily="18" charset="0"/>
+                      </a:endParaRPr>
+                    </a:p>
+                  </a:txBody>
+                  <a:tcPr marL="23797" marR="23797" marT="0" marB="0"/>
+                </a:tc>
+                <a:tc>
+                  <a:txBody>
+                    <a:bodyPr/>
+                    <a:lstStyle/>
+                    <a:p>
+                      <a:pPr marL="0" marR="0" algn="l">
+                        <a:spcBef>
+                          <a:spcPts val="0"/>
+                        </a:spcBef>
+                        <a:spcAft>
+                          <a:spcPts val="0"/>
+                        </a:spcAft>
+                      </a:pPr>
+                      <a:r>
+                        <a:rPr lang="en-US" sz="1100" kern="0" dirty="0">
+                          <a:effectLst/>
+                        </a:rPr>
+                        <a:t>All agents move at the same time and moves by number of steps and then stops. They will have different paths. Color of visited spaces will change.</a:t>
+                      </a:r>
+                      <a:endParaRPr lang="en-US" sz="1100" kern="100" dirty="0">
+                        <a:effectLst/>
+                        <a:latin typeface="Calibri" panose="020F0502020204030204" pitchFamily="34" charset="0"/>
+                        <a:ea typeface="Calibri" panose="020F0502020204030204" pitchFamily="34" charset="0"/>
+                        <a:cs typeface="Times New Roman" panose="02020603050405020304" pitchFamily="18" charset="0"/>
+                      </a:endParaRPr>
+                    </a:p>
+                  </a:txBody>
+                  <a:tcPr marL="23797" marR="23797" marT="0" marB="0"/>
+                </a:tc>
+                <a:extLst>
+                  <a:ext uri="{0D108BD9-81ED-4DB2-BD59-A6C34878D82A}">
+                    <a16:rowId xmlns:a16="http://schemas.microsoft.com/office/drawing/2014/main" val="226910946"/>
+                  </a:ext>
+                </a:extLst>
+              </a:tr>
+            </a:tbl>
+          </a:graphicData>
+        </a:graphic>
+      </p:graphicFrame>
+      <p:sp>
+        <p:nvSpPr>
+          <p:cNvPr id="5" name="TextBox 4"/>
+          <p:cNvSpPr txBox="1"/>
+          <p:nvPr/>
+        </p:nvSpPr>
+        <p:spPr>
+          <a:xfrm>
+            <a:off x="1371600" y="1258798"/>
+            <a:ext cx="8783516" cy="800219"/>
+          </a:xfrm>
+          <a:prstGeom prst="rect">
+            <a:avLst/>
+          </a:prstGeom>
+          <a:noFill/>
+        </p:spPr>
+        <p:txBody>
+          <a:bodyPr wrap="square" rtlCol="0">
+            <a:spAutoFit/>
+          </a:bodyPr>
+          <a:lstStyle/>
+          <a:p>
+            <a:r>
+              <a:rPr lang="en-US" sz="1400" dirty="0"/>
+              <a:t>Consider the sprint task #5– Testing GUI and algorithm code after integration</a:t>
+            </a:r>
+          </a:p>
+          <a:p>
+            <a:r>
+              <a:rPr lang="en-US" sz="1400" dirty="0"/>
+              <a:t>Some of the test cases for this task are as follows:</a:t>
+            </a:r>
+          </a:p>
+          <a:p>
+            <a:endParaRPr lang="en-US" dirty="0"/>
+          </a:p>
+        </p:txBody>
+      </p:sp>
+    </p:spTree>
+    <p:extLst>
+      <p:ext uri="{BB962C8B-B14F-4D97-AF65-F5344CB8AC3E}">
+        <p14:creationId xmlns:p14="http://schemas.microsoft.com/office/powerpoint/2010/main" val="1843750352"/>
+      </p:ext>
+    </p:extLst>
+  </p:cSld>
+  <p:clrMapOvr>
+    <a:masterClrMapping/>
+  </p:clrMapOvr>
+</p:sld>
+</file>
+
+<file path=ppt/slides/slide8.xml><?xml version="1.0" encoding="utf-8"?>
+<p:sld xmlns:a="http://schemas.openxmlformats.org/drawingml/2006/main" xmlns:r="http://schemas.openxmlformats.org/officeDocument/2006/relationships" xmlns:p="http://schemas.openxmlformats.org/presentationml/2006/main">
+  <p:cSld>
+    <p:spTree>
+      <p:nvGrpSpPr>
+        <p:cNvPr id="1" name=""/>
+        <p:cNvGrpSpPr/>
+        <p:nvPr/>
+      </p:nvGrpSpPr>
+      <p:grpSpPr>
+        <a:xfrm>
+          <a:off x="0" y="0"/>
+          <a:ext cx="0" cy="0"/>
+          <a:chOff x="0" y="0"/>
+          <a:chExt cx="0" cy="0"/>
+        </a:xfrm>
+      </p:grpSpPr>
+      <p:sp>
+        <p:nvSpPr>
+          <p:cNvPr id="2" name="Title 1"/>
+          <p:cNvSpPr>
+            <a:spLocks noGrp="1"/>
+          </p:cNvSpPr>
+          <p:nvPr>
+            <p:ph type="title"/>
+          </p:nvPr>
+        </p:nvSpPr>
+        <p:spPr/>
+        <p:txBody>
+          <a:bodyPr/>
+          <a:lstStyle/>
+          <a:p>
+            <a:r>
+              <a:rPr lang="en-US" dirty="0"/>
+              <a:t>Test cases</a:t>
+            </a:r>
+          </a:p>
+        </p:txBody>
+      </p:sp>
+      <p:graphicFrame>
+        <p:nvGraphicFramePr>
+          <p:cNvPr id="4" name="Content Placeholder 3"/>
+          <p:cNvGraphicFramePr>
+            <a:graphicFrameLocks noGrp="1"/>
+          </p:cNvGraphicFramePr>
+          <p:nvPr>
+            <p:ph idx="1"/>
+            <p:extLst>
+              <p:ext uri="{D42A27DB-BD31-4B8C-83A1-F6EECF244321}">
+                <p14:modId xmlns:p14="http://schemas.microsoft.com/office/powerpoint/2010/main" val="4157963134"/>
+              </p:ext>
+            </p:extLst>
+          </p:nvPr>
+        </p:nvGraphicFramePr>
+        <p:xfrm>
+          <a:off x="1521918" y="1936050"/>
+          <a:ext cx="9532936" cy="4837924"/>
+        </p:xfrm>
+        <a:graphic>
+          <a:graphicData uri="http://schemas.openxmlformats.org/drawingml/2006/table">
+            <a:tbl>
+              <a:tblPr firstRow="1" firstCol="1" bandRow="1">
+                <a:tableStyleId>{5C22544A-7EE6-4342-B048-85BDC9FD1C3A}</a:tableStyleId>
+              </a:tblPr>
+              <a:tblGrid>
+                <a:gridCol w="848650">
+                  <a:extLst>
+                    <a:ext uri="{9D8B030D-6E8A-4147-A177-3AD203B41FA5}">
+                      <a16:colId xmlns:a16="http://schemas.microsoft.com/office/drawing/2014/main" val="360572316"/>
+                    </a:ext>
+                  </a:extLst>
+                </a:gridCol>
+                <a:gridCol w="5013704">
+                  <a:extLst>
+                    <a:ext uri="{9D8B030D-6E8A-4147-A177-3AD203B41FA5}">
+                      <a16:colId xmlns:a16="http://schemas.microsoft.com/office/drawing/2014/main" val="1517721356"/>
+                    </a:ext>
+                  </a:extLst>
+                </a:gridCol>
+                <a:gridCol w="1359220">
+                  <a:extLst>
+                    <a:ext uri="{9D8B030D-6E8A-4147-A177-3AD203B41FA5}">
+                      <a16:colId xmlns:a16="http://schemas.microsoft.com/office/drawing/2014/main" val="181445251"/>
+                    </a:ext>
+                  </a:extLst>
+                </a:gridCol>
+                <a:gridCol w="2311362">
+                  <a:extLst>
+                    <a:ext uri="{9D8B030D-6E8A-4147-A177-3AD203B41FA5}">
+                      <a16:colId xmlns:a16="http://schemas.microsoft.com/office/drawing/2014/main" val="2382814790"/>
+                    </a:ext>
+                  </a:extLst>
+                </a:gridCol>
+              </a:tblGrid>
+              <a:tr h="723000">
+                <a:tc>
+                  <a:txBody>
+                    <a:bodyPr/>
+                    <a:lstStyle/>
+                    <a:p>
+                      <a:pPr marL="0" marR="0" algn="ctr">
+                        <a:spcBef>
+                          <a:spcPts val="0"/>
+                        </a:spcBef>
+                        <a:spcAft>
+                          <a:spcPts val="0"/>
+                        </a:spcAft>
+                      </a:pPr>
+                      <a:r>
+                        <a:rPr lang="en-US" sz="1600" kern="100" dirty="0">
+                          <a:effectLst/>
+                        </a:rPr>
+                        <a:t>Test case</a:t>
+                      </a:r>
+                    </a:p>
+                    <a:p>
+                      <a:pPr marL="0" marR="0" algn="ctr">
+                        <a:spcBef>
+                          <a:spcPts val="0"/>
+                        </a:spcBef>
+                        <a:spcAft>
+                          <a:spcPts val="0"/>
+                        </a:spcAft>
+                      </a:pPr>
+                      <a:r>
+                        <a:rPr lang="en-US" sz="1600" kern="100" dirty="0">
+                          <a:effectLst/>
+                        </a:rPr>
+                        <a:t>#</a:t>
+                      </a:r>
+                      <a:endParaRPr lang="en-US" sz="1600" kern="100" dirty="0">
+                        <a:effectLst/>
+                        <a:latin typeface="Calibri" panose="020F0502020204030204" pitchFamily="34" charset="0"/>
+                        <a:ea typeface="Calibri" panose="020F0502020204030204" pitchFamily="34" charset="0"/>
+                        <a:cs typeface="Times New Roman" panose="02020603050405020304" pitchFamily="18" charset="0"/>
+                      </a:endParaRPr>
+                    </a:p>
+                  </a:txBody>
+                  <a:tcPr marL="55375" marR="55375" marT="0" marB="0"/>
+                </a:tc>
+                <a:tc>
+                  <a:txBody>
+                    <a:bodyPr/>
+                    <a:lstStyle/>
+                    <a:p>
+                      <a:pPr marL="0" marR="0" algn="ctr">
+                        <a:spcBef>
+                          <a:spcPts val="0"/>
+                        </a:spcBef>
+                        <a:spcAft>
+                          <a:spcPts val="0"/>
+                        </a:spcAft>
+                      </a:pPr>
+                      <a:r>
+                        <a:rPr lang="en-US" sz="1600" kern="100">
+                          <a:effectLst/>
+                        </a:rPr>
+                        <a:t>Scenario</a:t>
+                      </a:r>
+                    </a:p>
+                    <a:p>
+                      <a:pPr marL="0" marR="0" algn="l">
+                        <a:spcBef>
+                          <a:spcPts val="0"/>
+                        </a:spcBef>
+                        <a:spcAft>
+                          <a:spcPts val="0"/>
+                        </a:spcAft>
+                      </a:pPr>
+                      <a:r>
+                        <a:rPr lang="en-US" sz="1600" kern="100">
+                          <a:effectLst/>
+                        </a:rPr>
+                        <a:t> </a:t>
+                      </a:r>
+                      <a:endParaRPr lang="en-US" sz="1600" kern="100">
+                        <a:effectLst/>
+                        <a:latin typeface="Calibri" panose="020F0502020204030204" pitchFamily="34" charset="0"/>
+                        <a:ea typeface="Calibri" panose="020F0502020204030204" pitchFamily="34" charset="0"/>
+                        <a:cs typeface="Times New Roman" panose="02020603050405020304" pitchFamily="18" charset="0"/>
+                      </a:endParaRPr>
+                    </a:p>
+                  </a:txBody>
+                  <a:tcPr marL="55375" marR="55375" marT="0" marB="0"/>
+                </a:tc>
+                <a:tc>
+                  <a:txBody>
+                    <a:bodyPr/>
+                    <a:lstStyle/>
+                    <a:p>
+                      <a:pPr marL="0" marR="0" algn="ctr">
+                        <a:spcBef>
+                          <a:spcPts val="0"/>
+                        </a:spcBef>
+                        <a:spcAft>
+                          <a:spcPts val="0"/>
+                        </a:spcAft>
+                      </a:pPr>
+                      <a:r>
+                        <a:rPr lang="en-US" sz="1600" kern="100">
+                          <a:effectLst/>
+                        </a:rPr>
+                        <a:t>Input(s)</a:t>
+                      </a:r>
+                    </a:p>
+                    <a:p>
+                      <a:pPr marL="0" marR="0" algn="l">
+                        <a:spcBef>
+                          <a:spcPts val="0"/>
+                        </a:spcBef>
+                        <a:spcAft>
+                          <a:spcPts val="0"/>
+                        </a:spcAft>
+                      </a:pPr>
+                      <a:r>
+                        <a:rPr lang="en-US" sz="1600" kern="100">
+                          <a:effectLst/>
+                        </a:rPr>
+                        <a:t> </a:t>
+                      </a:r>
+                      <a:endParaRPr lang="en-US" sz="1600" kern="100">
+                        <a:effectLst/>
+                        <a:latin typeface="Calibri" panose="020F0502020204030204" pitchFamily="34" charset="0"/>
+                        <a:ea typeface="Calibri" panose="020F0502020204030204" pitchFamily="34" charset="0"/>
+                        <a:cs typeface="Times New Roman" panose="02020603050405020304" pitchFamily="18" charset="0"/>
+                      </a:endParaRPr>
+                    </a:p>
+                  </a:txBody>
+                  <a:tcPr marL="55375" marR="55375" marT="0" marB="0"/>
+                </a:tc>
+                <a:tc>
+                  <a:txBody>
+                    <a:bodyPr/>
+                    <a:lstStyle/>
+                    <a:p>
+                      <a:pPr marL="0" marR="0" algn="ctr">
+                        <a:spcBef>
+                          <a:spcPts val="0"/>
+                        </a:spcBef>
+                        <a:spcAft>
+                          <a:spcPts val="0"/>
+                        </a:spcAft>
+                      </a:pPr>
+                      <a:r>
+                        <a:rPr lang="en-US" sz="1600" kern="100">
+                          <a:effectLst/>
+                        </a:rPr>
+                        <a:t>Expected output</a:t>
+                      </a:r>
+                    </a:p>
+                    <a:p>
+                      <a:pPr marL="0" marR="0" algn="l">
+                        <a:spcBef>
+                          <a:spcPts val="0"/>
+                        </a:spcBef>
+                        <a:spcAft>
+                          <a:spcPts val="0"/>
+                        </a:spcAft>
+                      </a:pPr>
+                      <a:r>
+                        <a:rPr lang="en-US" sz="1600" kern="100">
+                          <a:effectLst/>
+                        </a:rPr>
+                        <a:t> </a:t>
+                      </a:r>
+                      <a:endParaRPr lang="en-US" sz="1600" kern="100">
+                        <a:effectLst/>
+                        <a:latin typeface="Calibri" panose="020F0502020204030204" pitchFamily="34" charset="0"/>
+                        <a:ea typeface="Calibri" panose="020F0502020204030204" pitchFamily="34" charset="0"/>
+                        <a:cs typeface="Times New Roman" panose="02020603050405020304" pitchFamily="18" charset="0"/>
+                      </a:endParaRPr>
+                    </a:p>
+                  </a:txBody>
+                  <a:tcPr marL="55375" marR="55375" marT="0" marB="0"/>
+                </a:tc>
+                <a:extLst>
+                  <a:ext uri="{0D108BD9-81ED-4DB2-BD59-A6C34878D82A}">
+                    <a16:rowId xmlns:a16="http://schemas.microsoft.com/office/drawing/2014/main" val="4238777294"/>
+                  </a:ext>
+                </a:extLst>
+              </a:tr>
+              <a:tr h="1118046">
+                <a:tc>
+                  <a:txBody>
+                    <a:bodyPr/>
+                    <a:lstStyle/>
+                    <a:p>
+                      <a:pPr marL="0" marR="0" algn="ctr">
+                        <a:spcBef>
+                          <a:spcPts val="0"/>
+                        </a:spcBef>
+                        <a:spcAft>
+                          <a:spcPts val="0"/>
+                        </a:spcAft>
+                      </a:pPr>
+                      <a:r>
+                        <a:rPr lang="en-US" sz="1600" kern="100">
+                          <a:effectLst/>
+                        </a:rPr>
+                        <a:t>1</a:t>
+                      </a:r>
+                      <a:endParaRPr lang="en-US" sz="1600" kern="100">
+                        <a:effectLst/>
+                        <a:latin typeface="Calibri" panose="020F0502020204030204" pitchFamily="34" charset="0"/>
+                        <a:ea typeface="Calibri" panose="020F0502020204030204" pitchFamily="34" charset="0"/>
+                        <a:cs typeface="Times New Roman" panose="02020603050405020304" pitchFamily="18" charset="0"/>
+                      </a:endParaRPr>
+                    </a:p>
+                  </a:txBody>
+                  <a:tcPr marL="55375" marR="55375" marT="0" marB="0"/>
+                </a:tc>
+                <a:tc>
+                  <a:txBody>
+                    <a:bodyPr/>
+                    <a:lstStyle/>
+                    <a:p>
+                      <a:pPr marL="0" marR="0" algn="l">
+                        <a:spcBef>
+                          <a:spcPts val="0"/>
+                        </a:spcBef>
+                        <a:spcAft>
+                          <a:spcPts val="0"/>
+                        </a:spcAft>
+                      </a:pPr>
+                      <a:r>
+                        <a:rPr lang="en-US" sz="1600" kern="100" dirty="0">
+                          <a:effectLst/>
+                        </a:rPr>
+                        <a:t>User views position of the node in the environment</a:t>
+                      </a:r>
+                      <a:endParaRPr lang="en-US" sz="1600" kern="100" dirty="0">
+                        <a:effectLst/>
+                        <a:latin typeface="Calibri" panose="020F0502020204030204" pitchFamily="34" charset="0"/>
+                        <a:ea typeface="Calibri" panose="020F0502020204030204" pitchFamily="34" charset="0"/>
+                        <a:cs typeface="Times New Roman" panose="02020603050405020304" pitchFamily="18" charset="0"/>
+                      </a:endParaRPr>
+                    </a:p>
+                  </a:txBody>
+                  <a:tcPr marL="55375" marR="55375" marT="0" marB="0"/>
+                </a:tc>
+                <a:tc>
+                  <a:txBody>
+                    <a:bodyPr/>
+                    <a:lstStyle/>
+                    <a:p>
+                      <a:pPr marL="0" marR="0" algn="ctr">
+                        <a:spcBef>
+                          <a:spcPts val="0"/>
+                        </a:spcBef>
+                        <a:spcAft>
+                          <a:spcPts val="0"/>
+                        </a:spcAft>
+                      </a:pPr>
+                      <a:r>
+                        <a:rPr lang="en-US" sz="1600" kern="100">
+                          <a:effectLst/>
+                        </a:rPr>
+                        <a:t>None</a:t>
+                      </a:r>
+                      <a:endParaRPr lang="en-US" sz="1600" kern="100">
+                        <a:effectLst/>
+                        <a:latin typeface="Calibri" panose="020F0502020204030204" pitchFamily="34" charset="0"/>
+                        <a:ea typeface="Calibri" panose="020F0502020204030204" pitchFamily="34" charset="0"/>
+                        <a:cs typeface="Times New Roman" panose="02020603050405020304" pitchFamily="18" charset="0"/>
+                      </a:endParaRPr>
+                    </a:p>
+                  </a:txBody>
+                  <a:tcPr marL="55375" marR="55375" marT="0" marB="0"/>
+                </a:tc>
+                <a:tc>
+                  <a:txBody>
+                    <a:bodyPr/>
+                    <a:lstStyle/>
+                    <a:p>
+                      <a:pPr marL="0" marR="0" algn="l">
+                        <a:spcBef>
+                          <a:spcPts val="0"/>
+                        </a:spcBef>
+                        <a:spcAft>
+                          <a:spcPts val="0"/>
+                        </a:spcAft>
+                      </a:pPr>
+                      <a:r>
+                        <a:rPr lang="en-US" sz="1600" kern="0">
+                          <a:effectLst/>
+                        </a:rPr>
+                        <a:t>The position of the node in the environment </a:t>
+                      </a:r>
+                      <a:r>
+                        <a:rPr lang="en-US" sz="1600" kern="100">
+                          <a:effectLst/>
+                        </a:rPr>
+                        <a:t>should</a:t>
+                      </a:r>
+                      <a:r>
+                        <a:rPr lang="en-US" sz="1600" kern="0">
+                          <a:effectLst/>
+                        </a:rPr>
+                        <a:t> be displayed by the side of the node.</a:t>
+                      </a:r>
+                      <a:endParaRPr lang="en-US" sz="1600" kern="100">
+                        <a:effectLst/>
+                      </a:endParaRPr>
+                    </a:p>
+                    <a:p>
+                      <a:pPr marL="0" marR="0" algn="l">
+                        <a:spcBef>
+                          <a:spcPts val="0"/>
+                        </a:spcBef>
+                        <a:spcAft>
+                          <a:spcPts val="0"/>
+                        </a:spcAft>
+                      </a:pPr>
+                      <a:r>
+                        <a:rPr lang="en-US" sz="1600" kern="100">
+                          <a:effectLst/>
+                        </a:rPr>
+                        <a:t> </a:t>
+                      </a:r>
+                      <a:endParaRPr lang="en-US" sz="1600" kern="100">
+                        <a:effectLst/>
+                        <a:latin typeface="Calibri" panose="020F0502020204030204" pitchFamily="34" charset="0"/>
+                        <a:ea typeface="Calibri" panose="020F0502020204030204" pitchFamily="34" charset="0"/>
+                        <a:cs typeface="Times New Roman" panose="02020603050405020304" pitchFamily="18" charset="0"/>
+                      </a:endParaRPr>
+                    </a:p>
+                  </a:txBody>
+                  <a:tcPr marL="55375" marR="55375" marT="0" marB="0"/>
+                </a:tc>
+                <a:extLst>
+                  <a:ext uri="{0D108BD9-81ED-4DB2-BD59-A6C34878D82A}">
+                    <a16:rowId xmlns:a16="http://schemas.microsoft.com/office/drawing/2014/main" val="992167694"/>
+                  </a:ext>
+                </a:extLst>
+              </a:tr>
+              <a:tr h="999802">
+                <a:tc>
+                  <a:txBody>
+                    <a:bodyPr/>
+                    <a:lstStyle/>
+                    <a:p>
+                      <a:pPr marL="0" marR="0" algn="ctr">
+                        <a:spcBef>
+                          <a:spcPts val="0"/>
+                        </a:spcBef>
+                        <a:spcAft>
+                          <a:spcPts val="0"/>
+                        </a:spcAft>
+                      </a:pPr>
+                      <a:r>
+                        <a:rPr lang="en-US" sz="1600" kern="100">
+                          <a:effectLst/>
+                        </a:rPr>
+                        <a:t>2</a:t>
+                      </a:r>
+                      <a:endParaRPr lang="en-US" sz="1600" kern="100">
+                        <a:effectLst/>
+                        <a:latin typeface="Calibri" panose="020F0502020204030204" pitchFamily="34" charset="0"/>
+                        <a:ea typeface="Calibri" panose="020F0502020204030204" pitchFamily="34" charset="0"/>
+                        <a:cs typeface="Times New Roman" panose="02020603050405020304" pitchFamily="18" charset="0"/>
+                      </a:endParaRPr>
+                    </a:p>
+                  </a:txBody>
+                  <a:tcPr marL="55375" marR="55375" marT="0" marB="0"/>
+                </a:tc>
+                <a:tc>
+                  <a:txBody>
+                    <a:bodyPr/>
+                    <a:lstStyle/>
+                    <a:p>
+                      <a:pPr marL="0" marR="0" algn="just">
+                        <a:spcBef>
+                          <a:spcPts val="0"/>
+                        </a:spcBef>
+                        <a:spcAft>
+                          <a:spcPts val="0"/>
+                        </a:spcAft>
+                      </a:pPr>
+                      <a:r>
+                        <a:rPr lang="en-US" sz="1600" kern="100" dirty="0">
+                          <a:effectLst/>
+                        </a:rPr>
+                        <a:t>User views two buttons- one to execute the algorithm step by step and the other to execute the algorithm for a fixed number of times.</a:t>
+                      </a:r>
+                    </a:p>
+                    <a:p>
+                      <a:pPr marL="0" marR="0" algn="l">
+                        <a:spcBef>
+                          <a:spcPts val="0"/>
+                        </a:spcBef>
+                        <a:spcAft>
+                          <a:spcPts val="0"/>
+                        </a:spcAft>
+                      </a:pPr>
+                      <a:r>
+                        <a:rPr lang="en-US" sz="1600" kern="100" dirty="0">
+                          <a:effectLst/>
+                        </a:rPr>
+                        <a:t> </a:t>
+                      </a:r>
+                      <a:endParaRPr lang="en-US" sz="1600" kern="100" dirty="0">
+                        <a:effectLst/>
+                        <a:latin typeface="Calibri" panose="020F0502020204030204" pitchFamily="34" charset="0"/>
+                        <a:ea typeface="Calibri" panose="020F0502020204030204" pitchFamily="34" charset="0"/>
+                        <a:cs typeface="Times New Roman" panose="02020603050405020304" pitchFamily="18" charset="0"/>
+                      </a:endParaRPr>
+                    </a:p>
+                  </a:txBody>
+                  <a:tcPr marL="55375" marR="55375" marT="0" marB="0"/>
+                </a:tc>
+                <a:tc>
+                  <a:txBody>
+                    <a:bodyPr/>
+                    <a:lstStyle/>
+                    <a:p>
+                      <a:pPr marL="0" marR="0" algn="ctr">
+                        <a:spcBef>
+                          <a:spcPts val="0"/>
+                        </a:spcBef>
+                        <a:spcAft>
+                          <a:spcPts val="0"/>
+                        </a:spcAft>
+                      </a:pPr>
+                      <a:r>
+                        <a:rPr lang="en-US" sz="1600" kern="100">
+                          <a:effectLst/>
+                        </a:rPr>
+                        <a:t>None</a:t>
+                      </a:r>
+                      <a:endParaRPr lang="en-US" sz="1600" kern="100">
+                        <a:effectLst/>
+                        <a:latin typeface="Calibri" panose="020F0502020204030204" pitchFamily="34" charset="0"/>
+                        <a:ea typeface="Calibri" panose="020F0502020204030204" pitchFamily="34" charset="0"/>
+                        <a:cs typeface="Times New Roman" panose="02020603050405020304" pitchFamily="18" charset="0"/>
+                      </a:endParaRPr>
+                    </a:p>
+                  </a:txBody>
+                  <a:tcPr marL="55375" marR="55375" marT="0" marB="0"/>
+                </a:tc>
+                <a:tc>
+                  <a:txBody>
+                    <a:bodyPr/>
+                    <a:lstStyle/>
+                    <a:p>
+                      <a:pPr marL="0" marR="0" algn="l">
+                        <a:spcBef>
+                          <a:spcPts val="0"/>
+                        </a:spcBef>
+                        <a:spcAft>
+                          <a:spcPts val="0"/>
+                        </a:spcAft>
+                      </a:pPr>
+                      <a:r>
+                        <a:rPr lang="en-US" sz="1600" kern="100">
+                          <a:effectLst/>
+                        </a:rPr>
+                        <a:t>Two buttons should display in suitable positon</a:t>
+                      </a:r>
+                      <a:endParaRPr lang="en-US" sz="1600" kern="100">
+                        <a:effectLst/>
+                        <a:latin typeface="Calibri" panose="020F0502020204030204" pitchFamily="34" charset="0"/>
+                        <a:ea typeface="Calibri" panose="020F0502020204030204" pitchFamily="34" charset="0"/>
+                        <a:cs typeface="Times New Roman" panose="02020603050405020304" pitchFamily="18" charset="0"/>
+                      </a:endParaRPr>
+                    </a:p>
+                  </a:txBody>
+                  <a:tcPr marL="55375" marR="55375" marT="0" marB="0"/>
+                </a:tc>
+                <a:extLst>
+                  <a:ext uri="{0D108BD9-81ED-4DB2-BD59-A6C34878D82A}">
+                    <a16:rowId xmlns:a16="http://schemas.microsoft.com/office/drawing/2014/main" val="2373103171"/>
+                  </a:ext>
+                </a:extLst>
+              </a:tr>
+              <a:tr h="799841">
+                <a:tc>
+                  <a:txBody>
+                    <a:bodyPr/>
+                    <a:lstStyle/>
+                    <a:p>
+                      <a:pPr marL="0" marR="0" algn="ctr">
+                        <a:spcBef>
+                          <a:spcPts val="0"/>
+                        </a:spcBef>
+                        <a:spcAft>
+                          <a:spcPts val="0"/>
+                        </a:spcAft>
+                      </a:pPr>
+                      <a:r>
+                        <a:rPr lang="en-US" sz="1600" kern="100">
+                          <a:effectLst/>
+                        </a:rPr>
+                        <a:t>3</a:t>
+                      </a:r>
+                      <a:endParaRPr lang="en-US" sz="1600" kern="100">
+                        <a:effectLst/>
+                        <a:latin typeface="Calibri" panose="020F0502020204030204" pitchFamily="34" charset="0"/>
+                        <a:ea typeface="Calibri" panose="020F0502020204030204" pitchFamily="34" charset="0"/>
+                        <a:cs typeface="Times New Roman" panose="02020603050405020304" pitchFamily="18" charset="0"/>
+                      </a:endParaRPr>
+                    </a:p>
+                  </a:txBody>
+                  <a:tcPr marL="55375" marR="55375" marT="0" marB="0"/>
+                </a:tc>
+                <a:tc>
+                  <a:txBody>
+                    <a:bodyPr/>
+                    <a:lstStyle/>
+                    <a:p>
+                      <a:pPr marL="0" marR="0" algn="just">
+                        <a:spcBef>
+                          <a:spcPts val="0"/>
+                        </a:spcBef>
+                        <a:spcAft>
+                          <a:spcPts val="0"/>
+                        </a:spcAft>
+                      </a:pPr>
+                      <a:r>
+                        <a:rPr lang="en-US" sz="1600" kern="100" dirty="0">
+                          <a:effectLst/>
+                        </a:rPr>
+                        <a:t>User double clicks a node</a:t>
+                      </a:r>
+                      <a:endParaRPr lang="en-US" sz="1600" kern="100" dirty="0">
+                        <a:effectLst/>
+                        <a:latin typeface="Calibri" panose="020F0502020204030204" pitchFamily="34" charset="0"/>
+                        <a:ea typeface="Calibri" panose="020F0502020204030204" pitchFamily="34" charset="0"/>
+                        <a:cs typeface="Times New Roman" panose="02020603050405020304" pitchFamily="18" charset="0"/>
+                      </a:endParaRPr>
+                    </a:p>
+                  </a:txBody>
+                  <a:tcPr marL="55375" marR="55375" marT="0" marB="0"/>
+                </a:tc>
+                <a:tc>
+                  <a:txBody>
+                    <a:bodyPr/>
+                    <a:lstStyle/>
+                    <a:p>
+                      <a:pPr marL="0" marR="0" algn="ctr">
+                        <a:spcBef>
+                          <a:spcPts val="0"/>
+                        </a:spcBef>
+                        <a:spcAft>
+                          <a:spcPts val="0"/>
+                        </a:spcAft>
+                      </a:pPr>
+                      <a:r>
+                        <a:rPr lang="en-US" sz="1600" kern="100" dirty="0">
+                          <a:effectLst/>
+                        </a:rPr>
+                        <a:t>Double click on a node</a:t>
+                      </a:r>
+                      <a:endParaRPr lang="en-US" sz="1600" kern="100" dirty="0">
+                        <a:effectLst/>
+                        <a:latin typeface="Calibri" panose="020F0502020204030204" pitchFamily="34" charset="0"/>
+                        <a:ea typeface="Calibri" panose="020F0502020204030204" pitchFamily="34" charset="0"/>
+                        <a:cs typeface="Times New Roman" panose="02020603050405020304" pitchFamily="18" charset="0"/>
+                      </a:endParaRPr>
+                    </a:p>
+                  </a:txBody>
+                  <a:tcPr marL="55375" marR="55375" marT="0" marB="0"/>
+                </a:tc>
+                <a:tc>
+                  <a:txBody>
+                    <a:bodyPr/>
+                    <a:lstStyle/>
+                    <a:p>
+                      <a:pPr marL="0" marR="0" algn="just">
+                        <a:spcBef>
+                          <a:spcPts val="0"/>
+                        </a:spcBef>
+                        <a:spcAft>
+                          <a:spcPts val="0"/>
+                        </a:spcAft>
+                      </a:pPr>
+                      <a:r>
+                        <a:rPr lang="en-US" sz="1600" kern="100">
+                          <a:effectLst/>
+                        </a:rPr>
+                        <a:t>The agents’ details in that node should</a:t>
+                      </a:r>
+                    </a:p>
+                    <a:p>
+                      <a:pPr marL="0" marR="0" algn="just">
+                        <a:spcBef>
+                          <a:spcPts val="0"/>
+                        </a:spcBef>
+                        <a:spcAft>
+                          <a:spcPts val="0"/>
+                        </a:spcAft>
+                      </a:pPr>
+                      <a:r>
+                        <a:rPr lang="en-US" sz="1600" kern="100">
+                          <a:effectLst/>
+                        </a:rPr>
+                        <a:t>display</a:t>
+                      </a:r>
+                      <a:endParaRPr lang="en-US" sz="1600" kern="100">
+                        <a:effectLst/>
+                        <a:latin typeface="Calibri" panose="020F0502020204030204" pitchFamily="34" charset="0"/>
+                        <a:ea typeface="Calibri" panose="020F0502020204030204" pitchFamily="34" charset="0"/>
+                        <a:cs typeface="Times New Roman" panose="02020603050405020304" pitchFamily="18" charset="0"/>
+                      </a:endParaRPr>
+                    </a:p>
+                  </a:txBody>
+                  <a:tcPr marL="55375" marR="55375" marT="0" marB="0"/>
+                </a:tc>
+                <a:extLst>
+                  <a:ext uri="{0D108BD9-81ED-4DB2-BD59-A6C34878D82A}">
+                    <a16:rowId xmlns:a16="http://schemas.microsoft.com/office/drawing/2014/main" val="1924536285"/>
+                  </a:ext>
+                </a:extLst>
+              </a:tr>
+              <a:tr h="482000">
+                <a:tc>
+                  <a:txBody>
+                    <a:bodyPr/>
+                    <a:lstStyle/>
+                    <a:p>
+                      <a:pPr marL="0" marR="0" algn="ctr">
+                        <a:spcBef>
+                          <a:spcPts val="0"/>
+                        </a:spcBef>
+                        <a:spcAft>
+                          <a:spcPts val="0"/>
+                        </a:spcAft>
+                      </a:pPr>
+                      <a:r>
+                        <a:rPr lang="en-US" sz="1600" kern="100">
+                          <a:effectLst/>
+                        </a:rPr>
+                        <a:t>4</a:t>
+                      </a:r>
+                      <a:endParaRPr lang="en-US" sz="1600" kern="100">
+                        <a:effectLst/>
+                        <a:latin typeface="Calibri" panose="020F0502020204030204" pitchFamily="34" charset="0"/>
+                        <a:ea typeface="Calibri" panose="020F0502020204030204" pitchFamily="34" charset="0"/>
+                        <a:cs typeface="Times New Roman" panose="02020603050405020304" pitchFamily="18" charset="0"/>
+                      </a:endParaRPr>
+                    </a:p>
+                  </a:txBody>
+                  <a:tcPr marL="55375" marR="55375" marT="0" marB="0"/>
+                </a:tc>
+                <a:tc>
+                  <a:txBody>
+                    <a:bodyPr/>
+                    <a:lstStyle/>
+                    <a:p>
+                      <a:pPr marL="0" marR="0" algn="l">
+                        <a:spcBef>
+                          <a:spcPts val="0"/>
+                        </a:spcBef>
+                        <a:spcAft>
+                          <a:spcPts val="0"/>
+                        </a:spcAft>
+                      </a:pPr>
+                      <a:r>
+                        <a:rPr lang="en-US" sz="1600" kern="100" dirty="0">
+                          <a:effectLst/>
+                        </a:rPr>
+                        <a:t>User click a node</a:t>
+                      </a:r>
+                      <a:endParaRPr lang="en-US" sz="1600" kern="100" dirty="0">
+                        <a:effectLst/>
+                        <a:latin typeface="Calibri" panose="020F0502020204030204" pitchFamily="34" charset="0"/>
+                        <a:ea typeface="Calibri" panose="020F0502020204030204" pitchFamily="34" charset="0"/>
+                        <a:cs typeface="Times New Roman" panose="02020603050405020304" pitchFamily="18" charset="0"/>
+                      </a:endParaRPr>
+                    </a:p>
+                  </a:txBody>
+                  <a:tcPr marL="55375" marR="55375" marT="0" marB="0"/>
+                </a:tc>
+                <a:tc>
+                  <a:txBody>
+                    <a:bodyPr/>
+                    <a:lstStyle/>
+                    <a:p>
+                      <a:pPr marL="0" marR="0" algn="ctr">
+                        <a:spcBef>
+                          <a:spcPts val="0"/>
+                        </a:spcBef>
+                        <a:spcAft>
+                          <a:spcPts val="0"/>
+                        </a:spcAft>
+                      </a:pPr>
+                      <a:r>
+                        <a:rPr lang="en-US" sz="1600" kern="100">
+                          <a:effectLst/>
+                        </a:rPr>
+                        <a:t>Click on a node</a:t>
+                      </a:r>
+                      <a:endParaRPr lang="en-US" sz="1600" kern="100">
+                        <a:effectLst/>
+                        <a:latin typeface="Calibri" panose="020F0502020204030204" pitchFamily="34" charset="0"/>
+                        <a:ea typeface="Calibri" panose="020F0502020204030204" pitchFamily="34" charset="0"/>
+                        <a:cs typeface="Times New Roman" panose="02020603050405020304" pitchFamily="18" charset="0"/>
+                      </a:endParaRPr>
+                    </a:p>
+                  </a:txBody>
+                  <a:tcPr marL="55375" marR="55375" marT="0" marB="0"/>
+                </a:tc>
+                <a:tc>
+                  <a:txBody>
+                    <a:bodyPr/>
+                    <a:lstStyle/>
+                    <a:p>
+                      <a:pPr marL="0" marR="0" algn="l">
+                        <a:spcBef>
+                          <a:spcPts val="0"/>
+                        </a:spcBef>
+                        <a:spcAft>
+                          <a:spcPts val="0"/>
+                        </a:spcAft>
+                      </a:pPr>
+                      <a:r>
+                        <a:rPr lang="en-US" sz="1600" kern="100">
+                          <a:effectLst/>
+                        </a:rPr>
+                        <a:t>Nothing should display</a:t>
+                      </a:r>
+                      <a:endParaRPr lang="en-US" sz="1600" kern="100">
+                        <a:effectLst/>
+                        <a:latin typeface="Calibri" panose="020F0502020204030204" pitchFamily="34" charset="0"/>
+                        <a:ea typeface="Calibri" panose="020F0502020204030204" pitchFamily="34" charset="0"/>
+                        <a:cs typeface="Times New Roman" panose="02020603050405020304" pitchFamily="18" charset="0"/>
+                      </a:endParaRPr>
+                    </a:p>
+                  </a:txBody>
+                  <a:tcPr marL="55375" marR="55375" marT="0" marB="0"/>
+                </a:tc>
+                <a:extLst>
+                  <a:ext uri="{0D108BD9-81ED-4DB2-BD59-A6C34878D82A}">
+                    <a16:rowId xmlns:a16="http://schemas.microsoft.com/office/drawing/2014/main" val="3305211673"/>
+                  </a:ext>
+                </a:extLst>
+              </a:tr>
+              <a:tr h="599881">
+                <a:tc>
+                  <a:txBody>
+                    <a:bodyPr/>
+                    <a:lstStyle/>
+                    <a:p>
+                      <a:pPr marL="0" marR="0" algn="ctr">
+                        <a:spcBef>
+                          <a:spcPts val="0"/>
+                        </a:spcBef>
+                        <a:spcAft>
+                          <a:spcPts val="0"/>
+                        </a:spcAft>
+                      </a:pPr>
+                      <a:r>
+                        <a:rPr lang="en-US" sz="1600" kern="100">
+                          <a:effectLst/>
+                        </a:rPr>
+                        <a:t>5</a:t>
+                      </a:r>
+                      <a:endParaRPr lang="en-US" sz="1600" kern="100">
+                        <a:effectLst/>
+                        <a:latin typeface="Calibri" panose="020F0502020204030204" pitchFamily="34" charset="0"/>
+                        <a:ea typeface="Calibri" panose="020F0502020204030204" pitchFamily="34" charset="0"/>
+                        <a:cs typeface="Times New Roman" panose="02020603050405020304" pitchFamily="18" charset="0"/>
+                      </a:endParaRPr>
+                    </a:p>
+                  </a:txBody>
+                  <a:tcPr marL="55375" marR="55375" marT="0" marB="0"/>
+                </a:tc>
+                <a:tc>
+                  <a:txBody>
+                    <a:bodyPr/>
+                    <a:lstStyle/>
+                    <a:p>
+                      <a:pPr marL="0" marR="0" algn="just">
+                        <a:spcBef>
+                          <a:spcPts val="0"/>
+                        </a:spcBef>
+                        <a:spcAft>
+                          <a:spcPts val="0"/>
+                        </a:spcAft>
+                      </a:pPr>
+                      <a:r>
+                        <a:rPr lang="en-US" sz="1600" kern="100" dirty="0">
+                          <a:effectLst/>
+                        </a:rPr>
+                        <a:t>User views color changes when node is visited</a:t>
+                      </a:r>
+                      <a:endParaRPr lang="en-US" sz="1600" kern="100" dirty="0">
+                        <a:effectLst/>
+                        <a:latin typeface="Calibri" panose="020F0502020204030204" pitchFamily="34" charset="0"/>
+                        <a:ea typeface="Calibri" panose="020F0502020204030204" pitchFamily="34" charset="0"/>
+                        <a:cs typeface="Times New Roman" panose="02020603050405020304" pitchFamily="18" charset="0"/>
+                      </a:endParaRPr>
+                    </a:p>
+                  </a:txBody>
+                  <a:tcPr marL="55375" marR="55375" marT="0" marB="0"/>
+                </a:tc>
+                <a:tc>
+                  <a:txBody>
+                    <a:bodyPr/>
+                    <a:lstStyle/>
+                    <a:p>
+                      <a:pPr marL="0" marR="0" algn="ctr">
+                        <a:spcBef>
+                          <a:spcPts val="0"/>
+                        </a:spcBef>
+                        <a:spcAft>
+                          <a:spcPts val="0"/>
+                        </a:spcAft>
+                      </a:pPr>
+                      <a:r>
+                        <a:rPr lang="en-US" sz="1600" kern="100" dirty="0">
+                          <a:effectLst/>
+                        </a:rPr>
+                        <a:t>Visiting a node</a:t>
+                      </a:r>
+                      <a:endParaRPr lang="en-US" sz="1600" kern="100" dirty="0">
+                        <a:effectLst/>
+                        <a:latin typeface="Calibri" panose="020F0502020204030204" pitchFamily="34" charset="0"/>
+                        <a:ea typeface="Calibri" panose="020F0502020204030204" pitchFamily="34" charset="0"/>
+                        <a:cs typeface="Times New Roman" panose="02020603050405020304" pitchFamily="18" charset="0"/>
+                      </a:endParaRPr>
+                    </a:p>
+                  </a:txBody>
+                  <a:tcPr marL="55375" marR="55375" marT="0" marB="0"/>
+                </a:tc>
+                <a:tc>
+                  <a:txBody>
+                    <a:bodyPr/>
+                    <a:lstStyle/>
+                    <a:p>
+                      <a:pPr marL="0" marR="0" algn="just">
+                        <a:spcBef>
+                          <a:spcPts val="0"/>
+                        </a:spcBef>
+                        <a:spcAft>
+                          <a:spcPts val="0"/>
+                        </a:spcAft>
+                      </a:pPr>
+                      <a:r>
+                        <a:rPr lang="en-US" sz="1600" kern="100" dirty="0">
+                          <a:effectLst/>
+                        </a:rPr>
+                        <a:t>Color of the node should change</a:t>
+                      </a:r>
+                      <a:endParaRPr lang="en-US" sz="1600" kern="100" dirty="0">
+                        <a:effectLst/>
+                        <a:latin typeface="Calibri" panose="020F0502020204030204" pitchFamily="34" charset="0"/>
+                        <a:ea typeface="Calibri" panose="020F0502020204030204" pitchFamily="34" charset="0"/>
+                        <a:cs typeface="Times New Roman" panose="02020603050405020304" pitchFamily="18" charset="0"/>
+                      </a:endParaRPr>
+                    </a:p>
+                  </a:txBody>
+                  <a:tcPr marL="55375" marR="55375" marT="0" marB="0"/>
+                </a:tc>
+                <a:extLst>
+                  <a:ext uri="{0D108BD9-81ED-4DB2-BD59-A6C34878D82A}">
+                    <a16:rowId xmlns:a16="http://schemas.microsoft.com/office/drawing/2014/main" val="1581555079"/>
+                  </a:ext>
+                </a:extLst>
+              </a:tr>
+            </a:tbl>
+          </a:graphicData>
+        </a:graphic>
+      </p:graphicFrame>
+      <p:sp>
+        <p:nvSpPr>
+          <p:cNvPr id="5" name="TextBox 4"/>
+          <p:cNvSpPr txBox="1"/>
+          <p:nvPr/>
+        </p:nvSpPr>
+        <p:spPr>
+          <a:xfrm>
+            <a:off x="1538653" y="1266093"/>
+            <a:ext cx="5600700" cy="923330"/>
+          </a:xfrm>
+          <a:prstGeom prst="rect">
+            <a:avLst/>
+          </a:prstGeom>
+          <a:noFill/>
+        </p:spPr>
+        <p:txBody>
+          <a:bodyPr wrap="square" rtlCol="0">
+            <a:spAutoFit/>
+          </a:bodyPr>
+          <a:lstStyle/>
+          <a:p>
+            <a:r>
+              <a:rPr lang="en-US" dirty="0"/>
+              <a:t>Consider the sprint task #7: Testing GUI for graph view</a:t>
+            </a:r>
+          </a:p>
+          <a:p>
+            <a:r>
+              <a:rPr lang="en-US" dirty="0"/>
+              <a:t>Some of the test cases for this task are as follows:</a:t>
+            </a:r>
+          </a:p>
+          <a:p>
+            <a:endParaRPr lang="en-US" dirty="0"/>
+          </a:p>
+        </p:txBody>
+      </p:sp>
+    </p:spTree>
+    <p:extLst>
+      <p:ext uri="{BB962C8B-B14F-4D97-AF65-F5344CB8AC3E}">
+        <p14:creationId xmlns:p14="http://schemas.microsoft.com/office/powerpoint/2010/main" val="3466071759"/>
       </p:ext>
     </p:extLst>
   </p:cSld>

--- a/Document/GIANTS_SecondPresentation.pptx
+++ b/Document/GIANTS_SecondPresentation.pptx
@@ -1,6 +1,6 @@
 
 <file path=ppt/presentation.xml><?xml version="1.0" encoding="utf-8"?>
-<p:presentation xmlns:a="http://schemas.openxmlformats.org/drawingml/2006/main" xmlns:r="http://schemas.openxmlformats.org/officeDocument/2006/relationships" xmlns:p="http://schemas.openxmlformats.org/presentationml/2006/main" autoCompressPictures="0">
+<p:presentation xmlns:a="http://schemas.openxmlformats.org/drawingml/2006/main" xmlns:r="http://schemas.openxmlformats.org/officeDocument/2006/relationships" xmlns:p="http://schemas.openxmlformats.org/presentationml/2006/main" saveSubsetFonts="1" autoCompressPictures="0">
   <p:sldMasterIdLst>
     <p:sldMasterId id="2147483648" r:id="rId1"/>
   </p:sldMasterIdLst>
@@ -258,7 +258,7 @@
           <a:p>
             <a:fld id="{48A87A34-81AB-432B-8DAE-1953F412C126}" type="datetimeFigureOut">
               <a:rPr lang="en-US" dirty="0"/>
-              <a:t>2/14/2017</a:t>
+              <a:t>2/14/17</a:t>
             </a:fld>
             <a:endParaRPr lang="en-US" dirty="0"/>
           </a:p>
@@ -464,7 +464,7 @@
           <a:p>
             <a:fld id="{48A87A34-81AB-432B-8DAE-1953F412C126}" type="datetimeFigureOut">
               <a:rPr lang="en-US" dirty="0"/>
-              <a:t>2/14/2017</a:t>
+              <a:t>2/14/17</a:t>
             </a:fld>
             <a:endParaRPr lang="en-US" dirty="0"/>
           </a:p>
@@ -674,7 +674,7 @@
           <a:p>
             <a:fld id="{48A87A34-81AB-432B-8DAE-1953F412C126}" type="datetimeFigureOut">
               <a:rPr lang="en-US" dirty="0"/>
-              <a:t>2/14/2017</a:t>
+              <a:t>2/14/17</a:t>
             </a:fld>
             <a:endParaRPr lang="en-US" dirty="0"/>
           </a:p>
@@ -870,7 +870,7 @@
           <a:p>
             <a:fld id="{48A87A34-81AB-432B-8DAE-1953F412C126}" type="datetimeFigureOut">
               <a:rPr lang="en-US" dirty="0"/>
-              <a:t>2/14/2017</a:t>
+              <a:t>2/14/17</a:t>
             </a:fld>
             <a:endParaRPr lang="en-US" dirty="0"/>
           </a:p>
@@ -1144,7 +1144,7 @@
           <a:p>
             <a:fld id="{48A87A34-81AB-432B-8DAE-1953F412C126}" type="datetimeFigureOut">
               <a:rPr lang="en-US" dirty="0"/>
-              <a:t>2/14/2017</a:t>
+              <a:t>2/14/17</a:t>
             </a:fld>
             <a:endParaRPr lang="en-US" dirty="0"/>
           </a:p>
@@ -1407,7 +1407,7 @@
           <a:p>
             <a:fld id="{48A87A34-81AB-432B-8DAE-1953F412C126}" type="datetimeFigureOut">
               <a:rPr lang="en-US" dirty="0"/>
-              <a:t>2/14/2017</a:t>
+              <a:t>2/14/17</a:t>
             </a:fld>
             <a:endParaRPr lang="en-US" dirty="0"/>
           </a:p>
@@ -1818,7 +1818,7 @@
           <a:p>
             <a:fld id="{48A87A34-81AB-432B-8DAE-1953F412C126}" type="datetimeFigureOut">
               <a:rPr lang="en-US" dirty="0"/>
-              <a:t>2/14/2017</a:t>
+              <a:t>2/14/17</a:t>
             </a:fld>
             <a:endParaRPr lang="en-US" dirty="0"/>
           </a:p>
@@ -1962,7 +1962,7 @@
           <a:p>
             <a:fld id="{48A87A34-81AB-432B-8DAE-1953F412C126}" type="datetimeFigureOut">
               <a:rPr lang="en-US" dirty="0"/>
-              <a:t>2/14/2017</a:t>
+              <a:t>2/14/17</a:t>
             </a:fld>
             <a:endParaRPr lang="en-US" dirty="0"/>
           </a:p>
@@ -2083,7 +2083,7 @@
           <a:p>
             <a:fld id="{48A87A34-81AB-432B-8DAE-1953F412C126}" type="datetimeFigureOut">
               <a:rPr lang="en-US" dirty="0"/>
-              <a:t>2/14/2017</a:t>
+              <a:t>2/14/17</a:t>
             </a:fld>
             <a:endParaRPr lang="en-US" dirty="0"/>
           </a:p>
@@ -2329,7 +2329,7 @@
           <a:p>
             <a:fld id="{48A87A34-81AB-432B-8DAE-1953F412C126}" type="datetimeFigureOut">
               <a:rPr lang="en-US" dirty="0"/>
-              <a:t>2/14/2017</a:t>
+              <a:t>2/14/17</a:t>
             </a:fld>
             <a:endParaRPr lang="en-US" dirty="0"/>
           </a:p>
@@ -2770,7 +2770,7 @@
             <a:fld id="{48A87A34-81AB-432B-8DAE-1953F412C126}" type="datetimeFigureOut">
               <a:rPr lang="en-US" dirty="0"/>
               <a:pPr/>
-              <a:t>2/14/2017</a:t>
+              <a:t>2/14/17</a:t>
             </a:fld>
             <a:endParaRPr lang="en-US" dirty="0"/>
           </a:p>
@@ -3092,7 +3092,7 @@
             <a:fld id="{48A87A34-81AB-432B-8DAE-1953F412C126}" type="datetimeFigureOut">
               <a:rPr lang="en-US" dirty="0"/>
               <a:pPr/>
-              <a:t>2/14/2017</a:t>
+              <a:t>2/14/17</a:t>
             </a:fld>
             <a:endParaRPr lang="en-US" dirty="0"/>
           </a:p>
@@ -3670,6 +3670,13 @@
   <p:clrMapOvr>
     <a:masterClrMapping/>
   </p:clrMapOvr>
+  <p:timing>
+    <p:tnLst>
+      <p:par>
+        <p:cTn id="1" dur="indefinite" restart="never" nodeType="tmRoot"/>
+      </p:par>
+    </p:tnLst>
+  </p:timing>
 </p:sld>
 </file>
 
@@ -3722,45 +3729,146 @@
             <p:ph idx="1"/>
           </p:nvPr>
         </p:nvSpPr>
-        <p:spPr/>
+        <p:spPr>
+          <a:xfrm>
+            <a:off x="1451579" y="2015732"/>
+            <a:ext cx="9603275" cy="4095508"/>
+          </a:xfrm>
+        </p:spPr>
         <p:txBody>
-          <a:bodyPr/>
+          <a:bodyPr>
+            <a:normAutofit fontScale="92500" lnSpcReduction="10000"/>
+          </a:bodyPr>
           <a:lstStyle/>
           <a:p>
             <a:r>
+              <a:rPr lang="en-US" altLang="zh-CN" b="1" dirty="0" smtClean="0"/>
+              <a:t>Observations</a:t>
+            </a:r>
+            <a:endParaRPr lang="en-US" altLang="zh-CN" dirty="0" smtClean="0"/>
+          </a:p>
+          <a:p>
+            <a:pPr lvl="1"/>
+            <a:r>
+              <a:rPr lang="en-US" altLang="zh-CN" dirty="0" smtClean="0"/>
+              <a:t>Didn’t</a:t>
+            </a:r>
+            <a:r>
+              <a:rPr lang="zh-CN" altLang="en-US" dirty="0" smtClean="0"/>
+              <a:t> </a:t>
+            </a:r>
+            <a:r>
+              <a:rPr lang="en-US" altLang="zh-CN" dirty="0" smtClean="0"/>
+              <a:t>use</a:t>
+            </a:r>
+            <a:r>
+              <a:rPr lang="zh-CN" altLang="en-US" dirty="0" smtClean="0"/>
+              <a:t> </a:t>
+            </a:r>
+            <a:r>
+              <a:rPr lang="en-US" altLang="zh-CN" dirty="0"/>
+              <a:t>virtual </a:t>
+            </a:r>
+            <a:r>
+              <a:rPr lang="en-US" altLang="zh-CN" dirty="0" smtClean="0"/>
+              <a:t>servers</a:t>
+            </a:r>
+            <a:endParaRPr lang="en-US" dirty="0" smtClean="0"/>
+          </a:p>
+          <a:p>
+            <a:r>
+              <a:rPr lang="en-US" altLang="zh-CN" b="1" dirty="0"/>
+              <a:t>Suggested </a:t>
+            </a:r>
+            <a:r>
+              <a:rPr lang="en-US" altLang="zh-CN" b="1" dirty="0" smtClean="0"/>
+              <a:t>improvements</a:t>
+            </a:r>
+            <a:endParaRPr lang="en-US" dirty="0" smtClean="0"/>
+          </a:p>
+          <a:p>
+            <a:pPr lvl="1"/>
+            <a:r>
+              <a:rPr lang="en-US" dirty="0" smtClean="0"/>
+              <a:t>Accomplished </a:t>
+            </a:r>
+            <a:r>
               <a:rPr lang="en-US" dirty="0"/>
-              <a:t>Accomplished little in previous demo</a:t>
-            </a:r>
-          </a:p>
-          <a:p>
+              <a:t>little in previous </a:t>
+            </a:r>
+            <a:r>
+              <a:rPr lang="en-US" dirty="0" smtClean="0"/>
+              <a:t>demo</a:t>
+            </a:r>
+          </a:p>
+          <a:p>
+            <a:pPr lvl="1"/>
+            <a:r>
+              <a:rPr lang="en-US" altLang="zh-CN" dirty="0" smtClean="0"/>
+              <a:t>Chinese</a:t>
+            </a:r>
+            <a:r>
+              <a:rPr lang="zh-CN" altLang="en-US" dirty="0" smtClean="0"/>
+              <a:t> </a:t>
+            </a:r>
+            <a:r>
+              <a:rPr lang="en-US" altLang="zh-CN" dirty="0" smtClean="0"/>
+              <a:t>phrase</a:t>
+            </a:r>
+            <a:endParaRPr lang="en-US" dirty="0"/>
+          </a:p>
+          <a:p>
+            <a:r>
+              <a:rPr lang="en-US" altLang="zh-CN" b="1" dirty="0" smtClean="0"/>
+              <a:t>Documents</a:t>
+            </a:r>
+            <a:endParaRPr lang="en-US" dirty="0" smtClean="0"/>
+          </a:p>
+          <a:p>
+            <a:pPr lvl="1"/>
+            <a:r>
+              <a:rPr lang="en-US" dirty="0" smtClean="0"/>
+              <a:t>Meeting </a:t>
+            </a:r>
             <a:r>
               <a:rPr lang="en-US" dirty="0"/>
-              <a:t>Meeting logs are OK, but more details should be added</a:t>
-            </a:r>
-          </a:p>
-          <a:p>
+              <a:t>logs are OK, but more details should be added</a:t>
+            </a:r>
+          </a:p>
+          <a:p>
+            <a:pPr lvl="1"/>
             <a:r>
               <a:rPr lang="en-US" dirty="0"/>
               <a:t>User stories are not in the right format and too vague</a:t>
             </a:r>
           </a:p>
           <a:p>
+            <a:pPr lvl="1"/>
             <a:r>
               <a:rPr lang="en-US" dirty="0"/>
               <a:t>Sprint tasks is too short</a:t>
             </a:r>
           </a:p>
           <a:p>
+            <a:pPr lvl="1"/>
             <a:r>
               <a:rPr lang="en-US" dirty="0"/>
               <a:t>Test cases are OK</a:t>
             </a:r>
           </a:p>
           <a:p>
+            <a:pPr lvl="1"/>
             <a:r>
               <a:rPr lang="en-US" dirty="0"/>
-              <a:t>Did not pay too much attention to document</a:t>
-            </a:r>
+              <a:t>Did not pay too much attention to </a:t>
+            </a:r>
+            <a:r>
+              <a:rPr lang="en-US" dirty="0" smtClean="0"/>
+              <a:t>document</a:t>
+            </a:r>
+          </a:p>
+          <a:p>
+            <a:endParaRPr lang="en-US" dirty="0"/>
           </a:p>
           <a:p>
             <a:endParaRPr lang="en-US" dirty="0"/>
@@ -3777,6 +3885,13 @@
   <p:clrMapOvr>
     <a:masterClrMapping/>
   </p:clrMapOvr>
+  <p:timing>
+    <p:tnLst>
+      <p:par>
+        <p:cTn id="1" dur="indefinite" restart="never" nodeType="tmRoot"/>
+      </p:par>
+    </p:tnLst>
+  </p:timing>
 </p:sld>
 </file>
 
@@ -3878,6 +3993,13 @@
   <p:clrMapOvr>
     <a:masterClrMapping/>
   </p:clrMapOvr>
+  <p:timing>
+    <p:tnLst>
+      <p:par>
+        <p:cTn id="1" dur="indefinite" restart="never" nodeType="tmRoot"/>
+      </p:par>
+    </p:tnLst>
+  </p:timing>
 </p:sld>
 </file>
 
@@ -4143,7 +4265,7 @@
         </p:nvGraphicFramePr>
         <p:xfrm>
           <a:off x="1451579" y="1473316"/>
-          <a:ext cx="9246901" cy="5373572"/>
+          <a:ext cx="9246901" cy="5406909"/>
         </p:xfrm>
         <a:graphic>
           <a:graphicData uri="http://schemas.openxmlformats.org/drawingml/2006/table">
@@ -4155,56 +4277,56 @@
                 <a:gridCol w="582196">
                   <a:extLst>
                     <a:ext uri="{9D8B030D-6E8A-4147-A177-3AD203B41FA5}">
-                      <a16:colId xmlns:a16="http://schemas.microsoft.com/office/drawing/2014/main" val="3154414089"/>
+                      <a16:colId xmlns:a16="http://schemas.microsoft.com/office/drawing/2014/main" xmlns="" val="3154414089"/>
                     </a:ext>
                   </a:extLst>
                 </a:gridCol>
                 <a:gridCol w="657347">
                   <a:extLst>
                     <a:ext uri="{9D8B030D-6E8A-4147-A177-3AD203B41FA5}">
-                      <a16:colId xmlns:a16="http://schemas.microsoft.com/office/drawing/2014/main" val="3261103776"/>
+                      <a16:colId xmlns:a16="http://schemas.microsoft.com/office/drawing/2014/main" xmlns="" val="3261103776"/>
                     </a:ext>
                   </a:extLst>
                 </a:gridCol>
                 <a:gridCol w="1572966">
                   <a:extLst>
                     <a:ext uri="{9D8B030D-6E8A-4147-A177-3AD203B41FA5}">
-                      <a16:colId xmlns:a16="http://schemas.microsoft.com/office/drawing/2014/main" val="2920495208"/>
+                      <a16:colId xmlns:a16="http://schemas.microsoft.com/office/drawing/2014/main" xmlns="" val="2920495208"/>
                     </a:ext>
                   </a:extLst>
                 </a:gridCol>
                 <a:gridCol w="1101337">
                   <a:extLst>
                     <a:ext uri="{9D8B030D-6E8A-4147-A177-3AD203B41FA5}">
-                      <a16:colId xmlns:a16="http://schemas.microsoft.com/office/drawing/2014/main" val="44516619"/>
+                      <a16:colId xmlns:a16="http://schemas.microsoft.com/office/drawing/2014/main" xmlns="" val="44516619"/>
                     </a:ext>
                   </a:extLst>
                 </a:gridCol>
                 <a:gridCol w="1756953">
                   <a:extLst>
                     <a:ext uri="{9D8B030D-6E8A-4147-A177-3AD203B41FA5}">
-                      <a16:colId xmlns:a16="http://schemas.microsoft.com/office/drawing/2014/main" val="1801909682"/>
+                      <a16:colId xmlns:a16="http://schemas.microsoft.com/office/drawing/2014/main" xmlns="" val="1801909682"/>
                     </a:ext>
                   </a:extLst>
                 </a:gridCol>
                 <a:gridCol w="1059872">
                   <a:extLst>
                     <a:ext uri="{9D8B030D-6E8A-4147-A177-3AD203B41FA5}">
-                      <a16:colId xmlns:a16="http://schemas.microsoft.com/office/drawing/2014/main" val="4104040892"/>
+                      <a16:colId xmlns:a16="http://schemas.microsoft.com/office/drawing/2014/main" xmlns="" val="4104040892"/>
                     </a:ext>
                   </a:extLst>
                 </a:gridCol>
                 <a:gridCol w="1469310">
                   <a:extLst>
                     <a:ext uri="{9D8B030D-6E8A-4147-A177-3AD203B41FA5}">
-                      <a16:colId xmlns:a16="http://schemas.microsoft.com/office/drawing/2014/main" val="67773144"/>
+                      <a16:colId xmlns:a16="http://schemas.microsoft.com/office/drawing/2014/main" xmlns="" val="67773144"/>
                     </a:ext>
                   </a:extLst>
                 </a:gridCol>
                 <a:gridCol w="1046920">
                   <a:extLst>
                     <a:ext uri="{9D8B030D-6E8A-4147-A177-3AD203B41FA5}">
-                      <a16:colId xmlns:a16="http://schemas.microsoft.com/office/drawing/2014/main" val="1210070934"/>
+                      <a16:colId xmlns:a16="http://schemas.microsoft.com/office/drawing/2014/main" xmlns="" val="1210070934"/>
                     </a:ext>
                   </a:extLst>
                 </a:gridCol>
@@ -4468,7 +4590,7 @@
                 </a:tc>
                 <a:extLst>
                   <a:ext uri="{0D108BD9-81ED-4DB2-BD59-A6C34878D82A}">
-                    <a16:rowId xmlns:a16="http://schemas.microsoft.com/office/drawing/2014/main" val="2198960031"/>
+                    <a16:rowId xmlns:a16="http://schemas.microsoft.com/office/drawing/2014/main" xmlns="" val="2198960031"/>
                   </a:ext>
                 </a:extLst>
               </a:tr>
@@ -4557,13 +4679,7 @@
                         <a:rPr lang="en-US" sz="1400" dirty="0">
                           <a:effectLst/>
                         </a:rPr>
-                        <a:t>Develop GUI for moving agent one step or a fix number of steps in </a:t>
-                      </a:r>
-                      <a:r>
-                        <a:rPr lang="en-US" sz="1400" dirty="0">
-                          <a:effectLst/>
-                        </a:rPr>
-                        <a:t>block view </a:t>
+                        <a:t>Develop GUI for moving agent one step or a fix number of steps in block view </a:t>
                       </a:r>
                       <a:endParaRPr lang="en-US" sz="1400" dirty="0">
                         <a:effectLst/>
@@ -4775,7 +4891,7 @@
                 </a:tc>
                 <a:extLst>
                   <a:ext uri="{0D108BD9-81ED-4DB2-BD59-A6C34878D82A}">
-                    <a16:rowId xmlns:a16="http://schemas.microsoft.com/office/drawing/2014/main" val="2729510976"/>
+                    <a16:rowId xmlns:a16="http://schemas.microsoft.com/office/drawing/2014/main" xmlns="" val="2729510976"/>
                   </a:ext>
                 </a:extLst>
               </a:tr>
@@ -5038,7 +5154,7 @@
                 </a:tc>
                 <a:extLst>
                   <a:ext uri="{0D108BD9-81ED-4DB2-BD59-A6C34878D82A}">
-                    <a16:rowId xmlns:a16="http://schemas.microsoft.com/office/drawing/2014/main" val="977527628"/>
+                    <a16:rowId xmlns:a16="http://schemas.microsoft.com/office/drawing/2014/main" xmlns="" val="977527628"/>
                   </a:ext>
                 </a:extLst>
               </a:tr>
@@ -5301,7 +5417,7 @@
                 </a:tc>
                 <a:extLst>
                   <a:ext uri="{0D108BD9-81ED-4DB2-BD59-A6C34878D82A}">
-                    <a16:rowId xmlns:a16="http://schemas.microsoft.com/office/drawing/2014/main" val="1820780192"/>
+                    <a16:rowId xmlns:a16="http://schemas.microsoft.com/office/drawing/2014/main" xmlns="" val="1820780192"/>
                   </a:ext>
                 </a:extLst>
               </a:tr>
@@ -5564,7 +5680,7 @@
                 </a:tc>
                 <a:extLst>
                   <a:ext uri="{0D108BD9-81ED-4DB2-BD59-A6C34878D82A}">
-                    <a16:rowId xmlns:a16="http://schemas.microsoft.com/office/drawing/2014/main" val="1128378578"/>
+                    <a16:rowId xmlns:a16="http://schemas.microsoft.com/office/drawing/2014/main" xmlns="" val="1128378578"/>
                   </a:ext>
                 </a:extLst>
               </a:tr>
@@ -5827,7 +5943,7 @@
                 </a:tc>
                 <a:extLst>
                   <a:ext uri="{0D108BD9-81ED-4DB2-BD59-A6C34878D82A}">
-                    <a16:rowId xmlns:a16="http://schemas.microsoft.com/office/drawing/2014/main" val="3701543986"/>
+                    <a16:rowId xmlns:a16="http://schemas.microsoft.com/office/drawing/2014/main" xmlns="" val="3701543986"/>
                   </a:ext>
                 </a:extLst>
               </a:tr>
@@ -6115,7 +6231,7 @@
                 </a:tc>
                 <a:extLst>
                   <a:ext uri="{0D108BD9-81ED-4DB2-BD59-A6C34878D82A}">
-                    <a16:rowId xmlns:a16="http://schemas.microsoft.com/office/drawing/2014/main" val="1444267879"/>
+                    <a16:rowId xmlns:a16="http://schemas.microsoft.com/office/drawing/2014/main" xmlns="" val="1444267879"/>
                   </a:ext>
                 </a:extLst>
               </a:tr>
@@ -6384,7 +6500,7 @@
                 </a:tc>
                 <a:extLst>
                   <a:ext uri="{0D108BD9-81ED-4DB2-BD59-A6C34878D82A}">
-                    <a16:rowId xmlns:a16="http://schemas.microsoft.com/office/drawing/2014/main" val="3684602173"/>
+                    <a16:rowId xmlns:a16="http://schemas.microsoft.com/office/drawing/2014/main" xmlns="" val="3684602173"/>
                   </a:ext>
                 </a:extLst>
               </a:tr>
@@ -6647,7 +6763,7 @@
                 </a:tc>
                 <a:extLst>
                   <a:ext uri="{0D108BD9-81ED-4DB2-BD59-A6C34878D82A}">
-                    <a16:rowId xmlns:a16="http://schemas.microsoft.com/office/drawing/2014/main" val="2254297525"/>
+                    <a16:rowId xmlns:a16="http://schemas.microsoft.com/office/drawing/2014/main" xmlns="" val="2254297525"/>
                   </a:ext>
                 </a:extLst>
               </a:tr>
@@ -6839,28 +6955,28 @@
                 <a:gridCol w="750392">
                   <a:extLst>
                     <a:ext uri="{9D8B030D-6E8A-4147-A177-3AD203B41FA5}">
-                      <a16:colId xmlns:a16="http://schemas.microsoft.com/office/drawing/2014/main" val="2993040168"/>
+                      <a16:colId xmlns:a16="http://schemas.microsoft.com/office/drawing/2014/main" xmlns="" val="2993040168"/>
                     </a:ext>
                   </a:extLst>
                 </a:gridCol>
                 <a:gridCol w="4433209">
                   <a:extLst>
                     <a:ext uri="{9D8B030D-6E8A-4147-A177-3AD203B41FA5}">
-                      <a16:colId xmlns:a16="http://schemas.microsoft.com/office/drawing/2014/main" val="3233613132"/>
+                      <a16:colId xmlns:a16="http://schemas.microsoft.com/office/drawing/2014/main" xmlns="" val="3233613132"/>
                     </a:ext>
                   </a:extLst>
                 </a:gridCol>
                 <a:gridCol w="1766165">
                   <a:extLst>
                     <a:ext uri="{9D8B030D-6E8A-4147-A177-3AD203B41FA5}">
-                      <a16:colId xmlns:a16="http://schemas.microsoft.com/office/drawing/2014/main" val="2897660731"/>
+                      <a16:colId xmlns:a16="http://schemas.microsoft.com/office/drawing/2014/main" xmlns="" val="2897660731"/>
                     </a:ext>
                   </a:extLst>
                 </a:gridCol>
                 <a:gridCol w="2562310">
                   <a:extLst>
                     <a:ext uri="{9D8B030D-6E8A-4147-A177-3AD203B41FA5}">
-                      <a16:colId xmlns:a16="http://schemas.microsoft.com/office/drawing/2014/main" val="2661376538"/>
+                      <a16:colId xmlns:a16="http://schemas.microsoft.com/office/drawing/2014/main" xmlns="" val="2661376538"/>
                     </a:ext>
                   </a:extLst>
                 </a:gridCol>
@@ -7060,7 +7176,7 @@
                 </a:tc>
                 <a:extLst>
                   <a:ext uri="{0D108BD9-81ED-4DB2-BD59-A6C34878D82A}">
-                    <a16:rowId xmlns:a16="http://schemas.microsoft.com/office/drawing/2014/main" val="316104643"/>
+                    <a16:rowId xmlns:a16="http://schemas.microsoft.com/office/drawing/2014/main" xmlns="" val="316104643"/>
                   </a:ext>
                 </a:extLst>
               </a:tr>
@@ -7183,7 +7299,7 @@
                 </a:tc>
                 <a:extLst>
                   <a:ext uri="{0D108BD9-81ED-4DB2-BD59-A6C34878D82A}">
-                    <a16:rowId xmlns:a16="http://schemas.microsoft.com/office/drawing/2014/main" val="1054125158"/>
+                    <a16:rowId xmlns:a16="http://schemas.microsoft.com/office/drawing/2014/main" xmlns="" val="1054125158"/>
                   </a:ext>
                 </a:extLst>
               </a:tr>
@@ -7306,7 +7422,7 @@
                 </a:tc>
                 <a:extLst>
                   <a:ext uri="{0D108BD9-81ED-4DB2-BD59-A6C34878D82A}">
-                    <a16:rowId xmlns:a16="http://schemas.microsoft.com/office/drawing/2014/main" val="2205891779"/>
+                    <a16:rowId xmlns:a16="http://schemas.microsoft.com/office/drawing/2014/main" xmlns="" val="2205891779"/>
                   </a:ext>
                 </a:extLst>
               </a:tr>
@@ -7448,7 +7564,7 @@
                 </a:tc>
                 <a:extLst>
                   <a:ext uri="{0D108BD9-81ED-4DB2-BD59-A6C34878D82A}">
-                    <a16:rowId xmlns:a16="http://schemas.microsoft.com/office/drawing/2014/main" val="2850159330"/>
+                    <a16:rowId xmlns:a16="http://schemas.microsoft.com/office/drawing/2014/main" xmlns="" val="2850159330"/>
                   </a:ext>
                 </a:extLst>
               </a:tr>
@@ -7571,7 +7687,7 @@
                 </a:tc>
                 <a:extLst>
                   <a:ext uri="{0D108BD9-81ED-4DB2-BD59-A6C34878D82A}">
-                    <a16:rowId xmlns:a16="http://schemas.microsoft.com/office/drawing/2014/main" val="286733529"/>
+                    <a16:rowId xmlns:a16="http://schemas.microsoft.com/office/drawing/2014/main" xmlns="" val="286733529"/>
                   </a:ext>
                 </a:extLst>
               </a:tr>
@@ -7694,7 +7810,7 @@
                 </a:tc>
                 <a:extLst>
                   <a:ext uri="{0D108BD9-81ED-4DB2-BD59-A6C34878D82A}">
-                    <a16:rowId xmlns:a16="http://schemas.microsoft.com/office/drawing/2014/main" val="3553585496"/>
+                    <a16:rowId xmlns:a16="http://schemas.microsoft.com/office/drawing/2014/main" xmlns="" val="3553585496"/>
                   </a:ext>
                 </a:extLst>
               </a:tr>
@@ -7817,7 +7933,7 @@
                 </a:tc>
                 <a:extLst>
                   <a:ext uri="{0D108BD9-81ED-4DB2-BD59-A6C34878D82A}">
-                    <a16:rowId xmlns:a16="http://schemas.microsoft.com/office/drawing/2014/main" val="428526135"/>
+                    <a16:rowId xmlns:a16="http://schemas.microsoft.com/office/drawing/2014/main" xmlns="" val="428526135"/>
                   </a:ext>
                 </a:extLst>
               </a:tr>
@@ -7940,7 +8056,7 @@
                 </a:tc>
                 <a:extLst>
                   <a:ext uri="{0D108BD9-81ED-4DB2-BD59-A6C34878D82A}">
-                    <a16:rowId xmlns:a16="http://schemas.microsoft.com/office/drawing/2014/main" val="1203796294"/>
+                    <a16:rowId xmlns:a16="http://schemas.microsoft.com/office/drawing/2014/main" xmlns="" val="1203796294"/>
                   </a:ext>
                 </a:extLst>
               </a:tr>
@@ -8063,7 +8179,7 @@
                 </a:tc>
                 <a:extLst>
                   <a:ext uri="{0D108BD9-81ED-4DB2-BD59-A6C34878D82A}">
-                    <a16:rowId xmlns:a16="http://schemas.microsoft.com/office/drawing/2014/main" val="1141149000"/>
+                    <a16:rowId xmlns:a16="http://schemas.microsoft.com/office/drawing/2014/main" xmlns="" val="1141149000"/>
                   </a:ext>
                 </a:extLst>
               </a:tr>
@@ -8190,28 +8306,28 @@
                 <a:gridCol w="785167">
                   <a:extLst>
                     <a:ext uri="{9D8B030D-6E8A-4147-A177-3AD203B41FA5}">
-                      <a16:colId xmlns:a16="http://schemas.microsoft.com/office/drawing/2014/main" val="3107678301"/>
+                      <a16:colId xmlns:a16="http://schemas.microsoft.com/office/drawing/2014/main" xmlns="" val="3107678301"/>
                     </a:ext>
                   </a:extLst>
                 </a:gridCol>
                 <a:gridCol w="4638652">
                   <a:extLst>
                     <a:ext uri="{9D8B030D-6E8A-4147-A177-3AD203B41FA5}">
-                      <a16:colId xmlns:a16="http://schemas.microsoft.com/office/drawing/2014/main" val="1526257018"/>
+                      <a16:colId xmlns:a16="http://schemas.microsoft.com/office/drawing/2014/main" xmlns="" val="1526257018"/>
                     </a:ext>
                   </a:extLst>
                 </a:gridCol>
                 <a:gridCol w="1848014">
                   <a:extLst>
                     <a:ext uri="{9D8B030D-6E8A-4147-A177-3AD203B41FA5}">
-                      <a16:colId xmlns:a16="http://schemas.microsoft.com/office/drawing/2014/main" val="3874881933"/>
+                      <a16:colId xmlns:a16="http://schemas.microsoft.com/office/drawing/2014/main" xmlns="" val="3874881933"/>
                     </a:ext>
                   </a:extLst>
                 </a:gridCol>
                 <a:gridCol w="2681057">
                   <a:extLst>
                     <a:ext uri="{9D8B030D-6E8A-4147-A177-3AD203B41FA5}">
-                      <a16:colId xmlns:a16="http://schemas.microsoft.com/office/drawing/2014/main" val="3672598442"/>
+                      <a16:colId xmlns:a16="http://schemas.microsoft.com/office/drawing/2014/main" xmlns="" val="3672598442"/>
                     </a:ext>
                   </a:extLst>
                 </a:gridCol>
@@ -8411,7 +8527,7 @@
                 </a:tc>
                 <a:extLst>
                   <a:ext uri="{0D108BD9-81ED-4DB2-BD59-A6C34878D82A}">
-                    <a16:rowId xmlns:a16="http://schemas.microsoft.com/office/drawing/2014/main" val="3775839406"/>
+                    <a16:rowId xmlns:a16="http://schemas.microsoft.com/office/drawing/2014/main" xmlns="" val="3775839406"/>
                   </a:ext>
                 </a:extLst>
               </a:tr>
@@ -8534,7 +8650,7 @@
                 </a:tc>
                 <a:extLst>
                   <a:ext uri="{0D108BD9-81ED-4DB2-BD59-A6C34878D82A}">
-                    <a16:rowId xmlns:a16="http://schemas.microsoft.com/office/drawing/2014/main" val="1730872852"/>
+                    <a16:rowId xmlns:a16="http://schemas.microsoft.com/office/drawing/2014/main" xmlns="" val="1730872852"/>
                   </a:ext>
                 </a:extLst>
               </a:tr>
@@ -8657,7 +8773,7 @@
                 </a:tc>
                 <a:extLst>
                   <a:ext uri="{0D108BD9-81ED-4DB2-BD59-A6C34878D82A}">
-                    <a16:rowId xmlns:a16="http://schemas.microsoft.com/office/drawing/2014/main" val="3253390231"/>
+                    <a16:rowId xmlns:a16="http://schemas.microsoft.com/office/drawing/2014/main" xmlns="" val="3253390231"/>
                   </a:ext>
                 </a:extLst>
               </a:tr>
@@ -8780,7 +8896,7 @@
                 </a:tc>
                 <a:extLst>
                   <a:ext uri="{0D108BD9-81ED-4DB2-BD59-A6C34878D82A}">
-                    <a16:rowId xmlns:a16="http://schemas.microsoft.com/office/drawing/2014/main" val="977556199"/>
+                    <a16:rowId xmlns:a16="http://schemas.microsoft.com/office/drawing/2014/main" xmlns="" val="977556199"/>
                   </a:ext>
                 </a:extLst>
               </a:tr>
@@ -8903,7 +9019,7 @@
                 </a:tc>
                 <a:extLst>
                   <a:ext uri="{0D108BD9-81ED-4DB2-BD59-A6C34878D82A}">
-                    <a16:rowId xmlns:a16="http://schemas.microsoft.com/office/drawing/2014/main" val="3920101355"/>
+                    <a16:rowId xmlns:a16="http://schemas.microsoft.com/office/drawing/2014/main" xmlns="" val="3920101355"/>
                   </a:ext>
                 </a:extLst>
               </a:tr>
@@ -9026,7 +9142,7 @@
                 </a:tc>
                 <a:extLst>
                   <a:ext uri="{0D108BD9-81ED-4DB2-BD59-A6C34878D82A}">
-                    <a16:rowId xmlns:a16="http://schemas.microsoft.com/office/drawing/2014/main" val="2666075772"/>
+                    <a16:rowId xmlns:a16="http://schemas.microsoft.com/office/drawing/2014/main" xmlns="" val="2666075772"/>
                   </a:ext>
                 </a:extLst>
               </a:tr>
@@ -9149,7 +9265,7 @@
                 </a:tc>
                 <a:extLst>
                   <a:ext uri="{0D108BD9-81ED-4DB2-BD59-A6C34878D82A}">
-                    <a16:rowId xmlns:a16="http://schemas.microsoft.com/office/drawing/2014/main" val="246668805"/>
+                    <a16:rowId xmlns:a16="http://schemas.microsoft.com/office/drawing/2014/main" xmlns="" val="246668805"/>
                   </a:ext>
                 </a:extLst>
               </a:tr>
@@ -9272,7 +9388,7 @@
                 </a:tc>
                 <a:extLst>
                   <a:ext uri="{0D108BD9-81ED-4DB2-BD59-A6C34878D82A}">
-                    <a16:rowId xmlns:a16="http://schemas.microsoft.com/office/drawing/2014/main" val="2868295225"/>
+                    <a16:rowId xmlns:a16="http://schemas.microsoft.com/office/drawing/2014/main" xmlns="" val="2868295225"/>
                   </a:ext>
                 </a:extLst>
               </a:tr>
@@ -9395,7 +9511,7 @@
                 </a:tc>
                 <a:extLst>
                   <a:ext uri="{0D108BD9-81ED-4DB2-BD59-A6C34878D82A}">
-                    <a16:rowId xmlns:a16="http://schemas.microsoft.com/office/drawing/2014/main" val="226910946"/>
+                    <a16:rowId xmlns:a16="http://schemas.microsoft.com/office/drawing/2014/main" xmlns="" val="226910946"/>
                   </a:ext>
                 </a:extLst>
               </a:tr>
@@ -9522,28 +9638,28 @@
                 <a:gridCol w="848650">
                   <a:extLst>
                     <a:ext uri="{9D8B030D-6E8A-4147-A177-3AD203B41FA5}">
-                      <a16:colId xmlns:a16="http://schemas.microsoft.com/office/drawing/2014/main" val="360572316"/>
+                      <a16:colId xmlns:a16="http://schemas.microsoft.com/office/drawing/2014/main" xmlns="" val="360572316"/>
                     </a:ext>
                   </a:extLst>
                 </a:gridCol>
                 <a:gridCol w="5013704">
                   <a:extLst>
                     <a:ext uri="{9D8B030D-6E8A-4147-A177-3AD203B41FA5}">
-                      <a16:colId xmlns:a16="http://schemas.microsoft.com/office/drawing/2014/main" val="1517721356"/>
+                      <a16:colId xmlns:a16="http://schemas.microsoft.com/office/drawing/2014/main" xmlns="" val="1517721356"/>
                     </a:ext>
                   </a:extLst>
                 </a:gridCol>
                 <a:gridCol w="1359220">
                   <a:extLst>
                     <a:ext uri="{9D8B030D-6E8A-4147-A177-3AD203B41FA5}">
-                      <a16:colId xmlns:a16="http://schemas.microsoft.com/office/drawing/2014/main" val="181445251"/>
+                      <a16:colId xmlns:a16="http://schemas.microsoft.com/office/drawing/2014/main" xmlns="" val="181445251"/>
                     </a:ext>
                   </a:extLst>
                 </a:gridCol>
                 <a:gridCol w="2311362">
                   <a:extLst>
                     <a:ext uri="{9D8B030D-6E8A-4147-A177-3AD203B41FA5}">
-                      <a16:colId xmlns:a16="http://schemas.microsoft.com/office/drawing/2014/main" val="2382814790"/>
+                      <a16:colId xmlns:a16="http://schemas.microsoft.com/office/drawing/2014/main" xmlns="" val="2382814790"/>
                     </a:ext>
                   </a:extLst>
                 </a:gridCol>
@@ -9731,7 +9847,7 @@
                 </a:tc>
                 <a:extLst>
                   <a:ext uri="{0D108BD9-81ED-4DB2-BD59-A6C34878D82A}">
-                    <a16:rowId xmlns:a16="http://schemas.microsoft.com/office/drawing/2014/main" val="4238777294"/>
+                    <a16:rowId xmlns:a16="http://schemas.microsoft.com/office/drawing/2014/main" xmlns="" val="4238777294"/>
                   </a:ext>
                 </a:extLst>
               </a:tr>
@@ -9885,7 +10001,7 @@
                 </a:tc>
                 <a:extLst>
                   <a:ext uri="{0D108BD9-81ED-4DB2-BD59-A6C34878D82A}">
-                    <a16:rowId xmlns:a16="http://schemas.microsoft.com/office/drawing/2014/main" val="992167694"/>
+                    <a16:rowId xmlns:a16="http://schemas.microsoft.com/office/drawing/2014/main" xmlns="" val="992167694"/>
                   </a:ext>
                 </a:extLst>
               </a:tr>
@@ -10024,7 +10140,7 @@
                 </a:tc>
                 <a:extLst>
                   <a:ext uri="{0D108BD9-81ED-4DB2-BD59-A6C34878D82A}">
-                    <a16:rowId xmlns:a16="http://schemas.microsoft.com/office/drawing/2014/main" val="2373103171"/>
+                    <a16:rowId xmlns:a16="http://schemas.microsoft.com/office/drawing/2014/main" xmlns="" val="2373103171"/>
                   </a:ext>
                 </a:extLst>
               </a:tr>
@@ -10163,7 +10279,7 @@
                 </a:tc>
                 <a:extLst>
                   <a:ext uri="{0D108BD9-81ED-4DB2-BD59-A6C34878D82A}">
-                    <a16:rowId xmlns:a16="http://schemas.microsoft.com/office/drawing/2014/main" val="1924536285"/>
+                    <a16:rowId xmlns:a16="http://schemas.microsoft.com/office/drawing/2014/main" xmlns="" val="1924536285"/>
                   </a:ext>
                 </a:extLst>
               </a:tr>
@@ -10286,7 +10402,7 @@
                 </a:tc>
                 <a:extLst>
                   <a:ext uri="{0D108BD9-81ED-4DB2-BD59-A6C34878D82A}">
-                    <a16:rowId xmlns:a16="http://schemas.microsoft.com/office/drawing/2014/main" val="3305211673"/>
+                    <a16:rowId xmlns:a16="http://schemas.microsoft.com/office/drawing/2014/main" xmlns="" val="3305211673"/>
                   </a:ext>
                 </a:extLst>
               </a:tr>
@@ -10409,7 +10525,7 @@
                 </a:tc>
                 <a:extLst>
                   <a:ext uri="{0D108BD9-81ED-4DB2-BD59-A6C34878D82A}">
-                    <a16:rowId xmlns:a16="http://schemas.microsoft.com/office/drawing/2014/main" val="1581555079"/>
+                    <a16:rowId xmlns:a16="http://schemas.microsoft.com/office/drawing/2014/main" xmlns="" val="1581555079"/>
                   </a:ext>
                 </a:extLst>
               </a:tr>
